--- a/use case.pptx
+++ b/use case.pptx
@@ -3427,7 +3427,7 @@
         </p:nvSpPr>
         <p:spPr>
           <a:xfrm>
-            <a:off x="6402213" y="1223468"/>
+            <a:off x="6117364" y="669383"/>
             <a:ext cx="1432708" cy="598219"/>
           </a:xfrm>
           <a:prstGeom prst="ellipse">
@@ -3488,8 +3488,8 @@
         </p:nvSpPr>
         <p:spPr>
           <a:xfrm>
-            <a:off x="4053611" y="1220500"/>
-            <a:ext cx="1529950" cy="598219"/>
+            <a:off x="2815482" y="646234"/>
+            <a:ext cx="1529950" cy="669427"/>
           </a:xfrm>
           <a:prstGeom prst="ellipse">
             <a:avLst/>
@@ -3549,7 +3549,7 @@
         </p:nvSpPr>
         <p:spPr>
           <a:xfrm>
-            <a:off x="5629100" y="1291807"/>
+            <a:off x="5406375" y="801197"/>
             <a:ext cx="896644" cy="215444"/>
           </a:xfrm>
           <a:prstGeom prst="rect">
@@ -3582,13 +3582,14 @@
           </p:cNvPr>
           <p:cNvCxnSpPr>
             <a:cxnSpLocks/>
+            <a:endCxn id="9" idx="6"/>
           </p:cNvCxnSpPr>
           <p:nvPr/>
         </p:nvCxnSpPr>
         <p:spPr>
-          <a:xfrm flipH="1">
-            <a:off x="5619429" y="1537135"/>
-            <a:ext cx="681486" cy="6163"/>
+          <a:xfrm flipH="1" flipV="1">
+            <a:off x="4345432" y="980948"/>
+            <a:ext cx="1760824" cy="19186"/>
           </a:xfrm>
           <a:prstGeom prst="straightConnector1">
             <a:avLst/>
@@ -3627,9 +3628,9 @@
           <p:nvPr/>
         </p:nvCxnSpPr>
         <p:spPr>
-          <a:xfrm>
-            <a:off x="973936" y="1369343"/>
-            <a:ext cx="2977861" cy="107694"/>
+          <a:xfrm flipV="1">
+            <a:off x="973936" y="1052029"/>
+            <a:ext cx="1793369" cy="317315"/>
           </a:xfrm>
           <a:prstGeom prst="straightConnector1">
             <a:avLst/>
@@ -3670,8 +3671,8 @@
         </p:nvCxnSpPr>
         <p:spPr>
           <a:xfrm>
-            <a:off x="5359505" y="1731112"/>
-            <a:ext cx="981529" cy="494470"/>
+            <a:off x="4121376" y="1217626"/>
+            <a:ext cx="2074086" cy="517400"/>
           </a:xfrm>
           <a:prstGeom prst="straightConnector1">
             <a:avLst/>
@@ -3709,8 +3710,8 @@
         </p:nvSpPr>
         <p:spPr>
           <a:xfrm>
-            <a:off x="6497834" y="2063769"/>
-            <a:ext cx="1195783" cy="450832"/>
+            <a:off x="6141629" y="1601803"/>
+            <a:ext cx="1461565" cy="551082"/>
           </a:xfrm>
           <a:prstGeom prst="ellipse">
             <a:avLst/>
@@ -3767,13 +3768,14 @@
           </p:cNvPr>
           <p:cNvCxnSpPr>
             <a:cxnSpLocks/>
+            <a:endCxn id="37" idx="3"/>
           </p:cNvCxnSpPr>
           <p:nvPr/>
         </p:nvCxnSpPr>
         <p:spPr>
-          <a:xfrm>
-            <a:off x="7629673" y="2329332"/>
-            <a:ext cx="665824" cy="16008"/>
+          <a:xfrm flipV="1">
+            <a:off x="7592571" y="1194129"/>
+            <a:ext cx="774489" cy="712053"/>
           </a:xfrm>
           <a:prstGeom prst="straightConnector1">
             <a:avLst/>
@@ -4009,8 +4011,8 @@
         </p:nvSpPr>
         <p:spPr>
           <a:xfrm>
-            <a:off x="8295498" y="2091115"/>
-            <a:ext cx="1432708" cy="498787"/>
+            <a:off x="8155849" y="711942"/>
+            <a:ext cx="1442238" cy="564917"/>
           </a:xfrm>
           <a:prstGeom prst="ellipse">
             <a:avLst/>
@@ -4069,8 +4071,8 @@
           <p:nvPr/>
         </p:nvSpPr>
         <p:spPr>
-          <a:xfrm>
-            <a:off x="7650175" y="1990512"/>
+          <a:xfrm rot="19081712">
+            <a:off x="7510489" y="1323151"/>
             <a:ext cx="896644" cy="215444"/>
           </a:xfrm>
           <a:prstGeom prst="rect">
@@ -4108,8 +4110,8 @@
         </p:nvCxnSpPr>
         <p:spPr>
           <a:xfrm flipV="1">
-            <a:off x="9169259" y="1200874"/>
-            <a:ext cx="1786782" cy="922878"/>
+            <a:off x="9598087" y="685097"/>
+            <a:ext cx="1515909" cy="295850"/>
           </a:xfrm>
           <a:prstGeom prst="straightConnector1">
             <a:avLst/>
@@ -4148,7 +4150,7 @@
         </p:nvSpPr>
         <p:spPr>
           <a:xfrm>
-            <a:off x="3446794" y="3946735"/>
+            <a:off x="3049442" y="4077045"/>
             <a:ext cx="1399710" cy="432587"/>
           </a:xfrm>
           <a:prstGeom prst="ellipse">
@@ -4211,8 +4213,8 @@
         </p:nvCxnSpPr>
         <p:spPr>
           <a:xfrm>
-            <a:off x="944637" y="1895891"/>
-            <a:ext cx="2752895" cy="1997963"/>
+            <a:off x="1024293" y="1942332"/>
+            <a:ext cx="2420217" cy="2113203"/>
           </a:xfrm>
           <a:prstGeom prst="straightConnector1">
             <a:avLst/>
@@ -4313,13 +4315,14 @@
           </p:cNvPr>
           <p:cNvCxnSpPr>
             <a:cxnSpLocks/>
+            <a:endCxn id="43" idx="2"/>
           </p:cNvCxnSpPr>
           <p:nvPr/>
         </p:nvCxnSpPr>
         <p:spPr>
           <a:xfrm flipV="1">
-            <a:off x="944637" y="4369035"/>
-            <a:ext cx="2725426" cy="347094"/>
+            <a:off x="1067514" y="4293339"/>
+            <a:ext cx="1981928" cy="316632"/>
           </a:xfrm>
           <a:prstGeom prst="straightConnector1">
             <a:avLst/>
@@ -4358,8 +4361,8 @@
         </p:nvSpPr>
         <p:spPr>
           <a:xfrm>
-            <a:off x="3133503" y="1981502"/>
-            <a:ext cx="1255058" cy="428027"/>
+            <a:off x="2694726" y="1452425"/>
+            <a:ext cx="1334102" cy="532185"/>
           </a:xfrm>
           <a:prstGeom prst="ellipse">
             <a:avLst/>
@@ -4419,7 +4422,7 @@
         </p:nvSpPr>
         <p:spPr>
           <a:xfrm>
-            <a:off x="3141840" y="2804080"/>
+            <a:off x="2801754" y="2881706"/>
             <a:ext cx="1291559" cy="482847"/>
           </a:xfrm>
           <a:prstGeom prst="ellipse">
@@ -4475,13 +4478,15 @@
               </a:ext>
             </a:extLst>
           </p:cNvPr>
-          <p:cNvCxnSpPr/>
+          <p:cNvCxnSpPr>
+            <a:stCxn id="51" idx="4"/>
+          </p:cNvCxnSpPr>
           <p:nvPr/>
         </p:nvCxnSpPr>
         <p:spPr>
-          <a:xfrm>
-            <a:off x="3811078" y="2409530"/>
-            <a:ext cx="0" cy="303238"/>
+          <a:xfrm flipH="1">
+            <a:off x="3325566" y="1984610"/>
+            <a:ext cx="36211" cy="897096"/>
           </a:xfrm>
           <a:prstGeom prst="straightConnector1">
             <a:avLst/>
@@ -4519,7 +4524,7 @@
         </p:nvSpPr>
         <p:spPr>
           <a:xfrm>
-            <a:off x="3760211" y="2533380"/>
+            <a:off x="2662958" y="2581218"/>
             <a:ext cx="896644" cy="215444"/>
           </a:xfrm>
           <a:prstGeom prst="rect">
@@ -4555,8 +4560,8 @@
         </p:nvSpPr>
         <p:spPr>
           <a:xfrm>
-            <a:off x="4483376" y="5071208"/>
-            <a:ext cx="1658253" cy="432652"/>
+            <a:off x="5609593" y="5112122"/>
+            <a:ext cx="1638900" cy="546437"/>
           </a:xfrm>
           <a:prstGeom prst="ellipse">
             <a:avLst/>
@@ -4613,13 +4618,15 @@
           </p:cNvPr>
           <p:cNvCxnSpPr>
             <a:cxnSpLocks/>
+            <a:stCxn id="47" idx="0"/>
+            <a:endCxn id="57" idx="2"/>
           </p:cNvCxnSpPr>
           <p:nvPr/>
         </p:nvCxnSpPr>
         <p:spPr>
           <a:xfrm>
-            <a:off x="1187986" y="4956261"/>
-            <a:ext cx="3158638" cy="212784"/>
+            <a:off x="964804" y="4817179"/>
+            <a:ext cx="4644789" cy="568162"/>
           </a:xfrm>
           <a:prstGeom prst="straightConnector1">
             <a:avLst/>
@@ -4654,13 +4661,14 @@
           </p:cNvPr>
           <p:cNvCxnSpPr>
             <a:cxnSpLocks/>
+            <a:stCxn id="53" idx="5"/>
           </p:cNvCxnSpPr>
           <p:nvPr/>
         </p:nvCxnSpPr>
         <p:spPr>
           <a:xfrm>
-            <a:off x="4019702" y="3238806"/>
-            <a:ext cx="1318519" cy="1666102"/>
+            <a:off x="3904169" y="3293842"/>
+            <a:ext cx="2116815" cy="1830987"/>
           </a:xfrm>
           <a:prstGeom prst="straightConnector1">
             <a:avLst/>
@@ -4700,8 +4708,8 @@
         </p:nvCxnSpPr>
         <p:spPr>
           <a:xfrm flipV="1">
-            <a:off x="9537463" y="1587175"/>
-            <a:ext cx="1625434" cy="1763961"/>
+            <a:off x="8870397" y="1007793"/>
+            <a:ext cx="2157663" cy="2194774"/>
           </a:xfrm>
           <a:prstGeom prst="straightConnector1">
             <a:avLst/>
@@ -4741,8 +4749,8 @@
         </p:nvCxnSpPr>
         <p:spPr>
           <a:xfrm flipV="1">
-            <a:off x="6300000" y="3259995"/>
-            <a:ext cx="4928851" cy="2010831"/>
+            <a:off x="7177890" y="3218531"/>
+            <a:ext cx="3871675" cy="2027268"/>
           </a:xfrm>
           <a:prstGeom prst="straightConnector1">
             <a:avLst/>
@@ -4777,13 +4785,14 @@
           </p:cNvPr>
           <p:cNvCxnSpPr>
             <a:cxnSpLocks/>
+            <a:stCxn id="57" idx="5"/>
           </p:cNvCxnSpPr>
           <p:nvPr/>
         </p:nvCxnSpPr>
         <p:spPr>
           <a:xfrm>
-            <a:off x="6260384" y="5514288"/>
-            <a:ext cx="4695657" cy="73611"/>
+            <a:off x="7008482" y="5578535"/>
+            <a:ext cx="3947559" cy="9364"/>
           </a:xfrm>
           <a:prstGeom prst="straightConnector1">
             <a:avLst/>
@@ -4822,9 +4831,9 @@
           <p:nvPr/>
         </p:nvCxnSpPr>
         <p:spPr>
-          <a:xfrm>
-            <a:off x="923427" y="1688955"/>
-            <a:ext cx="2284910" cy="337667"/>
+          <a:xfrm flipV="1">
+            <a:off x="923427" y="1682316"/>
+            <a:ext cx="1756461" cy="6639"/>
           </a:xfrm>
           <a:prstGeom prst="straightConnector1">
             <a:avLst/>
@@ -4862,8 +4871,8 @@
         </p:nvSpPr>
         <p:spPr>
           <a:xfrm>
-            <a:off x="4891266" y="2752993"/>
-            <a:ext cx="1064373" cy="522612"/>
+            <a:off x="4561348" y="2514655"/>
+            <a:ext cx="1109135" cy="568452"/>
           </a:xfrm>
           <a:prstGeom prst="ellipse">
             <a:avLst/>
@@ -4926,8 +4935,8 @@
         </p:nvCxnSpPr>
         <p:spPr>
           <a:xfrm>
-            <a:off x="4388561" y="2195516"/>
-            <a:ext cx="507927" cy="515879"/>
+            <a:off x="4028828" y="1718518"/>
+            <a:ext cx="731986" cy="863414"/>
           </a:xfrm>
           <a:prstGeom prst="straightConnector1">
             <a:avLst/>
@@ -4963,13 +4972,14 @@
           <p:cNvCxnSpPr>
             <a:cxnSpLocks/>
             <a:stCxn id="27" idx="2"/>
+            <a:endCxn id="75" idx="7"/>
           </p:cNvCxnSpPr>
           <p:nvPr/>
         </p:nvCxnSpPr>
         <p:spPr>
           <a:xfrm flipH="1">
-            <a:off x="5688603" y="2289185"/>
-            <a:ext cx="809231" cy="508393"/>
+            <a:off x="5508054" y="1877344"/>
+            <a:ext cx="633575" cy="720559"/>
           </a:xfrm>
           <a:prstGeom prst="straightConnector1">
             <a:avLst/>
@@ -5006,9 +5016,9 @@
           <p:nvPr/>
         </p:nvSpPr>
         <p:spPr>
-          <a:xfrm rot="19797343">
-            <a:off x="5701340" y="2334398"/>
-            <a:ext cx="725336" cy="215444"/>
+          <a:xfrm rot="18576588">
+            <a:off x="5346461" y="1960012"/>
+            <a:ext cx="899608" cy="215444"/>
           </a:xfrm>
           <a:prstGeom prst="rect">
             <a:avLst/>
@@ -5040,13 +5050,14 @@
           </p:cNvPr>
           <p:cNvCxnSpPr>
             <a:cxnSpLocks/>
+            <a:endCxn id="53" idx="6"/>
           </p:cNvCxnSpPr>
           <p:nvPr/>
         </p:nvCxnSpPr>
         <p:spPr>
           <a:xfrm flipH="1" flipV="1">
-            <a:off x="4221693" y="3251932"/>
-            <a:ext cx="5318420" cy="115434"/>
+            <a:off x="4093313" y="3123130"/>
+            <a:ext cx="4783655" cy="67484"/>
           </a:xfrm>
           <a:prstGeom prst="line">
             <a:avLst/>
@@ -5081,7 +5092,7 @@
         </p:nvSpPr>
         <p:spPr>
           <a:xfrm>
-            <a:off x="1756064" y="5587899"/>
+            <a:off x="1292875" y="3657537"/>
             <a:ext cx="1565045" cy="432652"/>
           </a:xfrm>
           <a:prstGeom prst="ellipse">
@@ -5183,8 +5194,8 @@
         </p:nvSpPr>
         <p:spPr>
           <a:xfrm>
-            <a:off x="841148" y="2571436"/>
-            <a:ext cx="1149270" cy="354776"/>
+            <a:off x="575934" y="2701417"/>
+            <a:ext cx="1267692" cy="458938"/>
           </a:xfrm>
           <a:prstGeom prst="ellipse">
             <a:avLst/>
@@ -5246,8 +5257,8 @@
         </p:nvCxnSpPr>
         <p:spPr>
           <a:xfrm>
-            <a:off x="1235606" y="3030374"/>
-            <a:ext cx="876064" cy="2520719"/>
+            <a:off x="1521801" y="3150705"/>
+            <a:ext cx="128694" cy="494752"/>
           </a:xfrm>
           <a:prstGeom prst="straightConnector1">
             <a:avLst/>
@@ -5282,14 +5293,13 @@
           </p:cNvPr>
           <p:cNvCxnSpPr>
             <a:cxnSpLocks/>
-            <a:endCxn id="135" idx="1"/>
           </p:cNvCxnSpPr>
           <p:nvPr/>
         </p:nvCxnSpPr>
         <p:spPr>
           <a:xfrm>
-            <a:off x="846142" y="2319582"/>
-            <a:ext cx="163313" cy="303810"/>
+            <a:off x="817938" y="2337830"/>
+            <a:ext cx="76629" cy="380252"/>
           </a:xfrm>
           <a:prstGeom prst="straightConnector1">
             <a:avLst/>
@@ -5327,7 +5337,7 @@
         </p:nvSpPr>
         <p:spPr>
           <a:xfrm>
-            <a:off x="1771806" y="3874236"/>
+            <a:off x="1666023" y="5655500"/>
             <a:ext cx="1282653" cy="428027"/>
           </a:xfrm>
           <a:prstGeom prst="ellipse">
@@ -5401,8 +5411,8 @@
         </p:nvCxnSpPr>
         <p:spPr>
           <a:xfrm flipV="1">
-            <a:off x="855655" y="4154559"/>
-            <a:ext cx="966710" cy="309663"/>
+            <a:off x="1046525" y="4092453"/>
+            <a:ext cx="526258" cy="231224"/>
           </a:xfrm>
           <a:prstGeom prst="straightConnector1">
             <a:avLst/>
@@ -5439,8 +5449,8 @@
           <p:nvPr/>
         </p:nvSpPr>
         <p:spPr>
-          <a:xfrm rot="19818798">
-            <a:off x="5488526" y="2035669"/>
+          <a:xfrm rot="18649610">
+            <a:off x="4934167" y="1342316"/>
             <a:ext cx="3434379" cy="230832"/>
           </a:xfrm>
           <a:prstGeom prst="rect">
@@ -5475,8 +5485,8 @@
           <p:nvPr/>
         </p:nvSpPr>
         <p:spPr>
-          <a:xfrm rot="2836339">
-            <a:off x="4370151" y="2268181"/>
+          <a:xfrm rot="3016160">
+            <a:off x="4150470" y="2009480"/>
             <a:ext cx="725336" cy="215444"/>
           </a:xfrm>
           <a:prstGeom prst="rect">
@@ -5511,8 +5521,8 @@
           <p:nvPr/>
         </p:nvSpPr>
         <p:spPr>
-          <a:xfrm rot="2892130">
-            <a:off x="3668767" y="3355238"/>
+          <a:xfrm rot="3018859">
+            <a:off x="3319052" y="3020545"/>
             <a:ext cx="3434379" cy="230832"/>
           </a:xfrm>
           <a:prstGeom prst="rect">
@@ -5558,8 +5568,8 @@
         </p:nvCxnSpPr>
         <p:spPr>
           <a:xfrm flipH="1">
-            <a:off x="5868864" y="2679541"/>
-            <a:ext cx="2786532" cy="2291526"/>
+            <a:off x="6625689" y="1289864"/>
+            <a:ext cx="2041508" cy="3763303"/>
           </a:xfrm>
           <a:prstGeom prst="straightConnector1">
             <a:avLst/>

--- a/use case.pptx
+++ b/use case.pptx
@@ -5,7 +5,7 @@
     <p:sldMasterId id="2147483648" r:id="rId1"/>
   </p:sldMasterIdLst>
   <p:sldIdLst>
-    <p:sldId id="256" r:id="rId2"/>
+    <p:sldId id="261" r:id="rId2"/>
   </p:sldIdLst>
   <p:sldSz cx="12192000" cy="6858000"/>
   <p:notesSz cx="6858000" cy="9144000"/>
@@ -134,7 +134,7 @@
           <p:cNvPr id="2" name="Title 1">
             <a:extLst>
               <a:ext uri="{FF2B5EF4-FFF2-40B4-BE49-F238E27FC236}">
-                <a16:creationId xmlns:a16="http://schemas.microsoft.com/office/drawing/2014/main" id="{0C75623A-B0FD-4D90-8A93-3CDA4128D4E9}"/>
+                <a16:creationId xmlns:a16="http://schemas.microsoft.com/office/drawing/2014/main" id="{92C2EE2E-789D-4536-AC08-EB789DAB2B66}"/>
               </a:ext>
             </a:extLst>
           </p:cNvPr>
@@ -172,7 +172,7 @@
           <p:cNvPr id="3" name="Subtitle 2">
             <a:extLst>
               <a:ext uri="{FF2B5EF4-FFF2-40B4-BE49-F238E27FC236}">
-                <a16:creationId xmlns:a16="http://schemas.microsoft.com/office/drawing/2014/main" id="{BE9EC98B-3EFF-46CC-96C0-1E1ECA1ABDCA}"/>
+                <a16:creationId xmlns:a16="http://schemas.microsoft.com/office/drawing/2014/main" id="{9AA6F3CB-85D6-4289-9348-5130F2479305}"/>
               </a:ext>
             </a:extLst>
           </p:cNvPr>
@@ -243,7 +243,7 @@
           <p:cNvPr id="4" name="Date Placeholder 3">
             <a:extLst>
               <a:ext uri="{FF2B5EF4-FFF2-40B4-BE49-F238E27FC236}">
-                <a16:creationId xmlns:a16="http://schemas.microsoft.com/office/drawing/2014/main" id="{DCD7BBF8-85F2-4785-A30D-257991313CE1}"/>
+                <a16:creationId xmlns:a16="http://schemas.microsoft.com/office/drawing/2014/main" id="{06336B6F-959E-4565-AA89-10AE411FD4D5}"/>
               </a:ext>
             </a:extLst>
           </p:cNvPr>
@@ -259,9 +259,9 @@
           <a:bodyPr/>
           <a:lstStyle/>
           <a:p>
-            <a:fld id="{D12111CF-6216-4747-BAEA-048E88FE50F3}" type="datetimeFigureOut">
+            <a:fld id="{513C8AA9-870F-45BC-BE8C-34B430F5D4F0}" type="datetimeFigureOut">
               <a:rPr lang="he-IL" smtClean="0"/>
-              <a:t>ז'/כסלו/תשפ"א</a:t>
+              <a:t>כ'/כסלו/תשפ"א</a:t>
             </a:fld>
             <a:endParaRPr lang="he-IL"/>
           </a:p>
@@ -272,7 +272,7 @@
           <p:cNvPr id="5" name="Footer Placeholder 4">
             <a:extLst>
               <a:ext uri="{FF2B5EF4-FFF2-40B4-BE49-F238E27FC236}">
-                <a16:creationId xmlns:a16="http://schemas.microsoft.com/office/drawing/2014/main" id="{07EB8044-427D-4947-80A7-A30839B9E68D}"/>
+                <a16:creationId xmlns:a16="http://schemas.microsoft.com/office/drawing/2014/main" id="{0AEC0B9A-0304-41FD-883F-A81B3DAF9FB7}"/>
               </a:ext>
             </a:extLst>
           </p:cNvPr>
@@ -297,7 +297,7 @@
           <p:cNvPr id="6" name="Slide Number Placeholder 5">
             <a:extLst>
               <a:ext uri="{FF2B5EF4-FFF2-40B4-BE49-F238E27FC236}">
-                <a16:creationId xmlns:a16="http://schemas.microsoft.com/office/drawing/2014/main" id="{31836E81-0769-4572-844C-80AF928F83CF}"/>
+                <a16:creationId xmlns:a16="http://schemas.microsoft.com/office/drawing/2014/main" id="{C88C5AD7-F6A2-4C6C-AA3D-AE8675AE7744}"/>
               </a:ext>
             </a:extLst>
           </p:cNvPr>
@@ -313,7 +313,7 @@
           <a:bodyPr/>
           <a:lstStyle/>
           <a:p>
-            <a:fld id="{DC60C727-56F8-415E-B0AB-A454D1D7290E}" type="slidenum">
+            <a:fld id="{04AA6141-9DBE-4AFF-9310-A5E3B9875190}" type="slidenum">
               <a:rPr lang="he-IL" smtClean="0"/>
               <a:t>‹#›</a:t>
             </a:fld>
@@ -324,7 +324,7 @@
     </p:spTree>
     <p:extLst>
       <p:ext uri="{BB962C8B-B14F-4D97-AF65-F5344CB8AC3E}">
-        <p14:creationId xmlns:p14="http://schemas.microsoft.com/office/powerpoint/2010/main" val="1746173333"/>
+        <p14:creationId xmlns:p14="http://schemas.microsoft.com/office/powerpoint/2010/main" val="3835865582"/>
       </p:ext>
     </p:extLst>
   </p:cSld>
@@ -356,7 +356,7 @@
           <p:cNvPr id="2" name="Title 1">
             <a:extLst>
               <a:ext uri="{FF2B5EF4-FFF2-40B4-BE49-F238E27FC236}">
-                <a16:creationId xmlns:a16="http://schemas.microsoft.com/office/drawing/2014/main" id="{AE76DB41-38FD-4FD7-8B29-4EEDA7A4D85B}"/>
+                <a16:creationId xmlns:a16="http://schemas.microsoft.com/office/drawing/2014/main" id="{BD54CACA-C204-41D5-80A4-54ED17C0E9B4}"/>
               </a:ext>
             </a:extLst>
           </p:cNvPr>
@@ -385,7 +385,7 @@
           <p:cNvPr id="3" name="Vertical Text Placeholder 2">
             <a:extLst>
               <a:ext uri="{FF2B5EF4-FFF2-40B4-BE49-F238E27FC236}">
-                <a16:creationId xmlns:a16="http://schemas.microsoft.com/office/drawing/2014/main" id="{39AC7CF0-B407-4CC3-8B19-48F965A570D7}"/>
+                <a16:creationId xmlns:a16="http://schemas.microsoft.com/office/drawing/2014/main" id="{FD02F81C-F283-408C-866B-1BE61E773CC7}"/>
               </a:ext>
             </a:extLst>
           </p:cNvPr>
@@ -443,7 +443,7 @@
           <p:cNvPr id="4" name="Date Placeholder 3">
             <a:extLst>
               <a:ext uri="{FF2B5EF4-FFF2-40B4-BE49-F238E27FC236}">
-                <a16:creationId xmlns:a16="http://schemas.microsoft.com/office/drawing/2014/main" id="{91151485-5C12-4223-9BA1-87348CEE2102}"/>
+                <a16:creationId xmlns:a16="http://schemas.microsoft.com/office/drawing/2014/main" id="{DFBD75C5-7E53-4097-8F0F-8873FF51CA6A}"/>
               </a:ext>
             </a:extLst>
           </p:cNvPr>
@@ -459,9 +459,9 @@
           <a:bodyPr/>
           <a:lstStyle/>
           <a:p>
-            <a:fld id="{D12111CF-6216-4747-BAEA-048E88FE50F3}" type="datetimeFigureOut">
+            <a:fld id="{513C8AA9-870F-45BC-BE8C-34B430F5D4F0}" type="datetimeFigureOut">
               <a:rPr lang="he-IL" smtClean="0"/>
-              <a:t>ז'/כסלו/תשפ"א</a:t>
+              <a:t>כ'/כסלו/תשפ"א</a:t>
             </a:fld>
             <a:endParaRPr lang="he-IL"/>
           </a:p>
@@ -472,7 +472,7 @@
           <p:cNvPr id="5" name="Footer Placeholder 4">
             <a:extLst>
               <a:ext uri="{FF2B5EF4-FFF2-40B4-BE49-F238E27FC236}">
-                <a16:creationId xmlns:a16="http://schemas.microsoft.com/office/drawing/2014/main" id="{74168F25-6AEF-4AB5-A350-80A6EBADA6FF}"/>
+                <a16:creationId xmlns:a16="http://schemas.microsoft.com/office/drawing/2014/main" id="{81BDE983-52F4-4190-9EE0-8C01C2B9950C}"/>
               </a:ext>
             </a:extLst>
           </p:cNvPr>
@@ -497,7 +497,7 @@
           <p:cNvPr id="6" name="Slide Number Placeholder 5">
             <a:extLst>
               <a:ext uri="{FF2B5EF4-FFF2-40B4-BE49-F238E27FC236}">
-                <a16:creationId xmlns:a16="http://schemas.microsoft.com/office/drawing/2014/main" id="{9FD52EDA-F67E-41FD-813B-47E120C31D59}"/>
+                <a16:creationId xmlns:a16="http://schemas.microsoft.com/office/drawing/2014/main" id="{003FEBA2-AB52-4957-AAAA-B86A0CFA00B7}"/>
               </a:ext>
             </a:extLst>
           </p:cNvPr>
@@ -513,7 +513,7 @@
           <a:bodyPr/>
           <a:lstStyle/>
           <a:p>
-            <a:fld id="{DC60C727-56F8-415E-B0AB-A454D1D7290E}" type="slidenum">
+            <a:fld id="{04AA6141-9DBE-4AFF-9310-A5E3B9875190}" type="slidenum">
               <a:rPr lang="he-IL" smtClean="0"/>
               <a:t>‹#›</a:t>
             </a:fld>
@@ -524,7 +524,7 @@
     </p:spTree>
     <p:extLst>
       <p:ext uri="{BB962C8B-B14F-4D97-AF65-F5344CB8AC3E}">
-        <p14:creationId xmlns:p14="http://schemas.microsoft.com/office/powerpoint/2010/main" val="2212846446"/>
+        <p14:creationId xmlns:p14="http://schemas.microsoft.com/office/powerpoint/2010/main" val="3105071551"/>
       </p:ext>
     </p:extLst>
   </p:cSld>
@@ -556,7 +556,7 @@
           <p:cNvPr id="2" name="Vertical Title 1">
             <a:extLst>
               <a:ext uri="{FF2B5EF4-FFF2-40B4-BE49-F238E27FC236}">
-                <a16:creationId xmlns:a16="http://schemas.microsoft.com/office/drawing/2014/main" id="{C9BE5C61-5EC2-4110-9405-8F750740CA7D}"/>
+                <a16:creationId xmlns:a16="http://schemas.microsoft.com/office/drawing/2014/main" id="{CECFECD0-17E0-48F0-9BF1-A4498333D857}"/>
               </a:ext>
             </a:extLst>
           </p:cNvPr>
@@ -590,7 +590,7 @@
           <p:cNvPr id="3" name="Vertical Text Placeholder 2">
             <a:extLst>
               <a:ext uri="{FF2B5EF4-FFF2-40B4-BE49-F238E27FC236}">
-                <a16:creationId xmlns:a16="http://schemas.microsoft.com/office/drawing/2014/main" id="{50D86A4D-39E3-4489-9B69-9DA27F3642EA}"/>
+                <a16:creationId xmlns:a16="http://schemas.microsoft.com/office/drawing/2014/main" id="{E39124A5-4091-464C-8A46-44A506FC0F9B}"/>
               </a:ext>
             </a:extLst>
           </p:cNvPr>
@@ -653,7 +653,7 @@
           <p:cNvPr id="4" name="Date Placeholder 3">
             <a:extLst>
               <a:ext uri="{FF2B5EF4-FFF2-40B4-BE49-F238E27FC236}">
-                <a16:creationId xmlns:a16="http://schemas.microsoft.com/office/drawing/2014/main" id="{F2A66FC0-156A-4917-89BC-1EBC15983903}"/>
+                <a16:creationId xmlns:a16="http://schemas.microsoft.com/office/drawing/2014/main" id="{697D84AA-001F-4065-9822-9077CF1DFCB1}"/>
               </a:ext>
             </a:extLst>
           </p:cNvPr>
@@ -669,9 +669,9 @@
           <a:bodyPr/>
           <a:lstStyle/>
           <a:p>
-            <a:fld id="{D12111CF-6216-4747-BAEA-048E88FE50F3}" type="datetimeFigureOut">
+            <a:fld id="{513C8AA9-870F-45BC-BE8C-34B430F5D4F0}" type="datetimeFigureOut">
               <a:rPr lang="he-IL" smtClean="0"/>
-              <a:t>ז'/כסלו/תשפ"א</a:t>
+              <a:t>כ'/כסלו/תשפ"א</a:t>
             </a:fld>
             <a:endParaRPr lang="he-IL"/>
           </a:p>
@@ -682,7 +682,7 @@
           <p:cNvPr id="5" name="Footer Placeholder 4">
             <a:extLst>
               <a:ext uri="{FF2B5EF4-FFF2-40B4-BE49-F238E27FC236}">
-                <a16:creationId xmlns:a16="http://schemas.microsoft.com/office/drawing/2014/main" id="{258F4E19-4C64-4EE7-99E3-2E973278F36C}"/>
+                <a16:creationId xmlns:a16="http://schemas.microsoft.com/office/drawing/2014/main" id="{28FC474A-67C8-45A3-9459-A917DDD05725}"/>
               </a:ext>
             </a:extLst>
           </p:cNvPr>
@@ -707,7 +707,7 @@
           <p:cNvPr id="6" name="Slide Number Placeholder 5">
             <a:extLst>
               <a:ext uri="{FF2B5EF4-FFF2-40B4-BE49-F238E27FC236}">
-                <a16:creationId xmlns:a16="http://schemas.microsoft.com/office/drawing/2014/main" id="{25577B7A-DF6D-4C70-9B61-DFF0A21750D7}"/>
+                <a16:creationId xmlns:a16="http://schemas.microsoft.com/office/drawing/2014/main" id="{8BB33A44-4421-45E7-B762-CEB0CE2CAA55}"/>
               </a:ext>
             </a:extLst>
           </p:cNvPr>
@@ -723,7 +723,7 @@
           <a:bodyPr/>
           <a:lstStyle/>
           <a:p>
-            <a:fld id="{DC60C727-56F8-415E-B0AB-A454D1D7290E}" type="slidenum">
+            <a:fld id="{04AA6141-9DBE-4AFF-9310-A5E3B9875190}" type="slidenum">
               <a:rPr lang="he-IL" smtClean="0"/>
               <a:t>‹#›</a:t>
             </a:fld>
@@ -734,7 +734,7 @@
     </p:spTree>
     <p:extLst>
       <p:ext uri="{BB962C8B-B14F-4D97-AF65-F5344CB8AC3E}">
-        <p14:creationId xmlns:p14="http://schemas.microsoft.com/office/powerpoint/2010/main" val="3340097978"/>
+        <p14:creationId xmlns:p14="http://schemas.microsoft.com/office/powerpoint/2010/main" val="2737365320"/>
       </p:ext>
     </p:extLst>
   </p:cSld>
@@ -766,7 +766,7 @@
           <p:cNvPr id="2" name="Title 1">
             <a:extLst>
               <a:ext uri="{FF2B5EF4-FFF2-40B4-BE49-F238E27FC236}">
-                <a16:creationId xmlns:a16="http://schemas.microsoft.com/office/drawing/2014/main" id="{17738393-A7B2-4BF0-83DE-CE99201306E0}"/>
+                <a16:creationId xmlns:a16="http://schemas.microsoft.com/office/drawing/2014/main" id="{460FDFAB-97C3-45D4-B06A-EDB50A2BB214}"/>
               </a:ext>
             </a:extLst>
           </p:cNvPr>
@@ -795,7 +795,7 @@
           <p:cNvPr id="3" name="Content Placeholder 2">
             <a:extLst>
               <a:ext uri="{FF2B5EF4-FFF2-40B4-BE49-F238E27FC236}">
-                <a16:creationId xmlns:a16="http://schemas.microsoft.com/office/drawing/2014/main" id="{C5E3F806-2A5E-47D8-8B70-992A1927EFC0}"/>
+                <a16:creationId xmlns:a16="http://schemas.microsoft.com/office/drawing/2014/main" id="{D2A19E78-BC39-4042-BF45-41BAE06FEE83}"/>
               </a:ext>
             </a:extLst>
           </p:cNvPr>
@@ -853,7 +853,7 @@
           <p:cNvPr id="4" name="Date Placeholder 3">
             <a:extLst>
               <a:ext uri="{FF2B5EF4-FFF2-40B4-BE49-F238E27FC236}">
-                <a16:creationId xmlns:a16="http://schemas.microsoft.com/office/drawing/2014/main" id="{369FBB85-3FA8-4B8F-9715-760443F9B4AA}"/>
+                <a16:creationId xmlns:a16="http://schemas.microsoft.com/office/drawing/2014/main" id="{CD120EF6-CFB5-443C-83A1-0A35BA8A950C}"/>
               </a:ext>
             </a:extLst>
           </p:cNvPr>
@@ -869,9 +869,9 @@
           <a:bodyPr/>
           <a:lstStyle/>
           <a:p>
-            <a:fld id="{D12111CF-6216-4747-BAEA-048E88FE50F3}" type="datetimeFigureOut">
+            <a:fld id="{513C8AA9-870F-45BC-BE8C-34B430F5D4F0}" type="datetimeFigureOut">
               <a:rPr lang="he-IL" smtClean="0"/>
-              <a:t>ז'/כסלו/תשפ"א</a:t>
+              <a:t>כ'/כסלו/תשפ"א</a:t>
             </a:fld>
             <a:endParaRPr lang="he-IL"/>
           </a:p>
@@ -882,7 +882,7 @@
           <p:cNvPr id="5" name="Footer Placeholder 4">
             <a:extLst>
               <a:ext uri="{FF2B5EF4-FFF2-40B4-BE49-F238E27FC236}">
-                <a16:creationId xmlns:a16="http://schemas.microsoft.com/office/drawing/2014/main" id="{80CC6652-1901-4F46-A744-941754447584}"/>
+                <a16:creationId xmlns:a16="http://schemas.microsoft.com/office/drawing/2014/main" id="{9B85C2EC-5195-4FB5-82A1-8EF6E5273891}"/>
               </a:ext>
             </a:extLst>
           </p:cNvPr>
@@ -907,7 +907,7 @@
           <p:cNvPr id="6" name="Slide Number Placeholder 5">
             <a:extLst>
               <a:ext uri="{FF2B5EF4-FFF2-40B4-BE49-F238E27FC236}">
-                <a16:creationId xmlns:a16="http://schemas.microsoft.com/office/drawing/2014/main" id="{2811B6B6-6535-4319-93D7-1DC6368B527A}"/>
+                <a16:creationId xmlns:a16="http://schemas.microsoft.com/office/drawing/2014/main" id="{035DCD66-B9BF-4E4E-8FBC-387DF1046431}"/>
               </a:ext>
             </a:extLst>
           </p:cNvPr>
@@ -923,7 +923,7 @@
           <a:bodyPr/>
           <a:lstStyle/>
           <a:p>
-            <a:fld id="{DC60C727-56F8-415E-B0AB-A454D1D7290E}" type="slidenum">
+            <a:fld id="{04AA6141-9DBE-4AFF-9310-A5E3B9875190}" type="slidenum">
               <a:rPr lang="he-IL" smtClean="0"/>
               <a:t>‹#›</a:t>
             </a:fld>
@@ -934,7 +934,7 @@
     </p:spTree>
     <p:extLst>
       <p:ext uri="{BB962C8B-B14F-4D97-AF65-F5344CB8AC3E}">
-        <p14:creationId xmlns:p14="http://schemas.microsoft.com/office/powerpoint/2010/main" val="866350362"/>
+        <p14:creationId xmlns:p14="http://schemas.microsoft.com/office/powerpoint/2010/main" val="1146494111"/>
       </p:ext>
     </p:extLst>
   </p:cSld>
@@ -966,7 +966,7 @@
           <p:cNvPr id="2" name="Title 1">
             <a:extLst>
               <a:ext uri="{FF2B5EF4-FFF2-40B4-BE49-F238E27FC236}">
-                <a16:creationId xmlns:a16="http://schemas.microsoft.com/office/drawing/2014/main" id="{4F02D275-63E4-4E9E-924D-ED7C9C095EA3}"/>
+                <a16:creationId xmlns:a16="http://schemas.microsoft.com/office/drawing/2014/main" id="{89C45757-2968-4FC7-BCBD-CF4158B3C524}"/>
               </a:ext>
             </a:extLst>
           </p:cNvPr>
@@ -1004,7 +1004,7 @@
           <p:cNvPr id="3" name="Text Placeholder 2">
             <a:extLst>
               <a:ext uri="{FF2B5EF4-FFF2-40B4-BE49-F238E27FC236}">
-                <a16:creationId xmlns:a16="http://schemas.microsoft.com/office/drawing/2014/main" id="{D56612CF-A984-424C-9405-B68392D11C05}"/>
+                <a16:creationId xmlns:a16="http://schemas.microsoft.com/office/drawing/2014/main" id="{29526326-531B-45C6-82D7-ADF6677560FE}"/>
               </a:ext>
             </a:extLst>
           </p:cNvPr>
@@ -1129,7 +1129,7 @@
           <p:cNvPr id="4" name="Date Placeholder 3">
             <a:extLst>
               <a:ext uri="{FF2B5EF4-FFF2-40B4-BE49-F238E27FC236}">
-                <a16:creationId xmlns:a16="http://schemas.microsoft.com/office/drawing/2014/main" id="{2F0C1C8A-6EB5-4413-8446-94253BA9FB15}"/>
+                <a16:creationId xmlns:a16="http://schemas.microsoft.com/office/drawing/2014/main" id="{849EB9AE-C9FD-46DB-9D2A-E85C11633081}"/>
               </a:ext>
             </a:extLst>
           </p:cNvPr>
@@ -1145,9 +1145,9 @@
           <a:bodyPr/>
           <a:lstStyle/>
           <a:p>
-            <a:fld id="{D12111CF-6216-4747-BAEA-048E88FE50F3}" type="datetimeFigureOut">
+            <a:fld id="{513C8AA9-870F-45BC-BE8C-34B430F5D4F0}" type="datetimeFigureOut">
               <a:rPr lang="he-IL" smtClean="0"/>
-              <a:t>ז'/כסלו/תשפ"א</a:t>
+              <a:t>כ'/כסלו/תשפ"א</a:t>
             </a:fld>
             <a:endParaRPr lang="he-IL"/>
           </a:p>
@@ -1158,7 +1158,7 @@
           <p:cNvPr id="5" name="Footer Placeholder 4">
             <a:extLst>
               <a:ext uri="{FF2B5EF4-FFF2-40B4-BE49-F238E27FC236}">
-                <a16:creationId xmlns:a16="http://schemas.microsoft.com/office/drawing/2014/main" id="{A39DBF34-3FDF-4690-9AFA-2B4BFA655213}"/>
+                <a16:creationId xmlns:a16="http://schemas.microsoft.com/office/drawing/2014/main" id="{6D20115E-46ED-499B-848D-183A5885F6C3}"/>
               </a:ext>
             </a:extLst>
           </p:cNvPr>
@@ -1183,7 +1183,7 @@
           <p:cNvPr id="6" name="Slide Number Placeholder 5">
             <a:extLst>
               <a:ext uri="{FF2B5EF4-FFF2-40B4-BE49-F238E27FC236}">
-                <a16:creationId xmlns:a16="http://schemas.microsoft.com/office/drawing/2014/main" id="{0B370C17-FE41-4B60-B3E2-B7BD47806D50}"/>
+                <a16:creationId xmlns:a16="http://schemas.microsoft.com/office/drawing/2014/main" id="{C5EE7D64-37FB-4194-8E8B-A0955A42A3D7}"/>
               </a:ext>
             </a:extLst>
           </p:cNvPr>
@@ -1199,7 +1199,7 @@
           <a:bodyPr/>
           <a:lstStyle/>
           <a:p>
-            <a:fld id="{DC60C727-56F8-415E-B0AB-A454D1D7290E}" type="slidenum">
+            <a:fld id="{04AA6141-9DBE-4AFF-9310-A5E3B9875190}" type="slidenum">
               <a:rPr lang="he-IL" smtClean="0"/>
               <a:t>‹#›</a:t>
             </a:fld>
@@ -1210,7 +1210,7 @@
     </p:spTree>
     <p:extLst>
       <p:ext uri="{BB962C8B-B14F-4D97-AF65-F5344CB8AC3E}">
-        <p14:creationId xmlns:p14="http://schemas.microsoft.com/office/powerpoint/2010/main" val="2712454216"/>
+        <p14:creationId xmlns:p14="http://schemas.microsoft.com/office/powerpoint/2010/main" val="1091281647"/>
       </p:ext>
     </p:extLst>
   </p:cSld>
@@ -1242,7 +1242,7 @@
           <p:cNvPr id="2" name="Title 1">
             <a:extLst>
               <a:ext uri="{FF2B5EF4-FFF2-40B4-BE49-F238E27FC236}">
-                <a16:creationId xmlns:a16="http://schemas.microsoft.com/office/drawing/2014/main" id="{3D7B2B57-75DF-4E0A-AACE-963370A44F32}"/>
+                <a16:creationId xmlns:a16="http://schemas.microsoft.com/office/drawing/2014/main" id="{4F4C8D2E-C462-4D08-93DF-EDD2A56AAF8A}"/>
               </a:ext>
             </a:extLst>
           </p:cNvPr>
@@ -1271,7 +1271,7 @@
           <p:cNvPr id="3" name="Content Placeholder 2">
             <a:extLst>
               <a:ext uri="{FF2B5EF4-FFF2-40B4-BE49-F238E27FC236}">
-                <a16:creationId xmlns:a16="http://schemas.microsoft.com/office/drawing/2014/main" id="{CE181361-0769-43AE-AC0B-E4ED3A14DA34}"/>
+                <a16:creationId xmlns:a16="http://schemas.microsoft.com/office/drawing/2014/main" id="{F3518CAE-5BCB-41A5-9D71-C2941B5CB06D}"/>
               </a:ext>
             </a:extLst>
           </p:cNvPr>
@@ -1334,7 +1334,7 @@
           <p:cNvPr id="4" name="Content Placeholder 3">
             <a:extLst>
               <a:ext uri="{FF2B5EF4-FFF2-40B4-BE49-F238E27FC236}">
-                <a16:creationId xmlns:a16="http://schemas.microsoft.com/office/drawing/2014/main" id="{70A1DCC9-F831-43AB-8623-C9AE641E1F41}"/>
+                <a16:creationId xmlns:a16="http://schemas.microsoft.com/office/drawing/2014/main" id="{E364B7E2-C65A-4AF6-A3B7-14C9237B1B46}"/>
               </a:ext>
             </a:extLst>
           </p:cNvPr>
@@ -1397,7 +1397,7 @@
           <p:cNvPr id="5" name="Date Placeholder 4">
             <a:extLst>
               <a:ext uri="{FF2B5EF4-FFF2-40B4-BE49-F238E27FC236}">
-                <a16:creationId xmlns:a16="http://schemas.microsoft.com/office/drawing/2014/main" id="{56391EA3-D69F-4F1A-ABC1-54286D087678}"/>
+                <a16:creationId xmlns:a16="http://schemas.microsoft.com/office/drawing/2014/main" id="{438AD7CE-1E1E-494A-B3C7-47E7DE7D753A}"/>
               </a:ext>
             </a:extLst>
           </p:cNvPr>
@@ -1413,9 +1413,9 @@
           <a:bodyPr/>
           <a:lstStyle/>
           <a:p>
-            <a:fld id="{D12111CF-6216-4747-BAEA-048E88FE50F3}" type="datetimeFigureOut">
+            <a:fld id="{513C8AA9-870F-45BC-BE8C-34B430F5D4F0}" type="datetimeFigureOut">
               <a:rPr lang="he-IL" smtClean="0"/>
-              <a:t>ז'/כסלו/תשפ"א</a:t>
+              <a:t>כ'/כסלו/תשפ"א</a:t>
             </a:fld>
             <a:endParaRPr lang="he-IL"/>
           </a:p>
@@ -1426,7 +1426,7 @@
           <p:cNvPr id="6" name="Footer Placeholder 5">
             <a:extLst>
               <a:ext uri="{FF2B5EF4-FFF2-40B4-BE49-F238E27FC236}">
-                <a16:creationId xmlns:a16="http://schemas.microsoft.com/office/drawing/2014/main" id="{2DBA6B55-6C2B-43E1-A488-EC99C4AD57BF}"/>
+                <a16:creationId xmlns:a16="http://schemas.microsoft.com/office/drawing/2014/main" id="{98C266DA-E7D3-494B-9C39-4EF4CE99A412}"/>
               </a:ext>
             </a:extLst>
           </p:cNvPr>
@@ -1451,7 +1451,7 @@
           <p:cNvPr id="7" name="Slide Number Placeholder 6">
             <a:extLst>
               <a:ext uri="{FF2B5EF4-FFF2-40B4-BE49-F238E27FC236}">
-                <a16:creationId xmlns:a16="http://schemas.microsoft.com/office/drawing/2014/main" id="{2B341DB0-2EDB-4259-ABAF-C3B12014B38F}"/>
+                <a16:creationId xmlns:a16="http://schemas.microsoft.com/office/drawing/2014/main" id="{7C818ACF-3C17-42D4-AE88-9003471B5759}"/>
               </a:ext>
             </a:extLst>
           </p:cNvPr>
@@ -1467,7 +1467,7 @@
           <a:bodyPr/>
           <a:lstStyle/>
           <a:p>
-            <a:fld id="{DC60C727-56F8-415E-B0AB-A454D1D7290E}" type="slidenum">
+            <a:fld id="{04AA6141-9DBE-4AFF-9310-A5E3B9875190}" type="slidenum">
               <a:rPr lang="he-IL" smtClean="0"/>
               <a:t>‹#›</a:t>
             </a:fld>
@@ -1478,7 +1478,7 @@
     </p:spTree>
     <p:extLst>
       <p:ext uri="{BB962C8B-B14F-4D97-AF65-F5344CB8AC3E}">
-        <p14:creationId xmlns:p14="http://schemas.microsoft.com/office/powerpoint/2010/main" val="2098413099"/>
+        <p14:creationId xmlns:p14="http://schemas.microsoft.com/office/powerpoint/2010/main" val="4246153320"/>
       </p:ext>
     </p:extLst>
   </p:cSld>
@@ -1510,7 +1510,7 @@
           <p:cNvPr id="2" name="Title 1">
             <a:extLst>
               <a:ext uri="{FF2B5EF4-FFF2-40B4-BE49-F238E27FC236}">
-                <a16:creationId xmlns:a16="http://schemas.microsoft.com/office/drawing/2014/main" id="{8CF1BA1A-E07D-44C4-8CB4-E2DFAE804CCD}"/>
+                <a16:creationId xmlns:a16="http://schemas.microsoft.com/office/drawing/2014/main" id="{8DF75600-0F14-491A-98FC-72A5CED48D04}"/>
               </a:ext>
             </a:extLst>
           </p:cNvPr>
@@ -1544,7 +1544,7 @@
           <p:cNvPr id="3" name="Text Placeholder 2">
             <a:extLst>
               <a:ext uri="{FF2B5EF4-FFF2-40B4-BE49-F238E27FC236}">
-                <a16:creationId xmlns:a16="http://schemas.microsoft.com/office/drawing/2014/main" id="{EC095DA7-4542-496C-9DB3-E2AEB119A108}"/>
+                <a16:creationId xmlns:a16="http://schemas.microsoft.com/office/drawing/2014/main" id="{4F996D0C-7819-43F5-8DA5-F80996FE326F}"/>
               </a:ext>
             </a:extLst>
           </p:cNvPr>
@@ -1615,7 +1615,7 @@
           <p:cNvPr id="4" name="Content Placeholder 3">
             <a:extLst>
               <a:ext uri="{FF2B5EF4-FFF2-40B4-BE49-F238E27FC236}">
-                <a16:creationId xmlns:a16="http://schemas.microsoft.com/office/drawing/2014/main" id="{EC4B0789-EEE4-462B-80A6-8EEEDE84543B}"/>
+                <a16:creationId xmlns:a16="http://schemas.microsoft.com/office/drawing/2014/main" id="{FB8A8055-FDF1-4B57-B7FC-7597DAA36B7C}"/>
               </a:ext>
             </a:extLst>
           </p:cNvPr>
@@ -1678,7 +1678,7 @@
           <p:cNvPr id="5" name="Text Placeholder 4">
             <a:extLst>
               <a:ext uri="{FF2B5EF4-FFF2-40B4-BE49-F238E27FC236}">
-                <a16:creationId xmlns:a16="http://schemas.microsoft.com/office/drawing/2014/main" id="{63372CC2-59D4-4B79-95D5-095B2C4AFC12}"/>
+                <a16:creationId xmlns:a16="http://schemas.microsoft.com/office/drawing/2014/main" id="{8895A84D-795C-40FB-A589-0B1B73E35137}"/>
               </a:ext>
             </a:extLst>
           </p:cNvPr>
@@ -1749,7 +1749,7 @@
           <p:cNvPr id="6" name="Content Placeholder 5">
             <a:extLst>
               <a:ext uri="{FF2B5EF4-FFF2-40B4-BE49-F238E27FC236}">
-                <a16:creationId xmlns:a16="http://schemas.microsoft.com/office/drawing/2014/main" id="{4DD448B1-9FD2-455E-82D2-F5806981F708}"/>
+                <a16:creationId xmlns:a16="http://schemas.microsoft.com/office/drawing/2014/main" id="{51736964-F531-4F65-AE06-C233DBC2D722}"/>
               </a:ext>
             </a:extLst>
           </p:cNvPr>
@@ -1812,7 +1812,7 @@
           <p:cNvPr id="7" name="Date Placeholder 6">
             <a:extLst>
               <a:ext uri="{FF2B5EF4-FFF2-40B4-BE49-F238E27FC236}">
-                <a16:creationId xmlns:a16="http://schemas.microsoft.com/office/drawing/2014/main" id="{676B29B2-C459-4D79-8137-C753A5F3ADAE}"/>
+                <a16:creationId xmlns:a16="http://schemas.microsoft.com/office/drawing/2014/main" id="{B38AF9E9-6FC2-495E-A8FE-A8BEE6339CD2}"/>
               </a:ext>
             </a:extLst>
           </p:cNvPr>
@@ -1828,9 +1828,9 @@
           <a:bodyPr/>
           <a:lstStyle/>
           <a:p>
-            <a:fld id="{D12111CF-6216-4747-BAEA-048E88FE50F3}" type="datetimeFigureOut">
+            <a:fld id="{513C8AA9-870F-45BC-BE8C-34B430F5D4F0}" type="datetimeFigureOut">
               <a:rPr lang="he-IL" smtClean="0"/>
-              <a:t>ז'/כסלו/תשפ"א</a:t>
+              <a:t>כ'/כסלו/תשפ"א</a:t>
             </a:fld>
             <a:endParaRPr lang="he-IL"/>
           </a:p>
@@ -1841,7 +1841,7 @@
           <p:cNvPr id="8" name="Footer Placeholder 7">
             <a:extLst>
               <a:ext uri="{FF2B5EF4-FFF2-40B4-BE49-F238E27FC236}">
-                <a16:creationId xmlns:a16="http://schemas.microsoft.com/office/drawing/2014/main" id="{853D530B-114B-410A-BEE7-BC13B2451D59}"/>
+                <a16:creationId xmlns:a16="http://schemas.microsoft.com/office/drawing/2014/main" id="{94384B80-81C2-4DA6-9D2E-A605D4EE8243}"/>
               </a:ext>
             </a:extLst>
           </p:cNvPr>
@@ -1866,7 +1866,7 @@
           <p:cNvPr id="9" name="Slide Number Placeholder 8">
             <a:extLst>
               <a:ext uri="{FF2B5EF4-FFF2-40B4-BE49-F238E27FC236}">
-                <a16:creationId xmlns:a16="http://schemas.microsoft.com/office/drawing/2014/main" id="{5E31BD62-3BC4-4461-884E-9746FD1D79DC}"/>
+                <a16:creationId xmlns:a16="http://schemas.microsoft.com/office/drawing/2014/main" id="{77C94EE1-5247-4E45-9D8C-CFF433BBBFA9}"/>
               </a:ext>
             </a:extLst>
           </p:cNvPr>
@@ -1882,7 +1882,7 @@
           <a:bodyPr/>
           <a:lstStyle/>
           <a:p>
-            <a:fld id="{DC60C727-56F8-415E-B0AB-A454D1D7290E}" type="slidenum">
+            <a:fld id="{04AA6141-9DBE-4AFF-9310-A5E3B9875190}" type="slidenum">
               <a:rPr lang="he-IL" smtClean="0"/>
               <a:t>‹#›</a:t>
             </a:fld>
@@ -1893,7 +1893,7 @@
     </p:spTree>
     <p:extLst>
       <p:ext uri="{BB962C8B-B14F-4D97-AF65-F5344CB8AC3E}">
-        <p14:creationId xmlns:p14="http://schemas.microsoft.com/office/powerpoint/2010/main" val="3620020199"/>
+        <p14:creationId xmlns:p14="http://schemas.microsoft.com/office/powerpoint/2010/main" val="2238683067"/>
       </p:ext>
     </p:extLst>
   </p:cSld>
@@ -1925,7 +1925,7 @@
           <p:cNvPr id="2" name="Title 1">
             <a:extLst>
               <a:ext uri="{FF2B5EF4-FFF2-40B4-BE49-F238E27FC236}">
-                <a16:creationId xmlns:a16="http://schemas.microsoft.com/office/drawing/2014/main" id="{47FFB2F9-486A-404B-B323-2DE4EB5AF200}"/>
+                <a16:creationId xmlns:a16="http://schemas.microsoft.com/office/drawing/2014/main" id="{65C397E0-0CC3-4109-AA87-7AC4264A95D9}"/>
               </a:ext>
             </a:extLst>
           </p:cNvPr>
@@ -1954,7 +1954,7 @@
           <p:cNvPr id="3" name="Date Placeholder 2">
             <a:extLst>
               <a:ext uri="{FF2B5EF4-FFF2-40B4-BE49-F238E27FC236}">
-                <a16:creationId xmlns:a16="http://schemas.microsoft.com/office/drawing/2014/main" id="{2245452B-4E3F-4EB0-9C39-1DF16E95847D}"/>
+                <a16:creationId xmlns:a16="http://schemas.microsoft.com/office/drawing/2014/main" id="{12B30BBA-E0DD-42A7-AD76-274B442C156A}"/>
               </a:ext>
             </a:extLst>
           </p:cNvPr>
@@ -1970,9 +1970,9 @@
           <a:bodyPr/>
           <a:lstStyle/>
           <a:p>
-            <a:fld id="{D12111CF-6216-4747-BAEA-048E88FE50F3}" type="datetimeFigureOut">
+            <a:fld id="{513C8AA9-870F-45BC-BE8C-34B430F5D4F0}" type="datetimeFigureOut">
               <a:rPr lang="he-IL" smtClean="0"/>
-              <a:t>ז'/כסלו/תשפ"א</a:t>
+              <a:t>כ'/כסלו/תשפ"א</a:t>
             </a:fld>
             <a:endParaRPr lang="he-IL"/>
           </a:p>
@@ -1983,7 +1983,7 @@
           <p:cNvPr id="4" name="Footer Placeholder 3">
             <a:extLst>
               <a:ext uri="{FF2B5EF4-FFF2-40B4-BE49-F238E27FC236}">
-                <a16:creationId xmlns:a16="http://schemas.microsoft.com/office/drawing/2014/main" id="{67E75EC9-E354-4170-B7D6-4181AB1D52D8}"/>
+                <a16:creationId xmlns:a16="http://schemas.microsoft.com/office/drawing/2014/main" id="{8CC7C899-05DF-4E06-BAE3-259F2E92BAA2}"/>
               </a:ext>
             </a:extLst>
           </p:cNvPr>
@@ -2008,7 +2008,7 @@
           <p:cNvPr id="5" name="Slide Number Placeholder 4">
             <a:extLst>
               <a:ext uri="{FF2B5EF4-FFF2-40B4-BE49-F238E27FC236}">
-                <a16:creationId xmlns:a16="http://schemas.microsoft.com/office/drawing/2014/main" id="{B49BD1E0-0392-412F-9DE5-D90D96074A92}"/>
+                <a16:creationId xmlns:a16="http://schemas.microsoft.com/office/drawing/2014/main" id="{FD3A3CAE-153B-4BE8-9051-B99D17BF2ECD}"/>
               </a:ext>
             </a:extLst>
           </p:cNvPr>
@@ -2024,7 +2024,7 @@
           <a:bodyPr/>
           <a:lstStyle/>
           <a:p>
-            <a:fld id="{DC60C727-56F8-415E-B0AB-A454D1D7290E}" type="slidenum">
+            <a:fld id="{04AA6141-9DBE-4AFF-9310-A5E3B9875190}" type="slidenum">
               <a:rPr lang="he-IL" smtClean="0"/>
               <a:t>‹#›</a:t>
             </a:fld>
@@ -2035,7 +2035,7 @@
     </p:spTree>
     <p:extLst>
       <p:ext uri="{BB962C8B-B14F-4D97-AF65-F5344CB8AC3E}">
-        <p14:creationId xmlns:p14="http://schemas.microsoft.com/office/powerpoint/2010/main" val="2589370020"/>
+        <p14:creationId xmlns:p14="http://schemas.microsoft.com/office/powerpoint/2010/main" val="90700437"/>
       </p:ext>
     </p:extLst>
   </p:cSld>
@@ -2067,7 +2067,7 @@
           <p:cNvPr id="2" name="Date Placeholder 1">
             <a:extLst>
               <a:ext uri="{FF2B5EF4-FFF2-40B4-BE49-F238E27FC236}">
-                <a16:creationId xmlns:a16="http://schemas.microsoft.com/office/drawing/2014/main" id="{EEB73E3C-4247-46EA-B232-2688AC0A5B96}"/>
+                <a16:creationId xmlns:a16="http://schemas.microsoft.com/office/drawing/2014/main" id="{113D728F-650C-46D5-9B6D-0E2E858C6746}"/>
               </a:ext>
             </a:extLst>
           </p:cNvPr>
@@ -2083,9 +2083,9 @@
           <a:bodyPr/>
           <a:lstStyle/>
           <a:p>
-            <a:fld id="{D12111CF-6216-4747-BAEA-048E88FE50F3}" type="datetimeFigureOut">
+            <a:fld id="{513C8AA9-870F-45BC-BE8C-34B430F5D4F0}" type="datetimeFigureOut">
               <a:rPr lang="he-IL" smtClean="0"/>
-              <a:t>ז'/כסלו/תשפ"א</a:t>
+              <a:t>כ'/כסלו/תשפ"א</a:t>
             </a:fld>
             <a:endParaRPr lang="he-IL"/>
           </a:p>
@@ -2096,7 +2096,7 @@
           <p:cNvPr id="3" name="Footer Placeholder 2">
             <a:extLst>
               <a:ext uri="{FF2B5EF4-FFF2-40B4-BE49-F238E27FC236}">
-                <a16:creationId xmlns:a16="http://schemas.microsoft.com/office/drawing/2014/main" id="{FB9E66C1-3C02-4D15-BBE8-AD2BDA58D03A}"/>
+                <a16:creationId xmlns:a16="http://schemas.microsoft.com/office/drawing/2014/main" id="{A2F2BADF-C839-423C-9C96-30C039046BD5}"/>
               </a:ext>
             </a:extLst>
           </p:cNvPr>
@@ -2121,7 +2121,7 @@
           <p:cNvPr id="4" name="Slide Number Placeholder 3">
             <a:extLst>
               <a:ext uri="{FF2B5EF4-FFF2-40B4-BE49-F238E27FC236}">
-                <a16:creationId xmlns:a16="http://schemas.microsoft.com/office/drawing/2014/main" id="{3C8AAF49-B05A-4A6E-9F86-D55C8D085B46}"/>
+                <a16:creationId xmlns:a16="http://schemas.microsoft.com/office/drawing/2014/main" id="{44B21658-5894-45AB-B562-A65EE9315539}"/>
               </a:ext>
             </a:extLst>
           </p:cNvPr>
@@ -2137,7 +2137,7 @@
           <a:bodyPr/>
           <a:lstStyle/>
           <a:p>
-            <a:fld id="{DC60C727-56F8-415E-B0AB-A454D1D7290E}" type="slidenum">
+            <a:fld id="{04AA6141-9DBE-4AFF-9310-A5E3B9875190}" type="slidenum">
               <a:rPr lang="he-IL" smtClean="0"/>
               <a:t>‹#›</a:t>
             </a:fld>
@@ -2148,7 +2148,7 @@
     </p:spTree>
     <p:extLst>
       <p:ext uri="{BB962C8B-B14F-4D97-AF65-F5344CB8AC3E}">
-        <p14:creationId xmlns:p14="http://schemas.microsoft.com/office/powerpoint/2010/main" val="2995082997"/>
+        <p14:creationId xmlns:p14="http://schemas.microsoft.com/office/powerpoint/2010/main" val="2190391136"/>
       </p:ext>
     </p:extLst>
   </p:cSld>
@@ -2180,7 +2180,7 @@
           <p:cNvPr id="2" name="Title 1">
             <a:extLst>
               <a:ext uri="{FF2B5EF4-FFF2-40B4-BE49-F238E27FC236}">
-                <a16:creationId xmlns:a16="http://schemas.microsoft.com/office/drawing/2014/main" id="{9E3DDF3B-1075-47B1-8B11-5627D156EE31}"/>
+                <a16:creationId xmlns:a16="http://schemas.microsoft.com/office/drawing/2014/main" id="{EBC35591-B342-43F2-A09B-F8878B78035E}"/>
               </a:ext>
             </a:extLst>
           </p:cNvPr>
@@ -2218,7 +2218,7 @@
           <p:cNvPr id="3" name="Content Placeholder 2">
             <a:extLst>
               <a:ext uri="{FF2B5EF4-FFF2-40B4-BE49-F238E27FC236}">
-                <a16:creationId xmlns:a16="http://schemas.microsoft.com/office/drawing/2014/main" id="{7A9B505C-7D5C-4D28-933C-93AE859F7863}"/>
+                <a16:creationId xmlns:a16="http://schemas.microsoft.com/office/drawing/2014/main" id="{50027DCD-F665-442B-8CFB-F1606F26B04F}"/>
               </a:ext>
             </a:extLst>
           </p:cNvPr>
@@ -2309,7 +2309,7 @@
           <p:cNvPr id="4" name="Text Placeholder 3">
             <a:extLst>
               <a:ext uri="{FF2B5EF4-FFF2-40B4-BE49-F238E27FC236}">
-                <a16:creationId xmlns:a16="http://schemas.microsoft.com/office/drawing/2014/main" id="{9F021881-2DA3-4556-8C1A-1C209FB54A88}"/>
+                <a16:creationId xmlns:a16="http://schemas.microsoft.com/office/drawing/2014/main" id="{B30AD485-3189-42E9-964A-5CAD39568D78}"/>
               </a:ext>
             </a:extLst>
           </p:cNvPr>
@@ -2380,7 +2380,7 @@
           <p:cNvPr id="5" name="Date Placeholder 4">
             <a:extLst>
               <a:ext uri="{FF2B5EF4-FFF2-40B4-BE49-F238E27FC236}">
-                <a16:creationId xmlns:a16="http://schemas.microsoft.com/office/drawing/2014/main" id="{D5174BF4-DA50-4FB2-9567-F81C65A88C3D}"/>
+                <a16:creationId xmlns:a16="http://schemas.microsoft.com/office/drawing/2014/main" id="{53340B2D-0643-4F5E-80DB-B17420DB6525}"/>
               </a:ext>
             </a:extLst>
           </p:cNvPr>
@@ -2396,9 +2396,9 @@
           <a:bodyPr/>
           <a:lstStyle/>
           <a:p>
-            <a:fld id="{D12111CF-6216-4747-BAEA-048E88FE50F3}" type="datetimeFigureOut">
+            <a:fld id="{513C8AA9-870F-45BC-BE8C-34B430F5D4F0}" type="datetimeFigureOut">
               <a:rPr lang="he-IL" smtClean="0"/>
-              <a:t>ז'/כסלו/תשפ"א</a:t>
+              <a:t>כ'/כסלו/תשפ"א</a:t>
             </a:fld>
             <a:endParaRPr lang="he-IL"/>
           </a:p>
@@ -2409,7 +2409,7 @@
           <p:cNvPr id="6" name="Footer Placeholder 5">
             <a:extLst>
               <a:ext uri="{FF2B5EF4-FFF2-40B4-BE49-F238E27FC236}">
-                <a16:creationId xmlns:a16="http://schemas.microsoft.com/office/drawing/2014/main" id="{F8F5E20F-BCBC-446A-84ED-27AC50B54EE4}"/>
+                <a16:creationId xmlns:a16="http://schemas.microsoft.com/office/drawing/2014/main" id="{39998D52-7B16-4ED8-8040-33B4868A4278}"/>
               </a:ext>
             </a:extLst>
           </p:cNvPr>
@@ -2434,7 +2434,7 @@
           <p:cNvPr id="7" name="Slide Number Placeholder 6">
             <a:extLst>
               <a:ext uri="{FF2B5EF4-FFF2-40B4-BE49-F238E27FC236}">
-                <a16:creationId xmlns:a16="http://schemas.microsoft.com/office/drawing/2014/main" id="{49A610DC-16ED-4F9C-AB81-5DD3C4DBCF55}"/>
+                <a16:creationId xmlns:a16="http://schemas.microsoft.com/office/drawing/2014/main" id="{151EC651-AF7E-461F-BCC1-D1AF0F14DE3F}"/>
               </a:ext>
             </a:extLst>
           </p:cNvPr>
@@ -2450,7 +2450,7 @@
           <a:bodyPr/>
           <a:lstStyle/>
           <a:p>
-            <a:fld id="{DC60C727-56F8-415E-B0AB-A454D1D7290E}" type="slidenum">
+            <a:fld id="{04AA6141-9DBE-4AFF-9310-A5E3B9875190}" type="slidenum">
               <a:rPr lang="he-IL" smtClean="0"/>
               <a:t>‹#›</a:t>
             </a:fld>
@@ -2461,7 +2461,7 @@
     </p:spTree>
     <p:extLst>
       <p:ext uri="{BB962C8B-B14F-4D97-AF65-F5344CB8AC3E}">
-        <p14:creationId xmlns:p14="http://schemas.microsoft.com/office/powerpoint/2010/main" val="1204421590"/>
+        <p14:creationId xmlns:p14="http://schemas.microsoft.com/office/powerpoint/2010/main" val="1057782636"/>
       </p:ext>
     </p:extLst>
   </p:cSld>
@@ -2493,7 +2493,7 @@
           <p:cNvPr id="2" name="Title 1">
             <a:extLst>
               <a:ext uri="{FF2B5EF4-FFF2-40B4-BE49-F238E27FC236}">
-                <a16:creationId xmlns:a16="http://schemas.microsoft.com/office/drawing/2014/main" id="{C4E5545C-52DC-469F-BC47-451FBAE58E3E}"/>
+                <a16:creationId xmlns:a16="http://schemas.microsoft.com/office/drawing/2014/main" id="{DE324DE1-1CF1-4122-9846-6476CB263E2B}"/>
               </a:ext>
             </a:extLst>
           </p:cNvPr>
@@ -2531,7 +2531,7 @@
           <p:cNvPr id="3" name="Picture Placeholder 2">
             <a:extLst>
               <a:ext uri="{FF2B5EF4-FFF2-40B4-BE49-F238E27FC236}">
-                <a16:creationId xmlns:a16="http://schemas.microsoft.com/office/drawing/2014/main" id="{DFD5CF32-E131-4F82-BEBE-3873F7B9C988}"/>
+                <a16:creationId xmlns:a16="http://schemas.microsoft.com/office/drawing/2014/main" id="{13792BC7-8948-4F17-8CA7-B577243FAC27}"/>
               </a:ext>
             </a:extLst>
           </p:cNvPr>
@@ -2598,7 +2598,7 @@
           <p:cNvPr id="4" name="Text Placeholder 3">
             <a:extLst>
               <a:ext uri="{FF2B5EF4-FFF2-40B4-BE49-F238E27FC236}">
-                <a16:creationId xmlns:a16="http://schemas.microsoft.com/office/drawing/2014/main" id="{E7C18EA5-185B-4352-8023-14D165CA191B}"/>
+                <a16:creationId xmlns:a16="http://schemas.microsoft.com/office/drawing/2014/main" id="{E782441F-FB66-4379-BD26-EC46EB15B0B1}"/>
               </a:ext>
             </a:extLst>
           </p:cNvPr>
@@ -2669,7 +2669,7 @@
           <p:cNvPr id="5" name="Date Placeholder 4">
             <a:extLst>
               <a:ext uri="{FF2B5EF4-FFF2-40B4-BE49-F238E27FC236}">
-                <a16:creationId xmlns:a16="http://schemas.microsoft.com/office/drawing/2014/main" id="{219D2CD6-8E72-4264-ADDD-D2512BC9F179}"/>
+                <a16:creationId xmlns:a16="http://schemas.microsoft.com/office/drawing/2014/main" id="{71B20D36-D8ED-44C8-971E-ACD86E4518F7}"/>
               </a:ext>
             </a:extLst>
           </p:cNvPr>
@@ -2685,9 +2685,9 @@
           <a:bodyPr/>
           <a:lstStyle/>
           <a:p>
-            <a:fld id="{D12111CF-6216-4747-BAEA-048E88FE50F3}" type="datetimeFigureOut">
+            <a:fld id="{513C8AA9-870F-45BC-BE8C-34B430F5D4F0}" type="datetimeFigureOut">
               <a:rPr lang="he-IL" smtClean="0"/>
-              <a:t>ז'/כסלו/תשפ"א</a:t>
+              <a:t>כ'/כסלו/תשפ"א</a:t>
             </a:fld>
             <a:endParaRPr lang="he-IL"/>
           </a:p>
@@ -2698,7 +2698,7 @@
           <p:cNvPr id="6" name="Footer Placeholder 5">
             <a:extLst>
               <a:ext uri="{FF2B5EF4-FFF2-40B4-BE49-F238E27FC236}">
-                <a16:creationId xmlns:a16="http://schemas.microsoft.com/office/drawing/2014/main" id="{F66A5B03-35EB-471A-9DCD-A54996AC390A}"/>
+                <a16:creationId xmlns:a16="http://schemas.microsoft.com/office/drawing/2014/main" id="{FB02E0B5-F32A-4D46-9C32-B72E0556E022}"/>
               </a:ext>
             </a:extLst>
           </p:cNvPr>
@@ -2723,7 +2723,7 @@
           <p:cNvPr id="7" name="Slide Number Placeholder 6">
             <a:extLst>
               <a:ext uri="{FF2B5EF4-FFF2-40B4-BE49-F238E27FC236}">
-                <a16:creationId xmlns:a16="http://schemas.microsoft.com/office/drawing/2014/main" id="{89B22265-BE23-422C-BC86-33FB8A6A8611}"/>
+                <a16:creationId xmlns:a16="http://schemas.microsoft.com/office/drawing/2014/main" id="{03D344CC-C400-42C9-9310-E695993F3646}"/>
               </a:ext>
             </a:extLst>
           </p:cNvPr>
@@ -2739,7 +2739,7 @@
           <a:bodyPr/>
           <a:lstStyle/>
           <a:p>
-            <a:fld id="{DC60C727-56F8-415E-B0AB-A454D1D7290E}" type="slidenum">
+            <a:fld id="{04AA6141-9DBE-4AFF-9310-A5E3B9875190}" type="slidenum">
               <a:rPr lang="he-IL" smtClean="0"/>
               <a:t>‹#›</a:t>
             </a:fld>
@@ -2750,7 +2750,7 @@
     </p:spTree>
     <p:extLst>
       <p:ext uri="{BB962C8B-B14F-4D97-AF65-F5344CB8AC3E}">
-        <p14:creationId xmlns:p14="http://schemas.microsoft.com/office/powerpoint/2010/main" val="1852019126"/>
+        <p14:creationId xmlns:p14="http://schemas.microsoft.com/office/powerpoint/2010/main" val="2572452063"/>
       </p:ext>
     </p:extLst>
   </p:cSld>
@@ -2787,7 +2787,7 @@
           <p:cNvPr id="2" name="Title Placeholder 1">
             <a:extLst>
               <a:ext uri="{FF2B5EF4-FFF2-40B4-BE49-F238E27FC236}">
-                <a16:creationId xmlns:a16="http://schemas.microsoft.com/office/drawing/2014/main" id="{4DA4D838-FAA2-478E-94CD-D5F475AE7AE0}"/>
+                <a16:creationId xmlns:a16="http://schemas.microsoft.com/office/drawing/2014/main" id="{4E757A5E-0C60-498C-8E52-48D64835F82D}"/>
               </a:ext>
             </a:extLst>
           </p:cNvPr>
@@ -2826,7 +2826,7 @@
           <p:cNvPr id="3" name="Text Placeholder 2">
             <a:extLst>
               <a:ext uri="{FF2B5EF4-FFF2-40B4-BE49-F238E27FC236}">
-                <a16:creationId xmlns:a16="http://schemas.microsoft.com/office/drawing/2014/main" id="{162A9DFD-FCE7-4B65-8DCE-61DE24357C85}"/>
+                <a16:creationId xmlns:a16="http://schemas.microsoft.com/office/drawing/2014/main" id="{842D08C9-423B-47A3-938A-95021DCF869E}"/>
               </a:ext>
             </a:extLst>
           </p:cNvPr>
@@ -2894,7 +2894,7 @@
           <p:cNvPr id="4" name="Date Placeholder 3">
             <a:extLst>
               <a:ext uri="{FF2B5EF4-FFF2-40B4-BE49-F238E27FC236}">
-                <a16:creationId xmlns:a16="http://schemas.microsoft.com/office/drawing/2014/main" id="{6E7F579B-EE01-4E90-8402-7EE4C9544880}"/>
+                <a16:creationId xmlns:a16="http://schemas.microsoft.com/office/drawing/2014/main" id="{D43746C5-0109-40BD-BCE5-C19C4E2EC22E}"/>
               </a:ext>
             </a:extLst>
           </p:cNvPr>
@@ -2928,9 +2928,9 @@
             </a:lvl1pPr>
           </a:lstStyle>
           <a:p>
-            <a:fld id="{D12111CF-6216-4747-BAEA-048E88FE50F3}" type="datetimeFigureOut">
+            <a:fld id="{513C8AA9-870F-45BC-BE8C-34B430F5D4F0}" type="datetimeFigureOut">
               <a:rPr lang="he-IL" smtClean="0"/>
-              <a:t>ז'/כסלו/תשפ"א</a:t>
+              <a:t>כ'/כסלו/תשפ"א</a:t>
             </a:fld>
             <a:endParaRPr lang="he-IL"/>
           </a:p>
@@ -2941,7 +2941,7 @@
           <p:cNvPr id="5" name="Footer Placeholder 4">
             <a:extLst>
               <a:ext uri="{FF2B5EF4-FFF2-40B4-BE49-F238E27FC236}">
-                <a16:creationId xmlns:a16="http://schemas.microsoft.com/office/drawing/2014/main" id="{E2D8E2E6-B7F4-4956-951B-8668204B9679}"/>
+                <a16:creationId xmlns:a16="http://schemas.microsoft.com/office/drawing/2014/main" id="{17FE3D02-B72D-4934-94BB-19B8FD699C22}"/>
               </a:ext>
             </a:extLst>
           </p:cNvPr>
@@ -2984,7 +2984,7 @@
           <p:cNvPr id="6" name="Slide Number Placeholder 5">
             <a:extLst>
               <a:ext uri="{FF2B5EF4-FFF2-40B4-BE49-F238E27FC236}">
-                <a16:creationId xmlns:a16="http://schemas.microsoft.com/office/drawing/2014/main" id="{0A3DD20F-D8F8-4649-B011-920DE3D7371A}"/>
+                <a16:creationId xmlns:a16="http://schemas.microsoft.com/office/drawing/2014/main" id="{C6FA71A3-5F8D-456B-9442-99238B23D582}"/>
               </a:ext>
             </a:extLst>
           </p:cNvPr>
@@ -3018,7 +3018,7 @@
             </a:lvl1pPr>
           </a:lstStyle>
           <a:p>
-            <a:fld id="{DC60C727-56F8-415E-B0AB-A454D1D7290E}" type="slidenum">
+            <a:fld id="{04AA6141-9DBE-4AFF-9310-A5E3B9875190}" type="slidenum">
               <a:rPr lang="he-IL" smtClean="0"/>
               <a:t>‹#›</a:t>
             </a:fld>
@@ -3029,7 +3029,7 @@
     </p:spTree>
     <p:extLst>
       <p:ext uri="{BB962C8B-B14F-4D97-AF65-F5344CB8AC3E}">
-        <p14:creationId xmlns:p14="http://schemas.microsoft.com/office/powerpoint/2010/main" val="4026335755"/>
+        <p14:creationId xmlns:p14="http://schemas.microsoft.com/office/powerpoint/2010/main" val="2616292314"/>
       </p:ext>
     </p:extLst>
   </p:cSld>
@@ -3369,8 +3369,8 @@
         </p:blipFill>
         <p:spPr>
           <a:xfrm>
-            <a:off x="38079" y="773572"/>
-            <a:ext cx="1318374" cy="1196444"/>
+            <a:off x="102912" y="213048"/>
+            <a:ext cx="1215959" cy="1103501"/>
           </a:xfrm>
           <a:prstGeom prst="rect">
             <a:avLst/>
@@ -3391,7 +3391,7 @@
         </p:nvSpPr>
         <p:spPr>
           <a:xfrm>
-            <a:off x="273777" y="2101753"/>
+            <a:off x="313946" y="1249885"/>
             <a:ext cx="1215958" cy="307777"/>
           </a:xfrm>
           <a:prstGeom prst="rect">
@@ -3407,7 +3407,7 @@
           <a:p>
             <a:r>
               <a:rPr lang="en-US" sz="1400" dirty="0"/>
-              <a:t>customer</a:t>
+              <a:t>Customer</a:t>
             </a:r>
             <a:endParaRPr lang="he-IL" sz="1400" dirty="0"/>
           </a:p>
@@ -3427,7 +3427,7 @@
         </p:nvSpPr>
         <p:spPr>
           <a:xfrm>
-            <a:off x="6117364" y="669383"/>
+            <a:off x="10546260" y="853175"/>
             <a:ext cx="1432708" cy="598219"/>
           </a:xfrm>
           <a:prstGeom prst="ellipse">
@@ -3464,7 +3464,7 @@
                   <a:schemeClr val="tx1"/>
                 </a:solidFill>
               </a:rPr>
-              <a:t>Updated list</a:t>
+              <a:t>Search result</a:t>
             </a:r>
             <a:endParaRPr lang="he-IL" sz="1400" dirty="0">
               <a:solidFill>
@@ -3488,8 +3488,8 @@
         </p:nvSpPr>
         <p:spPr>
           <a:xfrm>
-            <a:off x="2815482" y="646234"/>
-            <a:ext cx="1529950" cy="669427"/>
+            <a:off x="3175270" y="803123"/>
+            <a:ext cx="1529950" cy="564500"/>
           </a:xfrm>
           <a:prstGeom prst="ellipse">
             <a:avLst/>
@@ -3535,84 +3535,6 @@
           </a:p>
         </p:txBody>
       </p:sp>
-      <p:sp>
-        <p:nvSpPr>
-          <p:cNvPr id="19" name="TextBox 18">
-            <a:extLst>
-              <a:ext uri="{FF2B5EF4-FFF2-40B4-BE49-F238E27FC236}">
-                <a16:creationId xmlns:a16="http://schemas.microsoft.com/office/drawing/2014/main" id="{19892A88-67DF-48ED-B11C-8D35CBBE66FB}"/>
-              </a:ext>
-            </a:extLst>
-          </p:cNvPr>
-          <p:cNvSpPr txBox="1"/>
-          <p:nvPr/>
-        </p:nvSpPr>
-        <p:spPr>
-          <a:xfrm>
-            <a:off x="5406375" y="801197"/>
-            <a:ext cx="896644" cy="215444"/>
-          </a:xfrm>
-          <a:prstGeom prst="rect">
-            <a:avLst/>
-          </a:prstGeom>
-          <a:noFill/>
-        </p:spPr>
-        <p:txBody>
-          <a:bodyPr wrap="square" rtlCol="1">
-            <a:spAutoFit/>
-          </a:bodyPr>
-          <a:lstStyle/>
-          <a:p>
-            <a:r>
-              <a:rPr lang="en-US" sz="800" dirty="0"/>
-              <a:t>&lt;&lt;include&gt;&gt;</a:t>
-            </a:r>
-            <a:endParaRPr lang="he-IL" sz="800" dirty="0"/>
-          </a:p>
-        </p:txBody>
-      </p:sp>
-      <p:cxnSp>
-        <p:nvCxnSpPr>
-          <p:cNvPr id="21" name="Straight Arrow Connector 20">
-            <a:extLst>
-              <a:ext uri="{FF2B5EF4-FFF2-40B4-BE49-F238E27FC236}">
-                <a16:creationId xmlns:a16="http://schemas.microsoft.com/office/drawing/2014/main" id="{4F503A8D-D787-4812-A999-AC24E249437D}"/>
-              </a:ext>
-            </a:extLst>
-          </p:cNvPr>
-          <p:cNvCxnSpPr>
-            <a:cxnSpLocks/>
-            <a:endCxn id="9" idx="6"/>
-          </p:cNvCxnSpPr>
-          <p:nvPr/>
-        </p:nvCxnSpPr>
-        <p:spPr>
-          <a:xfrm flipH="1" flipV="1">
-            <a:off x="4345432" y="980948"/>
-            <a:ext cx="1760824" cy="19186"/>
-          </a:xfrm>
-          <a:prstGeom prst="straightConnector1">
-            <a:avLst/>
-          </a:prstGeom>
-          <a:ln>
-            <a:tailEnd type="triangle"/>
-          </a:ln>
-        </p:spPr>
-        <p:style>
-          <a:lnRef idx="1">
-            <a:schemeClr val="accent1"/>
-          </a:lnRef>
-          <a:fillRef idx="0">
-            <a:schemeClr val="accent1"/>
-          </a:fillRef>
-          <a:effectRef idx="0">
-            <a:schemeClr val="accent1"/>
-          </a:effectRef>
-          <a:fontRef idx="minor">
-            <a:schemeClr val="tx1"/>
-          </a:fontRef>
-        </p:style>
-      </p:cxnSp>
       <p:cxnSp>
         <p:nvCxnSpPr>
           <p:cNvPr id="23" name="Straight Arrow Connector 22">
@@ -3624,13 +3546,15 @@
           </p:cNvPr>
           <p:cNvCxnSpPr>
             <a:cxnSpLocks/>
+            <a:stCxn id="60" idx="6"/>
+            <a:endCxn id="9" idx="2"/>
           </p:cNvCxnSpPr>
           <p:nvPr/>
         </p:nvCxnSpPr>
         <p:spPr>
-          <a:xfrm flipV="1">
-            <a:off x="973936" y="1052029"/>
-            <a:ext cx="1793369" cy="317315"/>
+          <a:xfrm>
+            <a:off x="2589378" y="1071711"/>
+            <a:ext cx="585892" cy="13662"/>
           </a:xfrm>
           <a:prstGeom prst="straightConnector1">
             <a:avLst/>
@@ -3665,14 +3589,13 @@
           </p:cNvPr>
           <p:cNvCxnSpPr>
             <a:cxnSpLocks/>
-            <a:stCxn id="9" idx="5"/>
           </p:cNvCxnSpPr>
           <p:nvPr/>
         </p:nvCxnSpPr>
         <p:spPr>
-          <a:xfrm>
-            <a:off x="4121376" y="1217626"/>
-            <a:ext cx="2074086" cy="517400"/>
+          <a:xfrm flipH="1">
+            <a:off x="10492979" y="1469083"/>
+            <a:ext cx="691113" cy="884489"/>
           </a:xfrm>
           <a:prstGeom prst="straightConnector1">
             <a:avLst/>
@@ -3710,8 +3633,8 @@
         </p:nvSpPr>
         <p:spPr>
           <a:xfrm>
-            <a:off x="6141629" y="1601803"/>
-            <a:ext cx="1461565" cy="551082"/>
+            <a:off x="9674173" y="2363550"/>
+            <a:ext cx="1244474" cy="431587"/>
           </a:xfrm>
           <a:prstGeom prst="ellipse">
             <a:avLst/>
@@ -3757,48 +3680,6 @@
           </a:p>
         </p:txBody>
       </p:sp>
-      <p:cxnSp>
-        <p:nvCxnSpPr>
-          <p:cNvPr id="29" name="Straight Arrow Connector 28">
-            <a:extLst>
-              <a:ext uri="{FF2B5EF4-FFF2-40B4-BE49-F238E27FC236}">
-                <a16:creationId xmlns:a16="http://schemas.microsoft.com/office/drawing/2014/main" id="{A45071A4-943A-471C-AE94-A14A3D90851E}"/>
-              </a:ext>
-            </a:extLst>
-          </p:cNvPr>
-          <p:cNvCxnSpPr>
-            <a:cxnSpLocks/>
-            <a:endCxn id="37" idx="3"/>
-          </p:cNvCxnSpPr>
-          <p:nvPr/>
-        </p:nvCxnSpPr>
-        <p:spPr>
-          <a:xfrm flipV="1">
-            <a:off x="7592571" y="1194129"/>
-            <a:ext cx="774489" cy="712053"/>
-          </a:xfrm>
-          <a:prstGeom prst="straightConnector1">
-            <a:avLst/>
-          </a:prstGeom>
-          <a:ln>
-            <a:tailEnd type="triangle"/>
-          </a:ln>
-        </p:spPr>
-        <p:style>
-          <a:lnRef idx="1">
-            <a:schemeClr val="accent1"/>
-          </a:lnRef>
-          <a:fillRef idx="0">
-            <a:schemeClr val="accent1"/>
-          </a:fillRef>
-          <a:effectRef idx="0">
-            <a:schemeClr val="accent1"/>
-          </a:effectRef>
-          <a:fontRef idx="minor">
-            <a:schemeClr val="tx1"/>
-          </a:fontRef>
-        </p:style>
-      </p:cxnSp>
       <p:pic>
         <p:nvPicPr>
           <p:cNvPr id="31" name="Picture 30">
@@ -3821,8 +3702,8 @@
         </p:blipFill>
         <p:spPr>
           <a:xfrm>
-            <a:off x="10805798" y="241668"/>
-            <a:ext cx="1084040" cy="983782"/>
+            <a:off x="10958940" y="1793609"/>
+            <a:ext cx="1091779" cy="990805"/>
           </a:xfrm>
           <a:prstGeom prst="rect">
             <a:avLst/>
@@ -3851,7 +3732,7 @@
         </p:blipFill>
         <p:spPr>
           <a:xfrm>
-            <a:off x="10804639" y="2340509"/>
+            <a:off x="11005089" y="3485160"/>
             <a:ext cx="1084040" cy="983782"/>
           </a:xfrm>
           <a:prstGeom prst="rect">
@@ -3881,7 +3762,7 @@
         </p:blipFill>
         <p:spPr>
           <a:xfrm>
-            <a:off x="10804639" y="4339330"/>
+            <a:off x="11039193" y="5037218"/>
             <a:ext cx="1084040" cy="983782"/>
           </a:xfrm>
           <a:prstGeom prst="rect">
@@ -3903,8 +3784,8 @@
         </p:nvSpPr>
         <p:spPr>
           <a:xfrm>
-            <a:off x="10956041" y="1270101"/>
-            <a:ext cx="781235" cy="307777"/>
+            <a:off x="11111407" y="2813285"/>
+            <a:ext cx="1135522" cy="307777"/>
           </a:xfrm>
           <a:prstGeom prst="rect">
             <a:avLst/>
@@ -3919,7 +3800,7 @@
           <a:p>
             <a:r>
               <a:rPr lang="en-US" sz="1400" dirty="0"/>
-              <a:t>banks</a:t>
+              <a:t>&lt;&lt;system&gt;&gt;</a:t>
             </a:r>
             <a:endParaRPr lang="he-IL" sz="1400" dirty="0"/>
           </a:p>
@@ -3939,7 +3820,7 @@
         </p:nvSpPr>
         <p:spPr>
           <a:xfrm>
-            <a:off x="11028060" y="3516785"/>
+            <a:off x="11262614" y="4664156"/>
             <a:ext cx="860619" cy="307777"/>
           </a:xfrm>
           <a:prstGeom prst="rect">
@@ -3975,8 +3856,8 @@
         </p:nvSpPr>
         <p:spPr>
           <a:xfrm>
-            <a:off x="10916349" y="5587899"/>
-            <a:ext cx="1084040" cy="523220"/>
+            <a:off x="10859877" y="6343229"/>
+            <a:ext cx="2221441" cy="307777"/>
           </a:xfrm>
           <a:prstGeom prst="rect">
             <a:avLst/>
@@ -4011,7 +3892,7 @@
         </p:nvSpPr>
         <p:spPr>
           <a:xfrm>
-            <a:off x="8155849" y="711942"/>
+            <a:off x="6272889" y="4919703"/>
             <a:ext cx="1442238" cy="564917"/>
           </a:xfrm>
           <a:prstGeom prst="ellipse">
@@ -4058,42 +3939,6 @@
           </a:p>
         </p:txBody>
       </p:sp>
-      <p:sp>
-        <p:nvSpPr>
-          <p:cNvPr id="39" name="TextBox 38">
-            <a:extLst>
-              <a:ext uri="{FF2B5EF4-FFF2-40B4-BE49-F238E27FC236}">
-                <a16:creationId xmlns:a16="http://schemas.microsoft.com/office/drawing/2014/main" id="{91756009-54EA-4F42-AC25-8FEC9D4A81DB}"/>
-              </a:ext>
-            </a:extLst>
-          </p:cNvPr>
-          <p:cNvSpPr txBox="1"/>
-          <p:nvPr/>
-        </p:nvSpPr>
-        <p:spPr>
-          <a:xfrm rot="19081712">
-            <a:off x="7510489" y="1323151"/>
-            <a:ext cx="896644" cy="215444"/>
-          </a:xfrm>
-          <a:prstGeom prst="rect">
-            <a:avLst/>
-          </a:prstGeom>
-          <a:noFill/>
-        </p:spPr>
-        <p:txBody>
-          <a:bodyPr wrap="square" rtlCol="1">
-            <a:spAutoFit/>
-          </a:bodyPr>
-          <a:lstStyle/>
-          <a:p>
-            <a:r>
-              <a:rPr lang="en-US" sz="800" dirty="0"/>
-              <a:t>&lt;&lt;include&gt;&gt;</a:t>
-            </a:r>
-            <a:endParaRPr lang="he-IL" sz="800" dirty="0"/>
-          </a:p>
-        </p:txBody>
-      </p:sp>
       <p:cxnSp>
         <p:nvCxnSpPr>
           <p:cNvPr id="42" name="Straight Arrow Connector 41">
@@ -4105,13 +3950,14 @@
           </p:cNvPr>
           <p:cNvCxnSpPr>
             <a:cxnSpLocks/>
+            <a:endCxn id="94" idx="1"/>
           </p:cNvCxnSpPr>
           <p:nvPr/>
         </p:nvCxnSpPr>
         <p:spPr>
           <a:xfrm flipV="1">
-            <a:off x="9598087" y="685097"/>
-            <a:ext cx="1515909" cy="295850"/>
+            <a:off x="7782260" y="3158395"/>
+            <a:ext cx="3553638" cy="1948998"/>
           </a:xfrm>
           <a:prstGeom prst="straightConnector1">
             <a:avLst/>
@@ -4150,8 +3996,8 @@
         </p:nvSpPr>
         <p:spPr>
           <a:xfrm>
-            <a:off x="3049442" y="4077045"/>
-            <a:ext cx="1399710" cy="432587"/>
+            <a:off x="3220338" y="163291"/>
+            <a:ext cx="1458310" cy="525209"/>
           </a:xfrm>
           <a:prstGeom prst="ellipse">
             <a:avLst/>
@@ -4208,13 +4054,15 @@
           </p:cNvPr>
           <p:cNvCxnSpPr>
             <a:cxnSpLocks/>
+            <a:stCxn id="60" idx="7"/>
+            <a:endCxn id="43" idx="2"/>
           </p:cNvCxnSpPr>
           <p:nvPr/>
         </p:nvCxnSpPr>
         <p:spPr>
-          <a:xfrm>
-            <a:off x="1024293" y="1942332"/>
-            <a:ext cx="2420217" cy="2113203"/>
+          <a:xfrm flipV="1">
+            <a:off x="2389780" y="425896"/>
+            <a:ext cx="830558" cy="501210"/>
           </a:xfrm>
           <a:prstGeom prst="straightConnector1">
             <a:avLst/>
@@ -4260,8 +4108,8 @@
         </p:blipFill>
         <p:spPr>
           <a:xfrm>
-            <a:off x="63539" y="3634777"/>
-            <a:ext cx="1318374" cy="1196444"/>
+            <a:off x="38654" y="4877796"/>
+            <a:ext cx="1250274" cy="1196444"/>
           </a:xfrm>
           <a:prstGeom prst="rect">
             <a:avLst/>
@@ -4282,7 +4130,7 @@
         </p:nvSpPr>
         <p:spPr>
           <a:xfrm>
-            <a:off x="356825" y="4817179"/>
+            <a:off x="291339" y="6125206"/>
             <a:ext cx="1215958" cy="307777"/>
           </a:xfrm>
           <a:prstGeom prst="rect">
@@ -4298,55 +4146,12 @@
           <a:p>
             <a:r>
               <a:rPr lang="en-US" sz="1400" dirty="0"/>
-              <a:t>agent</a:t>
+              <a:t>Admin</a:t>
             </a:r>
             <a:endParaRPr lang="he-IL" sz="1400" dirty="0"/>
           </a:p>
         </p:txBody>
       </p:sp>
-      <p:cxnSp>
-        <p:nvCxnSpPr>
-          <p:cNvPr id="49" name="Straight Arrow Connector 48">
-            <a:extLst>
-              <a:ext uri="{FF2B5EF4-FFF2-40B4-BE49-F238E27FC236}">
-                <a16:creationId xmlns:a16="http://schemas.microsoft.com/office/drawing/2014/main" id="{4354F3D8-077D-4206-BCEC-EA26D9775891}"/>
-              </a:ext>
-            </a:extLst>
-          </p:cNvPr>
-          <p:cNvCxnSpPr>
-            <a:cxnSpLocks/>
-            <a:endCxn id="43" idx="2"/>
-          </p:cNvCxnSpPr>
-          <p:nvPr/>
-        </p:nvCxnSpPr>
-        <p:spPr>
-          <a:xfrm flipV="1">
-            <a:off x="1067514" y="4293339"/>
-            <a:ext cx="1981928" cy="316632"/>
-          </a:xfrm>
-          <a:prstGeom prst="straightConnector1">
-            <a:avLst/>
-          </a:prstGeom>
-          <a:ln>
-            <a:headEnd type="triangle"/>
-            <a:tailEnd type="triangle"/>
-          </a:ln>
-        </p:spPr>
-        <p:style>
-          <a:lnRef idx="1">
-            <a:schemeClr val="accent1"/>
-          </a:lnRef>
-          <a:fillRef idx="0">
-            <a:schemeClr val="accent1"/>
-          </a:fillRef>
-          <a:effectRef idx="0">
-            <a:schemeClr val="accent1"/>
-          </a:effectRef>
-          <a:fontRef idx="minor">
-            <a:schemeClr val="tx1"/>
-          </a:fontRef>
-        </p:style>
-      </p:cxnSp>
       <p:sp>
         <p:nvSpPr>
           <p:cNvPr id="51" name="Oval 50">
@@ -4361,8 +4166,8 @@
         </p:nvSpPr>
         <p:spPr>
           <a:xfrm>
-            <a:off x="2694726" y="1452425"/>
-            <a:ext cx="1334102" cy="532185"/>
+            <a:off x="3144867" y="1491196"/>
+            <a:ext cx="1548215" cy="532185"/>
           </a:xfrm>
           <a:prstGeom prst="ellipse">
             <a:avLst/>
@@ -4422,8 +4227,8 @@
         </p:nvSpPr>
         <p:spPr>
           <a:xfrm>
-            <a:off x="2801754" y="2881706"/>
-            <a:ext cx="1291559" cy="482847"/>
+            <a:off x="3695427" y="2996134"/>
+            <a:ext cx="2127400" cy="334238"/>
           </a:xfrm>
           <a:prstGeom prst="ellipse">
             <a:avLst/>
@@ -4479,14 +4284,16 @@
             </a:extLst>
           </p:cNvPr>
           <p:cNvCxnSpPr>
-            <a:stCxn id="51" idx="4"/>
+            <a:cxnSpLocks/>
+            <a:stCxn id="51" idx="3"/>
+            <a:endCxn id="53" idx="1"/>
           </p:cNvCxnSpPr>
           <p:nvPr/>
         </p:nvCxnSpPr>
         <p:spPr>
-          <a:xfrm flipH="1">
-            <a:off x="3325566" y="1984610"/>
-            <a:ext cx="36211" cy="897096"/>
+          <a:xfrm>
+            <a:off x="3371598" y="1945444"/>
+            <a:ext cx="635380" cy="1099638"/>
           </a:xfrm>
           <a:prstGeom prst="straightConnector1">
             <a:avLst/>
@@ -4512,42 +4319,6 @@
       </p:cxnSp>
       <p:sp>
         <p:nvSpPr>
-          <p:cNvPr id="56" name="TextBox 55">
-            <a:extLst>
-              <a:ext uri="{FF2B5EF4-FFF2-40B4-BE49-F238E27FC236}">
-                <a16:creationId xmlns:a16="http://schemas.microsoft.com/office/drawing/2014/main" id="{5EA181D1-BABF-4F7A-AFCB-A16225712F3B}"/>
-              </a:ext>
-            </a:extLst>
-          </p:cNvPr>
-          <p:cNvSpPr txBox="1"/>
-          <p:nvPr/>
-        </p:nvSpPr>
-        <p:spPr>
-          <a:xfrm>
-            <a:off x="2662958" y="2581218"/>
-            <a:ext cx="896644" cy="215444"/>
-          </a:xfrm>
-          <a:prstGeom prst="rect">
-            <a:avLst/>
-          </a:prstGeom>
-          <a:noFill/>
-        </p:spPr>
-        <p:txBody>
-          <a:bodyPr wrap="square" rtlCol="1">
-            <a:spAutoFit/>
-          </a:bodyPr>
-          <a:lstStyle/>
-          <a:p>
-            <a:r>
-              <a:rPr lang="en-US" sz="800" dirty="0"/>
-              <a:t>&lt;&lt;include&gt;&gt;</a:t>
-            </a:r>
-            <a:endParaRPr lang="he-IL" sz="800" dirty="0"/>
-          </a:p>
-        </p:txBody>
-      </p:sp>
-      <p:sp>
-        <p:nvSpPr>
           <p:cNvPr id="57" name="Oval 56">
             <a:extLst>
               <a:ext uri="{FF2B5EF4-FFF2-40B4-BE49-F238E27FC236}">
@@ -4560,8 +4331,8 @@
         </p:nvSpPr>
         <p:spPr>
           <a:xfrm>
-            <a:off x="5609593" y="5112122"/>
-            <a:ext cx="1638900" cy="546437"/>
+            <a:off x="6207725" y="6054928"/>
+            <a:ext cx="1501718" cy="539979"/>
           </a:xfrm>
           <a:prstGeom prst="ellipse">
             <a:avLst/>
@@ -4597,7 +4368,7 @@
                   <a:schemeClr val="tx1"/>
                 </a:solidFill>
               </a:rPr>
-              <a:t>Add/delete from DB</a:t>
+              <a:t>Add to DB</a:t>
             </a:r>
             <a:endParaRPr lang="he-IL" sz="1400" dirty="0">
               <a:solidFill>
@@ -4618,15 +4389,13 @@
           </p:cNvPr>
           <p:cNvCxnSpPr>
             <a:cxnSpLocks/>
-            <a:stCxn id="47" idx="0"/>
-            <a:endCxn id="57" idx="2"/>
           </p:cNvCxnSpPr>
           <p:nvPr/>
         </p:nvCxnSpPr>
         <p:spPr>
           <a:xfrm>
-            <a:off x="964804" y="4817179"/>
-            <a:ext cx="4644789" cy="568162"/>
+            <a:off x="2322378" y="5733200"/>
+            <a:ext cx="3866366" cy="538946"/>
           </a:xfrm>
           <a:prstGeom prst="straightConnector1">
             <a:avLst/>
@@ -4661,60 +4430,19 @@
           </p:cNvPr>
           <p:cNvCxnSpPr>
             <a:cxnSpLocks/>
-            <a:stCxn id="53" idx="5"/>
           </p:cNvCxnSpPr>
           <p:nvPr/>
         </p:nvCxnSpPr>
         <p:spPr>
           <a:xfrm>
-            <a:off x="3904169" y="3293842"/>
-            <a:ext cx="2116815" cy="1830987"/>
+            <a:off x="5170755" y="3320916"/>
+            <a:ext cx="590278" cy="1286252"/>
           </a:xfrm>
           <a:prstGeom prst="straightConnector1">
             <a:avLst/>
           </a:prstGeom>
           <a:ln>
-            <a:tailEnd type="triangle"/>
-          </a:ln>
-        </p:spPr>
-        <p:style>
-          <a:lnRef idx="1">
-            <a:schemeClr val="accent1"/>
-          </a:lnRef>
-          <a:fillRef idx="0">
-            <a:schemeClr val="accent1"/>
-          </a:fillRef>
-          <a:effectRef idx="0">
-            <a:schemeClr val="accent1"/>
-          </a:effectRef>
-          <a:fontRef idx="minor">
-            <a:schemeClr val="tx1"/>
-          </a:fontRef>
-        </p:style>
-      </p:cxnSp>
-      <p:cxnSp>
-        <p:nvCxnSpPr>
-          <p:cNvPr id="63" name="Straight Arrow Connector 62">
-            <a:extLst>
-              <a:ext uri="{FF2B5EF4-FFF2-40B4-BE49-F238E27FC236}">
-                <a16:creationId xmlns:a16="http://schemas.microsoft.com/office/drawing/2014/main" id="{C84A008F-95CE-4089-B7DA-9C2C132B9A64}"/>
-              </a:ext>
-            </a:extLst>
-          </p:cNvPr>
-          <p:cNvCxnSpPr>
-            <a:cxnSpLocks/>
-          </p:cNvCxnSpPr>
-          <p:nvPr/>
-        </p:nvCxnSpPr>
-        <p:spPr>
-          <a:xfrm flipV="1">
-            <a:off x="8870397" y="1007793"/>
-            <a:ext cx="2157663" cy="2194774"/>
-          </a:xfrm>
-          <a:prstGeom prst="straightConnector1">
-            <a:avLst/>
-          </a:prstGeom>
-          <a:ln>
+            <a:prstDash val="dash"/>
             <a:tailEnd type="triangle"/>
           </a:ln>
         </p:spPr>
@@ -4749,8 +4477,8 @@
         </p:nvCxnSpPr>
         <p:spPr>
           <a:xfrm flipV="1">
-            <a:off x="7177890" y="3218531"/>
-            <a:ext cx="3871675" cy="2027268"/>
+            <a:off x="6083636" y="4170585"/>
+            <a:ext cx="5021756" cy="588552"/>
           </a:xfrm>
           <a:prstGeom prst="straightConnector1">
             <a:avLst/>
@@ -4785,14 +4513,13 @@
           </p:cNvPr>
           <p:cNvCxnSpPr>
             <a:cxnSpLocks/>
-            <a:stCxn id="57" idx="5"/>
           </p:cNvCxnSpPr>
           <p:nvPr/>
         </p:nvCxnSpPr>
         <p:spPr>
-          <a:xfrm>
-            <a:off x="7008482" y="5578535"/>
-            <a:ext cx="3947559" cy="9364"/>
+          <a:xfrm flipV="1">
+            <a:off x="7679006" y="6349624"/>
+            <a:ext cx="3360187" cy="96789"/>
           </a:xfrm>
           <a:prstGeom prst="straightConnector1">
             <a:avLst/>
@@ -4827,13 +4554,14 @@
           </p:cNvPr>
           <p:cNvCxnSpPr>
             <a:cxnSpLocks/>
+            <a:stCxn id="60" idx="5"/>
           </p:cNvCxnSpPr>
           <p:nvPr/>
         </p:nvCxnSpPr>
         <p:spPr>
-          <a:xfrm flipV="1">
-            <a:off x="923427" y="1682316"/>
-            <a:ext cx="1756461" cy="6639"/>
+          <a:xfrm>
+            <a:off x="2389780" y="1216315"/>
+            <a:ext cx="749310" cy="522882"/>
           </a:xfrm>
           <a:prstGeom prst="straightConnector1">
             <a:avLst/>
@@ -4871,8 +4599,8 @@
         </p:nvSpPr>
         <p:spPr>
           <a:xfrm>
-            <a:off x="4561348" y="2514655"/>
-            <a:ext cx="1109135" cy="568452"/>
+            <a:off x="7038291" y="3014914"/>
+            <a:ext cx="1380725" cy="568452"/>
           </a:xfrm>
           <a:prstGeom prst="ellipse">
             <a:avLst/>
@@ -4920,23 +4648,188 @@
       </p:sp>
       <p:cxnSp>
         <p:nvCxnSpPr>
-          <p:cNvPr id="77" name="Straight Arrow Connector 76">
-            <a:extLst>
-              <a:ext uri="{FF2B5EF4-FFF2-40B4-BE49-F238E27FC236}">
-                <a16:creationId xmlns:a16="http://schemas.microsoft.com/office/drawing/2014/main" id="{15AA4E9B-5591-419F-840C-B2BC12CB2C68}"/>
+          <p:cNvPr id="83" name="Straight Arrow Connector 82">
+            <a:extLst>
+              <a:ext uri="{FF2B5EF4-FFF2-40B4-BE49-F238E27FC236}">
+                <a16:creationId xmlns:a16="http://schemas.microsoft.com/office/drawing/2014/main" id="{FE33236F-1033-4642-A7B5-C58DD6ED1B71}"/>
               </a:ext>
             </a:extLst>
           </p:cNvPr>
           <p:cNvCxnSpPr>
             <a:cxnSpLocks/>
-            <a:stCxn id="51" idx="6"/>
+            <a:endCxn id="37" idx="7"/>
           </p:cNvCxnSpPr>
           <p:nvPr/>
         </p:nvCxnSpPr>
         <p:spPr>
-          <a:xfrm>
-            <a:off x="4028828" y="1718518"/>
-            <a:ext cx="731986" cy="863414"/>
+          <a:xfrm flipH="1">
+            <a:off x="7503916" y="2884567"/>
+            <a:ext cx="2899300" cy="2117866"/>
+          </a:xfrm>
+          <a:prstGeom prst="straightConnector1">
+            <a:avLst/>
+          </a:prstGeom>
+          <a:ln>
+            <a:prstDash val="dash"/>
+            <a:tailEnd type="triangle"/>
+          </a:ln>
+        </p:spPr>
+        <p:style>
+          <a:lnRef idx="1">
+            <a:schemeClr val="accent1"/>
+          </a:lnRef>
+          <a:fillRef idx="0">
+            <a:schemeClr val="accent1"/>
+          </a:fillRef>
+          <a:effectRef idx="0">
+            <a:schemeClr val="accent1"/>
+          </a:effectRef>
+          <a:fontRef idx="minor">
+            <a:schemeClr val="tx1"/>
+          </a:fontRef>
+        </p:style>
+      </p:cxnSp>
+      <p:sp>
+        <p:nvSpPr>
+          <p:cNvPr id="127" name="Oval 126">
+            <a:extLst>
+              <a:ext uri="{FF2B5EF4-FFF2-40B4-BE49-F238E27FC236}">
+                <a16:creationId xmlns:a16="http://schemas.microsoft.com/office/drawing/2014/main" id="{1EEB40E8-2BAE-4875-B563-FFAF36D54028}"/>
+              </a:ext>
+            </a:extLst>
+          </p:cNvPr>
+          <p:cNvSpPr/>
+          <p:nvPr/>
+        </p:nvSpPr>
+        <p:spPr>
+          <a:xfrm>
+            <a:off x="2502270" y="6137468"/>
+            <a:ext cx="2385138" cy="314378"/>
+          </a:xfrm>
+          <a:prstGeom prst="ellipse">
+            <a:avLst/>
+          </a:prstGeom>
+          <a:solidFill>
+            <a:schemeClr val="bg1"/>
+          </a:solidFill>
+        </p:spPr>
+        <p:style>
+          <a:lnRef idx="2">
+            <a:schemeClr val="accent1">
+              <a:shade val="50000"/>
+            </a:schemeClr>
+          </a:lnRef>
+          <a:fillRef idx="1">
+            <a:schemeClr val="accent1"/>
+          </a:fillRef>
+          <a:effectRef idx="0">
+            <a:schemeClr val="accent1"/>
+          </a:effectRef>
+          <a:fontRef idx="minor">
+            <a:schemeClr val="lt1"/>
+          </a:fontRef>
+        </p:style>
+        <p:txBody>
+          <a:bodyPr rtlCol="1" anchor="ctr"/>
+          <a:lstStyle/>
+          <a:p>
+            <a:pPr algn="ctr"/>
+            <a:r>
+              <a:rPr lang="en-US" sz="1400" dirty="0">
+                <a:solidFill>
+                  <a:schemeClr val="tx1"/>
+                </a:solidFill>
+              </a:rPr>
+              <a:t>Lead list</a:t>
+            </a:r>
+            <a:endParaRPr lang="he-IL" sz="1400" dirty="0">
+              <a:solidFill>
+                <a:schemeClr val="tx1"/>
+              </a:solidFill>
+            </a:endParaRPr>
+          </a:p>
+        </p:txBody>
+      </p:sp>
+      <p:sp>
+        <p:nvSpPr>
+          <p:cNvPr id="135" name="Oval 134">
+            <a:extLst>
+              <a:ext uri="{FF2B5EF4-FFF2-40B4-BE49-F238E27FC236}">
+                <a16:creationId xmlns:a16="http://schemas.microsoft.com/office/drawing/2014/main" id="{2E013FC6-0E6A-4385-AA91-EEAF8B98A8C2}"/>
+              </a:ext>
+            </a:extLst>
+          </p:cNvPr>
+          <p:cNvSpPr/>
+          <p:nvPr/>
+        </p:nvSpPr>
+        <p:spPr>
+          <a:xfrm>
+            <a:off x="1136307" y="5235017"/>
+            <a:ext cx="1551705" cy="458938"/>
+          </a:xfrm>
+          <a:prstGeom prst="ellipse">
+            <a:avLst/>
+          </a:prstGeom>
+          <a:solidFill>
+            <a:schemeClr val="bg1"/>
+          </a:solidFill>
+        </p:spPr>
+        <p:style>
+          <a:lnRef idx="2">
+            <a:schemeClr val="accent1">
+              <a:shade val="50000"/>
+            </a:schemeClr>
+          </a:lnRef>
+          <a:fillRef idx="1">
+            <a:schemeClr val="accent1"/>
+          </a:fillRef>
+          <a:effectRef idx="0">
+            <a:schemeClr val="accent1"/>
+          </a:effectRef>
+          <a:fontRef idx="minor">
+            <a:schemeClr val="lt1"/>
+          </a:fontRef>
+        </p:style>
+        <p:txBody>
+          <a:bodyPr rtlCol="1" anchor="ctr"/>
+          <a:lstStyle/>
+          <a:p>
+            <a:pPr algn="ctr"/>
+            <a:r>
+              <a:rPr lang="en-US" sz="1400" dirty="0">
+                <a:solidFill>
+                  <a:schemeClr val="tx1"/>
+                </a:solidFill>
+              </a:rPr>
+              <a:t>Agent menu</a:t>
+            </a:r>
+            <a:endParaRPr lang="he-IL" sz="1400" dirty="0">
+              <a:solidFill>
+                <a:schemeClr val="tx1"/>
+              </a:solidFill>
+            </a:endParaRPr>
+          </a:p>
+        </p:txBody>
+      </p:sp>
+      <p:cxnSp>
+        <p:nvCxnSpPr>
+          <p:cNvPr id="137" name="Straight Arrow Connector 136">
+            <a:extLst>
+              <a:ext uri="{FF2B5EF4-FFF2-40B4-BE49-F238E27FC236}">
+                <a16:creationId xmlns:a16="http://schemas.microsoft.com/office/drawing/2014/main" id="{BF50425B-4081-4474-86B7-32360E94FCBB}"/>
+              </a:ext>
+            </a:extLst>
+          </p:cNvPr>
+          <p:cNvCxnSpPr>
+            <a:cxnSpLocks/>
+            <a:endCxn id="127" idx="2"/>
+          </p:cNvCxnSpPr>
+          <p:nvPr/>
+        </p:nvCxnSpPr>
+        <p:spPr>
+          <a:xfrm>
+            <a:off x="2142487" y="5641685"/>
+            <a:ext cx="359783" cy="652972"/>
           </a:xfrm>
           <a:prstGeom prst="straightConnector1">
             <a:avLst/>
@@ -4962,24 +4855,24 @@
       </p:cxnSp>
       <p:cxnSp>
         <p:nvCxnSpPr>
-          <p:cNvPr id="83" name="Straight Arrow Connector 82">
-            <a:extLst>
-              <a:ext uri="{FF2B5EF4-FFF2-40B4-BE49-F238E27FC236}">
-                <a16:creationId xmlns:a16="http://schemas.microsoft.com/office/drawing/2014/main" id="{FE33236F-1033-4642-A7B5-C58DD6ED1B71}"/>
+          <p:cNvPr id="81" name="Straight Arrow Connector 80">
+            <a:extLst>
+              <a:ext uri="{FF2B5EF4-FFF2-40B4-BE49-F238E27FC236}">
+                <a16:creationId xmlns:a16="http://schemas.microsoft.com/office/drawing/2014/main" id="{EF9065C1-088E-4AF8-919B-5E63C9266B71}"/>
               </a:ext>
             </a:extLst>
           </p:cNvPr>
           <p:cNvCxnSpPr>
             <a:cxnSpLocks/>
-            <a:stCxn id="27" idx="2"/>
-            <a:endCxn id="75" idx="7"/>
+            <a:stCxn id="115" idx="5"/>
+            <a:endCxn id="57" idx="1"/>
           </p:cNvCxnSpPr>
           <p:nvPr/>
         </p:nvCxnSpPr>
         <p:spPr>
-          <a:xfrm flipH="1">
-            <a:off x="5508054" y="1877344"/>
-            <a:ext cx="633575" cy="720559"/>
+          <a:xfrm>
+            <a:off x="4950428" y="5676483"/>
+            <a:ext cx="1477219" cy="457523"/>
           </a:xfrm>
           <a:prstGeom prst="straightConnector1">
             <a:avLst/>
@@ -5005,85 +4898,10 @@
       </p:cxnSp>
       <p:sp>
         <p:nvSpPr>
-          <p:cNvPr id="84" name="TextBox 83">
-            <a:extLst>
-              <a:ext uri="{FF2B5EF4-FFF2-40B4-BE49-F238E27FC236}">
-                <a16:creationId xmlns:a16="http://schemas.microsoft.com/office/drawing/2014/main" id="{76A5A6BE-D8A4-4685-B8D4-774045D19290}"/>
-              </a:ext>
-            </a:extLst>
-          </p:cNvPr>
-          <p:cNvSpPr txBox="1"/>
-          <p:nvPr/>
-        </p:nvSpPr>
-        <p:spPr>
-          <a:xfrm rot="18576588">
-            <a:off x="5346461" y="1960012"/>
-            <a:ext cx="899608" cy="215444"/>
-          </a:xfrm>
-          <a:prstGeom prst="rect">
-            <a:avLst/>
-          </a:prstGeom>
-          <a:noFill/>
-        </p:spPr>
-        <p:txBody>
-          <a:bodyPr wrap="square" rtlCol="1">
-            <a:spAutoFit/>
-          </a:bodyPr>
-          <a:lstStyle/>
-          <a:p>
-            <a:r>
-              <a:rPr lang="en-US" sz="800" dirty="0"/>
-              <a:t>&lt;&lt;extend&gt;&gt;</a:t>
-            </a:r>
-            <a:endParaRPr lang="he-IL" sz="800" dirty="0"/>
-          </a:p>
-        </p:txBody>
-      </p:sp>
-      <p:cxnSp>
-        <p:nvCxnSpPr>
-          <p:cNvPr id="117" name="Straight Connector 116">
-            <a:extLst>
-              <a:ext uri="{FF2B5EF4-FFF2-40B4-BE49-F238E27FC236}">
-                <a16:creationId xmlns:a16="http://schemas.microsoft.com/office/drawing/2014/main" id="{94A59298-FFCD-457A-AC8F-E36E2CEB02CA}"/>
-              </a:ext>
-            </a:extLst>
-          </p:cNvPr>
-          <p:cNvCxnSpPr>
-            <a:cxnSpLocks/>
-            <a:endCxn id="53" idx="6"/>
-          </p:cNvCxnSpPr>
-          <p:nvPr/>
-        </p:nvCxnSpPr>
-        <p:spPr>
-          <a:xfrm flipH="1" flipV="1">
-            <a:off x="4093313" y="3123130"/>
-            <a:ext cx="4783655" cy="67484"/>
-          </a:xfrm>
-          <a:prstGeom prst="line">
-            <a:avLst/>
-          </a:prstGeom>
-        </p:spPr>
-        <p:style>
-          <a:lnRef idx="1">
-            <a:schemeClr val="accent1"/>
-          </a:lnRef>
-          <a:fillRef idx="0">
-            <a:schemeClr val="accent1"/>
-          </a:fillRef>
-          <a:effectRef idx="0">
-            <a:schemeClr val="accent1"/>
-          </a:effectRef>
-          <a:fontRef idx="minor">
-            <a:schemeClr val="tx1"/>
-          </a:fontRef>
-        </p:style>
-      </p:cxnSp>
-      <p:sp>
-        <p:nvSpPr>
-          <p:cNvPr id="127" name="Oval 126">
-            <a:extLst>
-              <a:ext uri="{FF2B5EF4-FFF2-40B4-BE49-F238E27FC236}">
-                <a16:creationId xmlns:a16="http://schemas.microsoft.com/office/drawing/2014/main" id="{1EEB40E8-2BAE-4875-B563-FFAF36D54028}"/>
+          <p:cNvPr id="62" name="Oval 61">
+            <a:extLst>
+              <a:ext uri="{FF2B5EF4-FFF2-40B4-BE49-F238E27FC236}">
+                <a16:creationId xmlns:a16="http://schemas.microsoft.com/office/drawing/2014/main" id="{3B236FB0-080D-497D-8B85-5976804A8E7D}"/>
               </a:ext>
             </a:extLst>
           </p:cNvPr>
@@ -5092,8 +4910,8 @@
         </p:nvSpPr>
         <p:spPr>
           <a:xfrm>
-            <a:off x="1292875" y="3657537"/>
-            <a:ext cx="1565045" cy="432652"/>
+            <a:off x="1295021" y="2260142"/>
+            <a:ext cx="976596" cy="381174"/>
           </a:xfrm>
           <a:prstGeom prst="ellipse">
             <a:avLst/>
@@ -5129,7 +4947,7 @@
                   <a:schemeClr val="tx1"/>
                 </a:solidFill>
               </a:rPr>
-              <a:t>portfolio</a:t>
+              <a:t>Sign up</a:t>
             </a:r>
             <a:endParaRPr lang="he-IL" sz="1400" dirty="0">
               <a:solidFill>
@@ -5139,53 +4957,12 @@
           </a:p>
         </p:txBody>
       </p:sp>
-      <p:cxnSp>
-        <p:nvCxnSpPr>
-          <p:cNvPr id="129" name="Straight Arrow Connector 128">
-            <a:extLst>
-              <a:ext uri="{FF2B5EF4-FFF2-40B4-BE49-F238E27FC236}">
-                <a16:creationId xmlns:a16="http://schemas.microsoft.com/office/drawing/2014/main" id="{2F10CC2B-6B35-4A95-AD0D-CD2195503DE0}"/>
-              </a:ext>
-            </a:extLst>
-          </p:cNvPr>
-          <p:cNvCxnSpPr>
-            <a:cxnSpLocks/>
-          </p:cNvCxnSpPr>
-          <p:nvPr/>
-        </p:nvCxnSpPr>
-        <p:spPr>
-          <a:xfrm>
-            <a:off x="722726" y="5191728"/>
-            <a:ext cx="1017297" cy="578757"/>
-          </a:xfrm>
-          <a:prstGeom prst="straightConnector1">
-            <a:avLst/>
-          </a:prstGeom>
-          <a:ln>
-            <a:tailEnd type="triangle"/>
-          </a:ln>
-        </p:spPr>
-        <p:style>
-          <a:lnRef idx="1">
-            <a:schemeClr val="accent1"/>
-          </a:lnRef>
-          <a:fillRef idx="0">
-            <a:schemeClr val="accent1"/>
-          </a:fillRef>
-          <a:effectRef idx="0">
-            <a:schemeClr val="accent1"/>
-          </a:effectRef>
-          <a:fontRef idx="minor">
-            <a:schemeClr val="tx1"/>
-          </a:fontRef>
-        </p:style>
-      </p:cxnSp>
-      <p:sp>
-        <p:nvSpPr>
-          <p:cNvPr id="135" name="Oval 134">
-            <a:extLst>
-              <a:ext uri="{FF2B5EF4-FFF2-40B4-BE49-F238E27FC236}">
-                <a16:creationId xmlns:a16="http://schemas.microsoft.com/office/drawing/2014/main" id="{2E013FC6-0E6A-4385-AA91-EEAF8B98A8C2}"/>
+      <p:sp>
+        <p:nvSpPr>
+          <p:cNvPr id="91" name="Oval 90">
+            <a:extLst>
+              <a:ext uri="{FF2B5EF4-FFF2-40B4-BE49-F238E27FC236}">
+                <a16:creationId xmlns:a16="http://schemas.microsoft.com/office/drawing/2014/main" id="{F546321F-7ED3-4867-9513-B55724C4D5AC}"/>
               </a:ext>
             </a:extLst>
           </p:cNvPr>
@@ -5194,8 +4971,8 @@
         </p:nvSpPr>
         <p:spPr>
           <a:xfrm>
-            <a:off x="575934" y="2701417"/>
-            <a:ext cx="1267692" cy="458938"/>
+            <a:off x="1136307" y="6442237"/>
+            <a:ext cx="2379829" cy="358003"/>
           </a:xfrm>
           <a:prstGeom prst="ellipse">
             <a:avLst/>
@@ -5231,7 +5008,7 @@
                   <a:schemeClr val="tx1"/>
                 </a:solidFill>
               </a:rPr>
-              <a:t>Login/ register</a:t>
+              <a:t>Answer to massages</a:t>
             </a:r>
             <a:endParaRPr lang="he-IL" sz="1400" dirty="0">
               <a:solidFill>
@@ -5243,10 +5020,10 @@
       </p:sp>
       <p:cxnSp>
         <p:nvCxnSpPr>
-          <p:cNvPr id="137" name="Straight Arrow Connector 136">
-            <a:extLst>
-              <a:ext uri="{FF2B5EF4-FFF2-40B4-BE49-F238E27FC236}">
-                <a16:creationId xmlns:a16="http://schemas.microsoft.com/office/drawing/2014/main" id="{BF50425B-4081-4474-86B7-32360E94FCBB}"/>
+          <p:cNvPr id="86" name="Straight Arrow Connector 85">
+            <a:extLst>
+              <a:ext uri="{FF2B5EF4-FFF2-40B4-BE49-F238E27FC236}">
+                <a16:creationId xmlns:a16="http://schemas.microsoft.com/office/drawing/2014/main" id="{A589B329-AB53-40A8-82FB-5AD01AA8AA42}"/>
               </a:ext>
             </a:extLst>
           </p:cNvPr>
@@ -5257,8 +5034,381 @@
         </p:nvCxnSpPr>
         <p:spPr>
           <a:xfrm>
-            <a:off x="1521801" y="3150705"/>
-            <a:ext cx="128694" cy="494752"/>
+            <a:off x="2541152" y="5316508"/>
+            <a:ext cx="443577" cy="100890"/>
+          </a:xfrm>
+          <a:prstGeom prst="straightConnector1">
+            <a:avLst/>
+          </a:prstGeom>
+          <a:ln>
+            <a:tailEnd type="triangle"/>
+          </a:ln>
+        </p:spPr>
+        <p:style>
+          <a:lnRef idx="1">
+            <a:schemeClr val="accent1"/>
+          </a:lnRef>
+          <a:fillRef idx="0">
+            <a:schemeClr val="accent1"/>
+          </a:fillRef>
+          <a:effectRef idx="0">
+            <a:schemeClr val="accent1"/>
+          </a:effectRef>
+          <a:fontRef idx="minor">
+            <a:schemeClr val="tx1"/>
+          </a:fontRef>
+        </p:style>
+      </p:cxnSp>
+      <p:sp>
+        <p:nvSpPr>
+          <p:cNvPr id="94" name="TextBox 93">
+            <a:extLst>
+              <a:ext uri="{FF2B5EF4-FFF2-40B4-BE49-F238E27FC236}">
+                <a16:creationId xmlns:a16="http://schemas.microsoft.com/office/drawing/2014/main" id="{7751C453-C229-46A7-9732-4DDAE7D29AE2}"/>
+              </a:ext>
+            </a:extLst>
+          </p:cNvPr>
+          <p:cNvSpPr txBox="1"/>
+          <p:nvPr/>
+        </p:nvSpPr>
+        <p:spPr>
+          <a:xfrm>
+            <a:off x="11335898" y="3004506"/>
+            <a:ext cx="1125221" cy="307777"/>
+          </a:xfrm>
+          <a:prstGeom prst="rect">
+            <a:avLst/>
+          </a:prstGeom>
+          <a:noFill/>
+        </p:spPr>
+        <p:txBody>
+          <a:bodyPr wrap="square" rtlCol="1">
+            <a:spAutoFit/>
+          </a:bodyPr>
+          <a:lstStyle/>
+          <a:p>
+            <a:r>
+              <a:rPr lang="en-US" sz="1400" dirty="0"/>
+              <a:t>banks</a:t>
+            </a:r>
+            <a:endParaRPr lang="he-IL" sz="1400" dirty="0"/>
+          </a:p>
+        </p:txBody>
+      </p:sp>
+      <p:sp>
+        <p:nvSpPr>
+          <p:cNvPr id="95" name="TextBox 94">
+            <a:extLst>
+              <a:ext uri="{FF2B5EF4-FFF2-40B4-BE49-F238E27FC236}">
+                <a16:creationId xmlns:a16="http://schemas.microsoft.com/office/drawing/2014/main" id="{222DC42F-03CE-49F8-9DAB-76CAF7F3AAB8}"/>
+              </a:ext>
+            </a:extLst>
+          </p:cNvPr>
+          <p:cNvSpPr txBox="1"/>
+          <p:nvPr/>
+        </p:nvSpPr>
+        <p:spPr>
+          <a:xfrm>
+            <a:off x="11128114" y="4377977"/>
+            <a:ext cx="1135522" cy="307777"/>
+          </a:xfrm>
+          <a:prstGeom prst="rect">
+            <a:avLst/>
+          </a:prstGeom>
+          <a:noFill/>
+        </p:spPr>
+        <p:txBody>
+          <a:bodyPr wrap="square" rtlCol="1">
+            <a:spAutoFit/>
+          </a:bodyPr>
+          <a:lstStyle/>
+          <a:p>
+            <a:r>
+              <a:rPr lang="en-US" sz="1400" dirty="0"/>
+              <a:t>&lt;&lt;system&gt;&gt;</a:t>
+            </a:r>
+            <a:endParaRPr lang="he-IL" sz="1400" dirty="0"/>
+          </a:p>
+        </p:txBody>
+      </p:sp>
+      <p:sp>
+        <p:nvSpPr>
+          <p:cNvPr id="96" name="TextBox 95">
+            <a:extLst>
+              <a:ext uri="{FF2B5EF4-FFF2-40B4-BE49-F238E27FC236}">
+                <a16:creationId xmlns:a16="http://schemas.microsoft.com/office/drawing/2014/main" id="{AE857061-B2BD-4C1A-BD2C-957B0FAF5443}"/>
+              </a:ext>
+            </a:extLst>
+          </p:cNvPr>
+          <p:cNvSpPr txBox="1"/>
+          <p:nvPr/>
+        </p:nvSpPr>
+        <p:spPr>
+          <a:xfrm>
+            <a:off x="11069630" y="6074240"/>
+            <a:ext cx="1135522" cy="307777"/>
+          </a:xfrm>
+          <a:prstGeom prst="rect">
+            <a:avLst/>
+          </a:prstGeom>
+          <a:noFill/>
+        </p:spPr>
+        <p:txBody>
+          <a:bodyPr wrap="square" rtlCol="1">
+            <a:spAutoFit/>
+          </a:bodyPr>
+          <a:lstStyle/>
+          <a:p>
+            <a:r>
+              <a:rPr lang="en-US" sz="1400" dirty="0"/>
+              <a:t>&lt;&lt;system&gt;&gt;</a:t>
+            </a:r>
+            <a:endParaRPr lang="he-IL" sz="1400" dirty="0"/>
+          </a:p>
+        </p:txBody>
+      </p:sp>
+      <p:sp>
+        <p:nvSpPr>
+          <p:cNvPr id="115" name="Oval 114">
+            <a:extLst>
+              <a:ext uri="{FF2B5EF4-FFF2-40B4-BE49-F238E27FC236}">
+                <a16:creationId xmlns:a16="http://schemas.microsoft.com/office/drawing/2014/main" id="{12B412C1-7254-4E84-BFFE-8DD5B32ECD5D}"/>
+              </a:ext>
+            </a:extLst>
+          </p:cNvPr>
+          <p:cNvSpPr/>
+          <p:nvPr/>
+        </p:nvSpPr>
+        <p:spPr>
+          <a:xfrm>
+            <a:off x="2856030" y="5349290"/>
+            <a:ext cx="2453740" cy="383331"/>
+          </a:xfrm>
+          <a:prstGeom prst="ellipse">
+            <a:avLst/>
+          </a:prstGeom>
+          <a:solidFill>
+            <a:schemeClr val="bg1"/>
+          </a:solidFill>
+        </p:spPr>
+        <p:style>
+          <a:lnRef idx="2">
+            <a:schemeClr val="accent1">
+              <a:shade val="50000"/>
+            </a:schemeClr>
+          </a:lnRef>
+          <a:fillRef idx="1">
+            <a:schemeClr val="accent1"/>
+          </a:fillRef>
+          <a:effectRef idx="0">
+            <a:schemeClr val="accent1"/>
+          </a:effectRef>
+          <a:fontRef idx="minor">
+            <a:schemeClr val="lt1"/>
+          </a:fontRef>
+        </p:style>
+        <p:txBody>
+          <a:bodyPr rtlCol="1" anchor="ctr"/>
+          <a:lstStyle/>
+          <a:p>
+            <a:r>
+              <a:rPr lang="en-GB" sz="1400" dirty="0">
+                <a:solidFill>
+                  <a:schemeClr val="tx1"/>
+                </a:solidFill>
+              </a:rPr>
+              <a:t>Confirmation of customer orders</a:t>
+            </a:r>
+            <a:endParaRPr lang="en-IL" sz="1400" dirty="0">
+              <a:solidFill>
+                <a:schemeClr val="tx1"/>
+              </a:solidFill>
+            </a:endParaRPr>
+          </a:p>
+        </p:txBody>
+      </p:sp>
+      <p:cxnSp>
+        <p:nvCxnSpPr>
+          <p:cNvPr id="118" name="Straight Arrow Connector 117">
+            <a:extLst>
+              <a:ext uri="{FF2B5EF4-FFF2-40B4-BE49-F238E27FC236}">
+                <a16:creationId xmlns:a16="http://schemas.microsoft.com/office/drawing/2014/main" id="{D5978272-65F2-42FF-BE9A-2D28541A0EF0}"/>
+              </a:ext>
+            </a:extLst>
+          </p:cNvPr>
+          <p:cNvCxnSpPr>
+            <a:cxnSpLocks/>
+          </p:cNvCxnSpPr>
+          <p:nvPr/>
+        </p:nvCxnSpPr>
+        <p:spPr>
+          <a:xfrm>
+            <a:off x="1757870" y="5703209"/>
+            <a:ext cx="66334" cy="640020"/>
+          </a:xfrm>
+          <a:prstGeom prst="straightConnector1">
+            <a:avLst/>
+          </a:prstGeom>
+          <a:ln>
+            <a:tailEnd type="triangle"/>
+          </a:ln>
+        </p:spPr>
+        <p:style>
+          <a:lnRef idx="1">
+            <a:schemeClr val="accent1"/>
+          </a:lnRef>
+          <a:fillRef idx="0">
+            <a:schemeClr val="accent1"/>
+          </a:fillRef>
+          <a:effectRef idx="0">
+            <a:schemeClr val="accent1"/>
+          </a:effectRef>
+          <a:fontRef idx="minor">
+            <a:schemeClr val="tx1"/>
+          </a:fontRef>
+        </p:style>
+      </p:cxnSp>
+      <p:sp>
+        <p:nvSpPr>
+          <p:cNvPr id="60" name="Oval 59">
+            <a:extLst>
+              <a:ext uri="{FF2B5EF4-FFF2-40B4-BE49-F238E27FC236}">
+                <a16:creationId xmlns:a16="http://schemas.microsoft.com/office/drawing/2014/main" id="{C0CE2322-5683-445F-883E-2FD93A576020}"/>
+              </a:ext>
+            </a:extLst>
+          </p:cNvPr>
+          <p:cNvSpPr/>
+          <p:nvPr/>
+        </p:nvSpPr>
+        <p:spPr>
+          <a:xfrm>
+            <a:off x="1226440" y="867209"/>
+            <a:ext cx="1362938" cy="409003"/>
+          </a:xfrm>
+          <a:prstGeom prst="ellipse">
+            <a:avLst/>
+          </a:prstGeom>
+          <a:solidFill>
+            <a:schemeClr val="bg1"/>
+          </a:solidFill>
+        </p:spPr>
+        <p:style>
+          <a:lnRef idx="2">
+            <a:schemeClr val="accent1">
+              <a:shade val="50000"/>
+            </a:schemeClr>
+          </a:lnRef>
+          <a:fillRef idx="1">
+            <a:schemeClr val="accent1"/>
+          </a:fillRef>
+          <a:effectRef idx="0">
+            <a:schemeClr val="accent1"/>
+          </a:effectRef>
+          <a:fontRef idx="minor">
+            <a:schemeClr val="lt1"/>
+          </a:fontRef>
+        </p:style>
+        <p:txBody>
+          <a:bodyPr rtlCol="1" anchor="ctr"/>
+          <a:lstStyle/>
+          <a:p>
+            <a:pPr algn="ctr"/>
+            <a:r>
+              <a:rPr lang="en-US" sz="1400" dirty="0">
+                <a:solidFill>
+                  <a:schemeClr val="tx1"/>
+                </a:solidFill>
+              </a:rPr>
+              <a:t>Customer menu</a:t>
+            </a:r>
+            <a:endParaRPr lang="he-IL" sz="1400" dirty="0">
+              <a:solidFill>
+                <a:schemeClr val="tx1"/>
+              </a:solidFill>
+            </a:endParaRPr>
+          </a:p>
+        </p:txBody>
+      </p:sp>
+      <p:sp>
+        <p:nvSpPr>
+          <p:cNvPr id="66" name="Oval 65">
+            <a:extLst>
+              <a:ext uri="{FF2B5EF4-FFF2-40B4-BE49-F238E27FC236}">
+                <a16:creationId xmlns:a16="http://schemas.microsoft.com/office/drawing/2014/main" id="{0E6534D9-BD7D-4AC5-8F4F-30E533E74C99}"/>
+              </a:ext>
+            </a:extLst>
+          </p:cNvPr>
+          <p:cNvSpPr/>
+          <p:nvPr/>
+        </p:nvSpPr>
+        <p:spPr>
+          <a:xfrm>
+            <a:off x="3852953" y="4582634"/>
+            <a:ext cx="2416951" cy="406427"/>
+          </a:xfrm>
+          <a:prstGeom prst="ellipse">
+            <a:avLst/>
+          </a:prstGeom>
+          <a:solidFill>
+            <a:schemeClr val="bg1"/>
+          </a:solidFill>
+        </p:spPr>
+        <p:style>
+          <a:lnRef idx="2">
+            <a:schemeClr val="accent1">
+              <a:shade val="50000"/>
+            </a:schemeClr>
+          </a:lnRef>
+          <a:fillRef idx="1">
+            <a:schemeClr val="accent1"/>
+          </a:fillRef>
+          <a:effectRef idx="0">
+            <a:schemeClr val="accent1"/>
+          </a:effectRef>
+          <a:fontRef idx="minor">
+            <a:schemeClr val="lt1"/>
+          </a:fontRef>
+        </p:style>
+        <p:txBody>
+          <a:bodyPr rtlCol="1" anchor="ctr"/>
+          <a:lstStyle/>
+          <a:p>
+            <a:pPr algn="ctr"/>
+            <a:r>
+              <a:rPr lang="en-US" sz="1400" dirty="0">
+                <a:solidFill>
+                  <a:schemeClr val="tx1"/>
+                </a:solidFill>
+              </a:rPr>
+              <a:t>delete from DB</a:t>
+            </a:r>
+            <a:endParaRPr lang="he-IL" sz="1400" dirty="0">
+              <a:solidFill>
+                <a:schemeClr val="tx1"/>
+              </a:solidFill>
+            </a:endParaRPr>
+          </a:p>
+        </p:txBody>
+      </p:sp>
+      <p:cxnSp>
+        <p:nvCxnSpPr>
+          <p:cNvPr id="70" name="Straight Arrow Connector 69">
+            <a:extLst>
+              <a:ext uri="{FF2B5EF4-FFF2-40B4-BE49-F238E27FC236}">
+                <a16:creationId xmlns:a16="http://schemas.microsoft.com/office/drawing/2014/main" id="{7615C9BD-A016-48AA-BE59-B3BC8A5AEAE3}"/>
+              </a:ext>
+            </a:extLst>
+          </p:cNvPr>
+          <p:cNvCxnSpPr>
+            <a:cxnSpLocks/>
+            <a:stCxn id="135" idx="7"/>
+          </p:cNvCxnSpPr>
+          <p:nvPr/>
+        </p:nvCxnSpPr>
+        <p:spPr>
+          <a:xfrm flipV="1">
+            <a:off x="2460770" y="4936223"/>
+            <a:ext cx="1488081" cy="366004"/>
           </a:xfrm>
           <a:prstGeom prst="straightConnector1">
             <a:avLst/>
@@ -5284,10 +5434,10 @@
       </p:cxnSp>
       <p:cxnSp>
         <p:nvCxnSpPr>
-          <p:cNvPr id="139" name="Straight Arrow Connector 138">
-            <a:extLst>
-              <a:ext uri="{FF2B5EF4-FFF2-40B4-BE49-F238E27FC236}">
-                <a16:creationId xmlns:a16="http://schemas.microsoft.com/office/drawing/2014/main" id="{1F0411E6-52DD-4741-A7DD-6595D44BCF2F}"/>
+          <p:cNvPr id="76" name="Straight Arrow Connector 75">
+            <a:extLst>
+              <a:ext uri="{FF2B5EF4-FFF2-40B4-BE49-F238E27FC236}">
+                <a16:creationId xmlns:a16="http://schemas.microsoft.com/office/drawing/2014/main" id="{69E7F737-83DF-4CF4-BC16-237BAD91C842}"/>
               </a:ext>
             </a:extLst>
           </p:cNvPr>
@@ -5297,9 +5447,9 @@
           <p:nvPr/>
         </p:nvCxnSpPr>
         <p:spPr>
-          <a:xfrm>
-            <a:off x="817938" y="2337830"/>
-            <a:ext cx="76629" cy="380252"/>
+          <a:xfrm flipV="1">
+            <a:off x="7825941" y="4659089"/>
+            <a:ext cx="3279451" cy="643455"/>
           </a:xfrm>
           <a:prstGeom prst="straightConnector1">
             <a:avLst/>
@@ -5323,12 +5473,53 @@
           </a:fontRef>
         </p:style>
       </p:cxnSp>
-      <p:sp>
-        <p:nvSpPr>
-          <p:cNvPr id="52" name="Oval 51">
-            <a:extLst>
-              <a:ext uri="{FF2B5EF4-FFF2-40B4-BE49-F238E27FC236}">
-                <a16:creationId xmlns:a16="http://schemas.microsoft.com/office/drawing/2014/main" id="{E473F59B-BDA6-4ABB-B789-D80F62349534}"/>
+      <p:cxnSp>
+        <p:nvCxnSpPr>
+          <p:cNvPr id="78" name="Straight Arrow Connector 77">
+            <a:extLst>
+              <a:ext uri="{FF2B5EF4-FFF2-40B4-BE49-F238E27FC236}">
+                <a16:creationId xmlns:a16="http://schemas.microsoft.com/office/drawing/2014/main" id="{5F37CD49-982D-4F5E-8C7D-E1A2A1591F48}"/>
+              </a:ext>
+            </a:extLst>
+          </p:cNvPr>
+          <p:cNvCxnSpPr>
+            <a:cxnSpLocks/>
+          </p:cNvCxnSpPr>
+          <p:nvPr/>
+        </p:nvCxnSpPr>
+        <p:spPr>
+          <a:xfrm>
+            <a:off x="4765837" y="5092782"/>
+            <a:ext cx="6074763" cy="1176414"/>
+          </a:xfrm>
+          <a:prstGeom prst="straightConnector1">
+            <a:avLst/>
+          </a:prstGeom>
+          <a:ln>
+            <a:tailEnd type="triangle"/>
+          </a:ln>
+        </p:spPr>
+        <p:style>
+          <a:lnRef idx="1">
+            <a:schemeClr val="accent1"/>
+          </a:lnRef>
+          <a:fillRef idx="0">
+            <a:schemeClr val="accent1"/>
+          </a:fillRef>
+          <a:effectRef idx="0">
+            <a:schemeClr val="accent1"/>
+          </a:effectRef>
+          <a:fontRef idx="minor">
+            <a:schemeClr val="tx1"/>
+          </a:fontRef>
+        </p:style>
+      </p:cxnSp>
+      <p:sp>
+        <p:nvSpPr>
+          <p:cNvPr id="87" name="Oval 86">
+            <a:extLst>
+              <a:ext uri="{FF2B5EF4-FFF2-40B4-BE49-F238E27FC236}">
+                <a16:creationId xmlns:a16="http://schemas.microsoft.com/office/drawing/2014/main" id="{6FA6243E-40CD-4D7D-9C07-55EBF2CF395E}"/>
               </a:ext>
             </a:extLst>
           </p:cNvPr>
@@ -5337,8 +5528,8 @@
         </p:nvSpPr>
         <p:spPr>
           <a:xfrm>
-            <a:off x="1666023" y="5655500"/>
-            <a:ext cx="1282653" cy="428027"/>
+            <a:off x="6344311" y="1747985"/>
+            <a:ext cx="2803999" cy="334619"/>
           </a:xfrm>
           <a:prstGeom prst="ellipse">
             <a:avLst/>
@@ -5374,18 +5565,7 @@
                   <a:schemeClr val="tx1"/>
                 </a:solidFill>
               </a:rPr>
-              <a:t>Login/</a:t>
-            </a:r>
-          </a:p>
-          <a:p>
-            <a:pPr algn="ctr"/>
-            <a:r>
-              <a:rPr lang="en-US" sz="1400" dirty="0">
-                <a:solidFill>
-                  <a:schemeClr val="tx1"/>
-                </a:solidFill>
-              </a:rPr>
-              <a:t>register</a:t>
+              <a:t>Search by location</a:t>
             </a:r>
             <a:endParaRPr lang="he-IL" sz="1400" dirty="0">
               <a:solidFill>
@@ -5397,27 +5577,30 @@
       </p:sp>
       <p:cxnSp>
         <p:nvCxnSpPr>
-          <p:cNvPr id="12" name="Straight Arrow Connector 11">
-            <a:extLst>
-              <a:ext uri="{FF2B5EF4-FFF2-40B4-BE49-F238E27FC236}">
-                <a16:creationId xmlns:a16="http://schemas.microsoft.com/office/drawing/2014/main" id="{049C453E-CC1E-4A32-BB9F-4BD0A01772DB}"/>
+          <p:cNvPr id="89" name="Straight Arrow Connector 88">
+            <a:extLst>
+              <a:ext uri="{FF2B5EF4-FFF2-40B4-BE49-F238E27FC236}">
+                <a16:creationId xmlns:a16="http://schemas.microsoft.com/office/drawing/2014/main" id="{77B9E313-5DEB-40E9-9F50-1E6C3433AC50}"/>
               </a:ext>
             </a:extLst>
           </p:cNvPr>
           <p:cNvCxnSpPr>
             <a:cxnSpLocks/>
+            <a:stCxn id="9" idx="7"/>
+            <a:endCxn id="128" idx="2"/>
           </p:cNvCxnSpPr>
           <p:nvPr/>
         </p:nvCxnSpPr>
         <p:spPr>
           <a:xfrm flipV="1">
-            <a:off x="1046525" y="4092453"/>
-            <a:ext cx="526258" cy="231224"/>
+            <a:off x="4481164" y="272385"/>
+            <a:ext cx="1864460" cy="613407"/>
           </a:xfrm>
           <a:prstGeom prst="straightConnector1">
             <a:avLst/>
           </a:prstGeom>
           <a:ln>
+            <a:prstDash val="dash"/>
             <a:tailEnd type="triangle"/>
           </a:ln>
         </p:spPr>
@@ -5438,10 +5621,71 @@
       </p:cxnSp>
       <p:sp>
         <p:nvSpPr>
-          <p:cNvPr id="20" name="TextBox 19">
-            <a:extLst>
-              <a:ext uri="{FF2B5EF4-FFF2-40B4-BE49-F238E27FC236}">
-                <a16:creationId xmlns:a16="http://schemas.microsoft.com/office/drawing/2014/main" id="{13584B57-C014-411E-9B5B-653A6890BC48}"/>
+          <p:cNvPr id="146" name="Oval 145">
+            <a:extLst>
+              <a:ext uri="{FF2B5EF4-FFF2-40B4-BE49-F238E27FC236}">
+                <a16:creationId xmlns:a16="http://schemas.microsoft.com/office/drawing/2014/main" id="{6AA0FBD4-C633-42DC-AD35-30309897FBF2}"/>
+              </a:ext>
+            </a:extLst>
+          </p:cNvPr>
+          <p:cNvSpPr/>
+          <p:nvPr/>
+        </p:nvSpPr>
+        <p:spPr>
+          <a:xfrm>
+            <a:off x="6344312" y="982682"/>
+            <a:ext cx="2727120" cy="364010"/>
+          </a:xfrm>
+          <a:prstGeom prst="ellipse">
+            <a:avLst/>
+          </a:prstGeom>
+          <a:solidFill>
+            <a:schemeClr val="bg1"/>
+          </a:solidFill>
+        </p:spPr>
+        <p:style>
+          <a:lnRef idx="2">
+            <a:schemeClr val="accent1">
+              <a:shade val="50000"/>
+            </a:schemeClr>
+          </a:lnRef>
+          <a:fillRef idx="1">
+            <a:schemeClr val="accent1"/>
+          </a:fillRef>
+          <a:effectRef idx="0">
+            <a:schemeClr val="accent1"/>
+          </a:effectRef>
+          <a:fontRef idx="minor">
+            <a:schemeClr val="lt1"/>
+          </a:fontRef>
+        </p:style>
+        <p:txBody>
+          <a:bodyPr rtlCol="1" anchor="ctr"/>
+          <a:lstStyle/>
+          <a:p>
+            <a:pPr algn="ctr"/>
+            <a:r>
+              <a:rPr lang="en-US" sz="1400" dirty="0">
+                <a:solidFill>
+                  <a:schemeClr val="tx1"/>
+                </a:solidFill>
+              </a:rPr>
+              <a:t>Search by depart date</a:t>
+            </a:r>
+            <a:endParaRPr lang="he-IL" sz="1400" dirty="0">
+              <a:solidFill>
+                <a:schemeClr val="tx1"/>
+              </a:solidFill>
+            </a:endParaRPr>
+          </a:p>
+        </p:txBody>
+      </p:sp>
+      <p:sp>
+        <p:nvSpPr>
+          <p:cNvPr id="165" name="TextBox 164">
+            <a:extLst>
+              <a:ext uri="{FF2B5EF4-FFF2-40B4-BE49-F238E27FC236}">
+                <a16:creationId xmlns:a16="http://schemas.microsoft.com/office/drawing/2014/main" id="{399C5300-14AD-4393-87F2-58B8A56D4900}"/>
               </a:ext>
             </a:extLst>
           </p:cNvPr>
@@ -5449,9 +5693,9 @@
           <p:nvPr/>
         </p:nvSpPr>
         <p:spPr>
-          <a:xfrm rot="18649610">
-            <a:off x="4934167" y="1342316"/>
-            <a:ext cx="3434379" cy="230832"/>
+          <a:xfrm rot="20711755">
+            <a:off x="5063815" y="359627"/>
+            <a:ext cx="896644" cy="215444"/>
           </a:xfrm>
           <a:prstGeom prst="rect">
             <a:avLst/>
@@ -5465,19 +5709,62 @@
           <a:lstStyle/>
           <a:p>
             <a:r>
-              <a:rPr lang="en-US" sz="900" b="1" dirty="0"/>
-              <a:t>{if customer choose}</a:t>
-            </a:r>
-            <a:endParaRPr lang="he-IL" sz="900" b="1" dirty="0"/>
-          </a:p>
-        </p:txBody>
-      </p:sp>
-      <p:sp>
-        <p:nvSpPr>
-          <p:cNvPr id="68" name="TextBox 67">
-            <a:extLst>
-              <a:ext uri="{FF2B5EF4-FFF2-40B4-BE49-F238E27FC236}">
-                <a16:creationId xmlns:a16="http://schemas.microsoft.com/office/drawing/2014/main" id="{4825D873-5FC2-43EE-AEEE-5B254CB6C513}"/>
+              <a:rPr lang="en-US" sz="800" dirty="0"/>
+              <a:t>&lt;&lt;include&gt;&gt;</a:t>
+            </a:r>
+            <a:endParaRPr lang="he-IL" sz="800" dirty="0"/>
+          </a:p>
+        </p:txBody>
+      </p:sp>
+      <p:cxnSp>
+        <p:nvCxnSpPr>
+          <p:cNvPr id="171" name="Straight Arrow Connector 170">
+            <a:extLst>
+              <a:ext uri="{FF2B5EF4-FFF2-40B4-BE49-F238E27FC236}">
+                <a16:creationId xmlns:a16="http://schemas.microsoft.com/office/drawing/2014/main" id="{E28B3B5A-3DDC-491E-B312-A75DB1D2051B}"/>
+              </a:ext>
+            </a:extLst>
+          </p:cNvPr>
+          <p:cNvCxnSpPr>
+            <a:cxnSpLocks/>
+            <a:endCxn id="8" idx="1"/>
+          </p:cNvCxnSpPr>
+          <p:nvPr/>
+        </p:nvCxnSpPr>
+        <p:spPr>
+          <a:xfrm>
+            <a:off x="8990270" y="285203"/>
+            <a:ext cx="1765805" cy="655579"/>
+          </a:xfrm>
+          <a:prstGeom prst="straightConnector1">
+            <a:avLst/>
+          </a:prstGeom>
+          <a:ln>
+            <a:prstDash val="dash"/>
+            <a:tailEnd type="triangle"/>
+          </a:ln>
+        </p:spPr>
+        <p:style>
+          <a:lnRef idx="1">
+            <a:schemeClr val="accent1"/>
+          </a:lnRef>
+          <a:fillRef idx="0">
+            <a:schemeClr val="accent1"/>
+          </a:fillRef>
+          <a:effectRef idx="0">
+            <a:schemeClr val="accent1"/>
+          </a:effectRef>
+          <a:fontRef idx="minor">
+            <a:schemeClr val="tx1"/>
+          </a:fontRef>
+        </p:style>
+      </p:cxnSp>
+      <p:sp>
+        <p:nvSpPr>
+          <p:cNvPr id="176" name="TextBox 175">
+            <a:extLst>
+              <a:ext uri="{FF2B5EF4-FFF2-40B4-BE49-F238E27FC236}">
+                <a16:creationId xmlns:a16="http://schemas.microsoft.com/office/drawing/2014/main" id="{95BC5BA4-0D8C-4FEB-86C1-BFD7AAE14F8F}"/>
               </a:ext>
             </a:extLst>
           </p:cNvPr>
@@ -5485,9 +5772,9 @@
           <p:nvPr/>
         </p:nvSpPr>
         <p:spPr>
-          <a:xfrm rot="3016160">
-            <a:off x="4150470" y="2009480"/>
-            <a:ext cx="725336" cy="215444"/>
+          <a:xfrm rot="1216151">
+            <a:off x="9586778" y="474536"/>
+            <a:ext cx="896644" cy="215444"/>
           </a:xfrm>
           <a:prstGeom prst="rect">
             <a:avLst/>
@@ -5502,18 +5789,62 @@
           <a:p>
             <a:r>
               <a:rPr lang="en-US" sz="800" dirty="0"/>
-              <a:t>&lt;&lt;extend&gt;&gt;</a:t>
+              <a:t>&lt;&lt;include&gt;&gt;</a:t>
             </a:r>
             <a:endParaRPr lang="he-IL" sz="800" dirty="0"/>
           </a:p>
         </p:txBody>
       </p:sp>
-      <p:sp>
-        <p:nvSpPr>
-          <p:cNvPr id="69" name="TextBox 68">
-            <a:extLst>
-              <a:ext uri="{FF2B5EF4-FFF2-40B4-BE49-F238E27FC236}">
-                <a16:creationId xmlns:a16="http://schemas.microsoft.com/office/drawing/2014/main" id="{D97833B9-BA67-41A7-BFC8-22026F682C85}"/>
+      <p:cxnSp>
+        <p:nvCxnSpPr>
+          <p:cNvPr id="113" name="Straight Arrow Connector 112">
+            <a:extLst>
+              <a:ext uri="{FF2B5EF4-FFF2-40B4-BE49-F238E27FC236}">
+                <a16:creationId xmlns:a16="http://schemas.microsoft.com/office/drawing/2014/main" id="{B452D3F8-BE63-48F9-AC15-1F9AACCABE5C}"/>
+              </a:ext>
+            </a:extLst>
+          </p:cNvPr>
+          <p:cNvCxnSpPr>
+            <a:cxnSpLocks/>
+            <a:stCxn id="9" idx="6"/>
+            <a:endCxn id="146" idx="2"/>
+          </p:cNvCxnSpPr>
+          <p:nvPr/>
+        </p:nvCxnSpPr>
+        <p:spPr>
+          <a:xfrm>
+            <a:off x="4705220" y="1085373"/>
+            <a:ext cx="1639092" cy="79314"/>
+          </a:xfrm>
+          <a:prstGeom prst="straightConnector1">
+            <a:avLst/>
+          </a:prstGeom>
+          <a:ln>
+            <a:prstDash val="dash"/>
+            <a:tailEnd type="triangle"/>
+          </a:ln>
+        </p:spPr>
+        <p:style>
+          <a:lnRef idx="1">
+            <a:schemeClr val="accent1"/>
+          </a:lnRef>
+          <a:fillRef idx="0">
+            <a:schemeClr val="accent1"/>
+          </a:fillRef>
+          <a:effectRef idx="0">
+            <a:schemeClr val="accent1"/>
+          </a:effectRef>
+          <a:fontRef idx="minor">
+            <a:schemeClr val="tx1"/>
+          </a:fontRef>
+        </p:style>
+      </p:cxnSp>
+      <p:sp>
+        <p:nvSpPr>
+          <p:cNvPr id="116" name="TextBox 115">
+            <a:extLst>
+              <a:ext uri="{FF2B5EF4-FFF2-40B4-BE49-F238E27FC236}">
+                <a16:creationId xmlns:a16="http://schemas.microsoft.com/office/drawing/2014/main" id="{07B48E92-94F7-4FFB-A94E-D004BE7DF2B5}"/>
               </a:ext>
             </a:extLst>
           </p:cNvPr>
@@ -5521,9 +5852,9 @@
           <p:nvPr/>
         </p:nvSpPr>
         <p:spPr>
-          <a:xfrm rot="3018859">
-            <a:off x="3319052" y="3020545"/>
-            <a:ext cx="3434379" cy="230832"/>
+          <a:xfrm rot="344140">
+            <a:off x="5178625" y="935472"/>
+            <a:ext cx="896644" cy="215444"/>
           </a:xfrm>
           <a:prstGeom prst="rect">
             <a:avLst/>
@@ -5537,27 +5868,1223 @@
           <a:lstStyle/>
           <a:p>
             <a:r>
-              <a:rPr lang="en-US" sz="900" b="1" dirty="0"/>
-              <a:t>{if </a:t>
-            </a:r>
-            <a:r>
-              <a:rPr lang="en-US" sz="800" b="1" dirty="0"/>
-              <a:t>customer</a:t>
-            </a:r>
-            <a:r>
-              <a:rPr lang="en-US" sz="900" b="1" dirty="0"/>
-              <a:t> choose}</a:t>
-            </a:r>
-            <a:endParaRPr lang="he-IL" sz="900" b="1" dirty="0"/>
+              <a:rPr lang="en-US" sz="800" dirty="0"/>
+              <a:t>&lt;&lt;include&gt;&gt;</a:t>
+            </a:r>
+            <a:endParaRPr lang="he-IL" sz="800" dirty="0"/>
           </a:p>
         </p:txBody>
       </p:sp>
       <p:cxnSp>
         <p:nvCxnSpPr>
-          <p:cNvPr id="81" name="Straight Arrow Connector 80">
-            <a:extLst>
-              <a:ext uri="{FF2B5EF4-FFF2-40B4-BE49-F238E27FC236}">
-                <a16:creationId xmlns:a16="http://schemas.microsoft.com/office/drawing/2014/main" id="{EF9065C1-088E-4AF8-919B-5E63C9266B71}"/>
+          <p:cNvPr id="117" name="Straight Arrow Connector 116">
+            <a:extLst>
+              <a:ext uri="{FF2B5EF4-FFF2-40B4-BE49-F238E27FC236}">
+                <a16:creationId xmlns:a16="http://schemas.microsoft.com/office/drawing/2014/main" id="{4A27D7D9-9174-4B9A-812F-618A7DFEA260}"/>
+              </a:ext>
+            </a:extLst>
+          </p:cNvPr>
+          <p:cNvCxnSpPr>
+            <a:cxnSpLocks/>
+            <a:stCxn id="146" idx="6"/>
+            <a:endCxn id="8" idx="2"/>
+          </p:cNvCxnSpPr>
+          <p:nvPr/>
+        </p:nvCxnSpPr>
+        <p:spPr>
+          <a:xfrm flipV="1">
+            <a:off x="9071432" y="1152285"/>
+            <a:ext cx="1474828" cy="12402"/>
+          </a:xfrm>
+          <a:prstGeom prst="straightConnector1">
+            <a:avLst/>
+          </a:prstGeom>
+          <a:ln>
+            <a:prstDash val="dash"/>
+            <a:tailEnd type="triangle"/>
+          </a:ln>
+        </p:spPr>
+        <p:style>
+          <a:lnRef idx="1">
+            <a:schemeClr val="accent1"/>
+          </a:lnRef>
+          <a:fillRef idx="0">
+            <a:schemeClr val="accent1"/>
+          </a:fillRef>
+          <a:effectRef idx="0">
+            <a:schemeClr val="accent1"/>
+          </a:effectRef>
+          <a:fontRef idx="minor">
+            <a:schemeClr val="tx1"/>
+          </a:fontRef>
+        </p:style>
+      </p:cxnSp>
+      <p:sp>
+        <p:nvSpPr>
+          <p:cNvPr id="123" name="TextBox 122">
+            <a:extLst>
+              <a:ext uri="{FF2B5EF4-FFF2-40B4-BE49-F238E27FC236}">
+                <a16:creationId xmlns:a16="http://schemas.microsoft.com/office/drawing/2014/main" id="{AF41EAED-2BCA-41C4-BDA9-ED1C8EBDC76E}"/>
+              </a:ext>
+            </a:extLst>
+          </p:cNvPr>
+          <p:cNvSpPr txBox="1"/>
+          <p:nvPr/>
+        </p:nvSpPr>
+        <p:spPr>
+          <a:xfrm rot="1003610">
+            <a:off x="9504005" y="729413"/>
+            <a:ext cx="896644" cy="215444"/>
+          </a:xfrm>
+          <a:prstGeom prst="rect">
+            <a:avLst/>
+          </a:prstGeom>
+          <a:noFill/>
+        </p:spPr>
+        <p:txBody>
+          <a:bodyPr wrap="square" rtlCol="1">
+            <a:spAutoFit/>
+          </a:bodyPr>
+          <a:lstStyle/>
+          <a:p>
+            <a:r>
+              <a:rPr lang="en-US" sz="800" dirty="0"/>
+              <a:t>&lt;&lt;include&gt;&gt;</a:t>
+            </a:r>
+            <a:endParaRPr lang="he-IL" sz="800" dirty="0"/>
+          </a:p>
+        </p:txBody>
+      </p:sp>
+      <p:sp>
+        <p:nvSpPr>
+          <p:cNvPr id="124" name="TextBox 123">
+            <a:extLst>
+              <a:ext uri="{FF2B5EF4-FFF2-40B4-BE49-F238E27FC236}">
+                <a16:creationId xmlns:a16="http://schemas.microsoft.com/office/drawing/2014/main" id="{F51D9F44-5180-4CCE-BE10-7F002F2888CD}"/>
+              </a:ext>
+            </a:extLst>
+          </p:cNvPr>
+          <p:cNvSpPr txBox="1"/>
+          <p:nvPr/>
+        </p:nvSpPr>
+        <p:spPr>
+          <a:xfrm rot="21425284">
+            <a:off x="9464488" y="966884"/>
+            <a:ext cx="896644" cy="215444"/>
+          </a:xfrm>
+          <a:prstGeom prst="rect">
+            <a:avLst/>
+          </a:prstGeom>
+          <a:noFill/>
+        </p:spPr>
+        <p:txBody>
+          <a:bodyPr wrap="square" rtlCol="1">
+            <a:spAutoFit/>
+          </a:bodyPr>
+          <a:lstStyle/>
+          <a:p>
+            <a:r>
+              <a:rPr lang="en-US" sz="800" dirty="0"/>
+              <a:t>&lt;&lt;include&gt;&gt;</a:t>
+            </a:r>
+            <a:endParaRPr lang="he-IL" sz="800" dirty="0"/>
+          </a:p>
+        </p:txBody>
+      </p:sp>
+      <p:sp>
+        <p:nvSpPr>
+          <p:cNvPr id="30" name="Rectangle 1">
+            <a:extLst>
+              <a:ext uri="{FF2B5EF4-FFF2-40B4-BE49-F238E27FC236}">
+                <a16:creationId xmlns:a16="http://schemas.microsoft.com/office/drawing/2014/main" id="{F9685CDD-2C7C-4440-8D70-1B9D809E4E87}"/>
+              </a:ext>
+            </a:extLst>
+          </p:cNvPr>
+          <p:cNvSpPr>
+            <a:spLocks noChangeArrowheads="1"/>
+          </p:cNvSpPr>
+          <p:nvPr/>
+        </p:nvSpPr>
+        <p:spPr bwMode="auto">
+          <a:xfrm>
+            <a:off x="0" y="28545"/>
+            <a:ext cx="65" cy="400110"/>
+          </a:xfrm>
+          <a:prstGeom prst="rect">
+            <a:avLst/>
+          </a:prstGeom>
+          <a:solidFill>
+            <a:srgbClr val="F8F9FA"/>
+          </a:solidFill>
+          <a:ln>
+            <a:noFill/>
+          </a:ln>
+          <a:effectLst/>
+          <a:extLst>
+            <a:ext uri="{91240B29-F687-4F45-9708-019B960494DF}">
+              <a14:hiddenLine xmlns:a14="http://schemas.microsoft.com/office/drawing/2010/main" w="9525">
+                <a:solidFill>
+                  <a:schemeClr val="tx1"/>
+                </a:solidFill>
+                <a:miter lim="800000"/>
+                <a:headEnd/>
+                <a:tailEnd/>
+              </a14:hiddenLine>
+            </a:ext>
+            <a:ext uri="{AF507438-7753-43E0-B8FC-AC1667EBCBE1}">
+              <a14:hiddenEffects xmlns:a14="http://schemas.microsoft.com/office/drawing/2010/main">
+                <a:effectLst>
+                  <a:outerShdw dist="35921" dir="2700000" algn="ctr" rotWithShape="0">
+                    <a:schemeClr val="bg2"/>
+                  </a:outerShdw>
+                </a:effectLst>
+              </a14:hiddenEffects>
+            </a:ext>
+          </a:extLst>
+        </p:spPr>
+        <p:txBody>
+          <a:bodyPr vert="horz" wrap="none" lIns="0" tIns="0" rIns="0" bIns="0" numCol="1" anchor="ctr" anchorCtr="0" compatLnSpc="1">
+            <a:prstTxWarp prst="textNoShape">
+              <a:avLst/>
+            </a:prstTxWarp>
+            <a:spAutoFit/>
+          </a:bodyPr>
+          <a:lstStyle/>
+          <a:p>
+            <a:pPr marL="0" marR="0" lvl="0" indent="0" algn="l" defTabSz="914400" rtl="0" eaLnBrk="0" fontAlgn="base" latinLnBrk="0" hangingPunct="0">
+              <a:lnSpc>
+                <a:spcPct val="100000"/>
+              </a:lnSpc>
+              <a:spcBef>
+                <a:spcPct val="0"/>
+              </a:spcBef>
+              <a:spcAft>
+                <a:spcPct val="0"/>
+              </a:spcAft>
+              <a:buClrTx/>
+              <a:buSzTx/>
+              <a:buFontTx/>
+              <a:buNone/>
+              <a:tabLst/>
+            </a:pPr>
+            <a:br>
+              <a:rPr kumimoji="0" lang="he-IL" altLang="he-IL" sz="800" b="0" i="0" u="none" strike="noStrike" cap="none" normalizeH="0" baseline="0" dirty="0">
+                <a:ln>
+                  <a:noFill/>
+                </a:ln>
+                <a:solidFill>
+                  <a:schemeClr val="tx1"/>
+                </a:solidFill>
+                <a:effectLst/>
+              </a:rPr>
+            </a:br>
+            <a:endParaRPr kumimoji="0" lang="he-IL" altLang="he-IL" sz="1800" b="0" i="0" u="none" strike="noStrike" cap="none" normalizeH="0" baseline="0" dirty="0">
+              <a:ln>
+                <a:noFill/>
+              </a:ln>
+              <a:solidFill>
+                <a:schemeClr val="tx1"/>
+              </a:solidFill>
+              <a:effectLst/>
+              <a:latin typeface="Arial" panose="020B0604020202020204" pitchFamily="34" charset="0"/>
+            </a:endParaRPr>
+          </a:p>
+        </p:txBody>
+      </p:sp>
+      <p:sp>
+        <p:nvSpPr>
+          <p:cNvPr id="38" name="Rectangle 2">
+            <a:extLst>
+              <a:ext uri="{FF2B5EF4-FFF2-40B4-BE49-F238E27FC236}">
+                <a16:creationId xmlns:a16="http://schemas.microsoft.com/office/drawing/2014/main" id="{D620E52D-1FF4-4084-B71E-A2D068048A36}"/>
+              </a:ext>
+            </a:extLst>
+          </p:cNvPr>
+          <p:cNvSpPr>
+            <a:spLocks noChangeArrowheads="1"/>
+          </p:cNvSpPr>
+          <p:nvPr/>
+        </p:nvSpPr>
+        <p:spPr bwMode="auto">
+          <a:xfrm>
+            <a:off x="0" y="28545"/>
+            <a:ext cx="65" cy="400110"/>
+          </a:xfrm>
+          <a:prstGeom prst="rect">
+            <a:avLst/>
+          </a:prstGeom>
+          <a:solidFill>
+            <a:srgbClr val="F8F9FA"/>
+          </a:solidFill>
+          <a:ln>
+            <a:noFill/>
+          </a:ln>
+          <a:effectLst/>
+          <a:extLst>
+            <a:ext uri="{91240B29-F687-4F45-9708-019B960494DF}">
+              <a14:hiddenLine xmlns:a14="http://schemas.microsoft.com/office/drawing/2010/main" w="9525">
+                <a:solidFill>
+                  <a:schemeClr val="tx1"/>
+                </a:solidFill>
+                <a:miter lim="800000"/>
+                <a:headEnd/>
+                <a:tailEnd/>
+              </a14:hiddenLine>
+            </a:ext>
+            <a:ext uri="{AF507438-7753-43E0-B8FC-AC1667EBCBE1}">
+              <a14:hiddenEffects xmlns:a14="http://schemas.microsoft.com/office/drawing/2010/main">
+                <a:effectLst>
+                  <a:outerShdw dist="35921" dir="2700000" algn="ctr" rotWithShape="0">
+                    <a:schemeClr val="bg2"/>
+                  </a:outerShdw>
+                </a:effectLst>
+              </a14:hiddenEffects>
+            </a:ext>
+          </a:extLst>
+        </p:spPr>
+        <p:txBody>
+          <a:bodyPr vert="horz" wrap="none" lIns="0" tIns="0" rIns="0" bIns="0" numCol="1" anchor="ctr" anchorCtr="0" compatLnSpc="1">
+            <a:prstTxWarp prst="textNoShape">
+              <a:avLst/>
+            </a:prstTxWarp>
+            <a:spAutoFit/>
+          </a:bodyPr>
+          <a:lstStyle/>
+          <a:p>
+            <a:pPr marL="0" marR="0" lvl="0" indent="0" algn="l" defTabSz="914400" rtl="0" eaLnBrk="0" fontAlgn="base" latinLnBrk="0" hangingPunct="0">
+              <a:lnSpc>
+                <a:spcPct val="100000"/>
+              </a:lnSpc>
+              <a:spcBef>
+                <a:spcPct val="0"/>
+              </a:spcBef>
+              <a:spcAft>
+                <a:spcPct val="0"/>
+              </a:spcAft>
+              <a:buClrTx/>
+              <a:buSzTx/>
+              <a:buFontTx/>
+              <a:buNone/>
+              <a:tabLst/>
+            </a:pPr>
+            <a:br>
+              <a:rPr kumimoji="0" lang="he-IL" altLang="he-IL" sz="800" b="0" i="0" u="none" strike="noStrike" cap="none" normalizeH="0" baseline="0" dirty="0">
+                <a:ln>
+                  <a:noFill/>
+                </a:ln>
+                <a:solidFill>
+                  <a:schemeClr val="tx1"/>
+                </a:solidFill>
+                <a:effectLst/>
+              </a:rPr>
+            </a:br>
+            <a:endParaRPr kumimoji="0" lang="he-IL" altLang="he-IL" sz="1800" b="0" i="0" u="none" strike="noStrike" cap="none" normalizeH="0" baseline="0" dirty="0">
+              <a:ln>
+                <a:noFill/>
+              </a:ln>
+              <a:solidFill>
+                <a:schemeClr val="tx1"/>
+              </a:solidFill>
+              <a:effectLst/>
+              <a:latin typeface="Arial" panose="020B0604020202020204" pitchFamily="34" charset="0"/>
+            </a:endParaRPr>
+          </a:p>
+        </p:txBody>
+      </p:sp>
+      <p:sp>
+        <p:nvSpPr>
+          <p:cNvPr id="40" name="Rectangle 3">
+            <a:extLst>
+              <a:ext uri="{FF2B5EF4-FFF2-40B4-BE49-F238E27FC236}">
+                <a16:creationId xmlns:a16="http://schemas.microsoft.com/office/drawing/2014/main" id="{924AAB89-A822-462D-BE46-95A60FB209AA}"/>
+              </a:ext>
+            </a:extLst>
+          </p:cNvPr>
+          <p:cNvSpPr>
+            <a:spLocks noChangeArrowheads="1"/>
+          </p:cNvSpPr>
+          <p:nvPr/>
+        </p:nvSpPr>
+        <p:spPr bwMode="auto">
+          <a:xfrm>
+            <a:off x="0" y="102920"/>
+            <a:ext cx="65" cy="251359"/>
+          </a:xfrm>
+          <a:prstGeom prst="rect">
+            <a:avLst/>
+          </a:prstGeom>
+          <a:solidFill>
+            <a:srgbClr val="F8F9FA"/>
+          </a:solidFill>
+          <a:ln>
+            <a:noFill/>
+          </a:ln>
+          <a:effectLst/>
+          <a:extLst>
+            <a:ext uri="{91240B29-F687-4F45-9708-019B960494DF}">
+              <a14:hiddenLine xmlns:a14="http://schemas.microsoft.com/office/drawing/2010/main" w="9525">
+                <a:solidFill>
+                  <a:schemeClr val="tx1"/>
+                </a:solidFill>
+                <a:miter lim="800000"/>
+                <a:headEnd/>
+                <a:tailEnd/>
+              </a14:hiddenLine>
+            </a:ext>
+            <a:ext uri="{AF507438-7753-43E0-B8FC-AC1667EBCBE1}">
+              <a14:hiddenEffects xmlns:a14="http://schemas.microsoft.com/office/drawing/2010/main">
+                <a:effectLst>
+                  <a:outerShdw dist="35921" dir="2700000" algn="ctr" rotWithShape="0">
+                    <a:schemeClr val="bg2"/>
+                  </a:outerShdw>
+                </a:effectLst>
+              </a14:hiddenEffects>
+            </a:ext>
+          </a:extLst>
+        </p:spPr>
+        <p:txBody>
+          <a:bodyPr vert="horz" wrap="none" lIns="0" tIns="-12696" rIns="0" bIns="-12696" numCol="1" anchor="ctr" anchorCtr="0" compatLnSpc="1">
+            <a:prstTxWarp prst="textNoShape">
+              <a:avLst/>
+            </a:prstTxWarp>
+            <a:spAutoFit/>
+          </a:bodyPr>
+          <a:lstStyle/>
+          <a:p>
+            <a:pPr marL="0" marR="0" lvl="0" indent="0" algn="l" defTabSz="914400" rtl="0" eaLnBrk="0" fontAlgn="base" latinLnBrk="0" hangingPunct="0">
+              <a:lnSpc>
+                <a:spcPct val="100000"/>
+              </a:lnSpc>
+              <a:spcBef>
+                <a:spcPct val="0"/>
+              </a:spcBef>
+              <a:spcAft>
+                <a:spcPct val="0"/>
+              </a:spcAft>
+              <a:buClrTx/>
+              <a:buSzTx/>
+              <a:buFontTx/>
+              <a:buNone/>
+              <a:tabLst/>
+            </a:pPr>
+            <a:endParaRPr kumimoji="0" lang="he-IL" altLang="he-IL" sz="1800" b="0" i="0" u="none" strike="noStrike" cap="none" normalizeH="0" baseline="0" dirty="0">
+              <a:ln>
+                <a:noFill/>
+              </a:ln>
+              <a:solidFill>
+                <a:schemeClr val="tx1"/>
+              </a:solidFill>
+              <a:effectLst/>
+              <a:latin typeface="Arial" panose="020B0604020202020204" pitchFamily="34" charset="0"/>
+            </a:endParaRPr>
+          </a:p>
+        </p:txBody>
+      </p:sp>
+      <p:sp>
+        <p:nvSpPr>
+          <p:cNvPr id="92" name="Oval 91">
+            <a:extLst>
+              <a:ext uri="{FF2B5EF4-FFF2-40B4-BE49-F238E27FC236}">
+                <a16:creationId xmlns:a16="http://schemas.microsoft.com/office/drawing/2014/main" id="{AF58C631-50FF-4716-AF77-CB866B9D1060}"/>
+              </a:ext>
+            </a:extLst>
+          </p:cNvPr>
+          <p:cNvSpPr/>
+          <p:nvPr/>
+        </p:nvSpPr>
+        <p:spPr>
+          <a:xfrm>
+            <a:off x="6327013" y="513396"/>
+            <a:ext cx="2803282" cy="440023"/>
+          </a:xfrm>
+          <a:prstGeom prst="ellipse">
+            <a:avLst/>
+          </a:prstGeom>
+          <a:solidFill>
+            <a:schemeClr val="bg1"/>
+          </a:solidFill>
+        </p:spPr>
+        <p:style>
+          <a:lnRef idx="2">
+            <a:schemeClr val="accent1">
+              <a:shade val="50000"/>
+            </a:schemeClr>
+          </a:lnRef>
+          <a:fillRef idx="1">
+            <a:schemeClr val="accent1"/>
+          </a:fillRef>
+          <a:effectRef idx="0">
+            <a:schemeClr val="accent1"/>
+          </a:effectRef>
+          <a:fontRef idx="minor">
+            <a:schemeClr val="lt1"/>
+          </a:fontRef>
+        </p:style>
+        <p:txBody>
+          <a:bodyPr rtlCol="1" anchor="ctr"/>
+          <a:lstStyle/>
+          <a:p>
+            <a:pPr algn="ctr"/>
+            <a:r>
+              <a:rPr lang="en-US" sz="1400" dirty="0">
+                <a:solidFill>
+                  <a:schemeClr val="tx1"/>
+                </a:solidFill>
+              </a:rPr>
+              <a:t>Search by from destination</a:t>
+            </a:r>
+            <a:endParaRPr lang="he-IL" sz="1400" dirty="0">
+              <a:solidFill>
+                <a:schemeClr val="tx1"/>
+              </a:solidFill>
+            </a:endParaRPr>
+          </a:p>
+        </p:txBody>
+      </p:sp>
+      <p:sp>
+        <p:nvSpPr>
+          <p:cNvPr id="105" name="Oval 104">
+            <a:extLst>
+              <a:ext uri="{FF2B5EF4-FFF2-40B4-BE49-F238E27FC236}">
+                <a16:creationId xmlns:a16="http://schemas.microsoft.com/office/drawing/2014/main" id="{3DF3CD66-48FD-4670-A938-17F72522A477}"/>
+              </a:ext>
+            </a:extLst>
+          </p:cNvPr>
+          <p:cNvSpPr/>
+          <p:nvPr/>
+        </p:nvSpPr>
+        <p:spPr>
+          <a:xfrm>
+            <a:off x="6380331" y="1358318"/>
+            <a:ext cx="2721288" cy="368232"/>
+          </a:xfrm>
+          <a:prstGeom prst="ellipse">
+            <a:avLst/>
+          </a:prstGeom>
+          <a:solidFill>
+            <a:schemeClr val="bg1"/>
+          </a:solidFill>
+        </p:spPr>
+        <p:style>
+          <a:lnRef idx="2">
+            <a:schemeClr val="accent1">
+              <a:shade val="50000"/>
+            </a:schemeClr>
+          </a:lnRef>
+          <a:fillRef idx="1">
+            <a:schemeClr val="accent1"/>
+          </a:fillRef>
+          <a:effectRef idx="0">
+            <a:schemeClr val="accent1"/>
+          </a:effectRef>
+          <a:fontRef idx="minor">
+            <a:schemeClr val="lt1"/>
+          </a:fontRef>
+        </p:style>
+        <p:txBody>
+          <a:bodyPr rtlCol="1" anchor="ctr"/>
+          <a:lstStyle/>
+          <a:p>
+            <a:pPr algn="ctr"/>
+            <a:r>
+              <a:rPr lang="en-US" sz="1400" dirty="0">
+                <a:solidFill>
+                  <a:schemeClr val="tx1"/>
+                </a:solidFill>
+              </a:rPr>
+              <a:t>Search by return date</a:t>
+            </a:r>
+            <a:endParaRPr lang="he-IL" sz="1400" dirty="0">
+              <a:solidFill>
+                <a:schemeClr val="tx1"/>
+              </a:solidFill>
+            </a:endParaRPr>
+          </a:p>
+        </p:txBody>
+      </p:sp>
+      <p:cxnSp>
+        <p:nvCxnSpPr>
+          <p:cNvPr id="106" name="Straight Arrow Connector 105">
+            <a:extLst>
+              <a:ext uri="{FF2B5EF4-FFF2-40B4-BE49-F238E27FC236}">
+                <a16:creationId xmlns:a16="http://schemas.microsoft.com/office/drawing/2014/main" id="{F9CD53E3-DA34-4C76-9301-D5705BF4B45D}"/>
+              </a:ext>
+            </a:extLst>
+          </p:cNvPr>
+          <p:cNvCxnSpPr>
+            <a:cxnSpLocks/>
+            <a:endCxn id="92" idx="2"/>
+          </p:cNvCxnSpPr>
+          <p:nvPr/>
+        </p:nvCxnSpPr>
+        <p:spPr>
+          <a:xfrm flipV="1">
+            <a:off x="4663658" y="733408"/>
+            <a:ext cx="1663355" cy="209940"/>
+          </a:xfrm>
+          <a:prstGeom prst="straightConnector1">
+            <a:avLst/>
+          </a:prstGeom>
+          <a:ln>
+            <a:prstDash val="dash"/>
+            <a:tailEnd type="triangle"/>
+          </a:ln>
+        </p:spPr>
+        <p:style>
+          <a:lnRef idx="1">
+            <a:schemeClr val="accent1"/>
+          </a:lnRef>
+          <a:fillRef idx="0">
+            <a:schemeClr val="accent1"/>
+          </a:fillRef>
+          <a:effectRef idx="0">
+            <a:schemeClr val="accent1"/>
+          </a:effectRef>
+          <a:fontRef idx="minor">
+            <a:schemeClr val="tx1"/>
+          </a:fontRef>
+        </p:style>
+      </p:cxnSp>
+      <p:sp>
+        <p:nvSpPr>
+          <p:cNvPr id="108" name="TextBox 107">
+            <a:extLst>
+              <a:ext uri="{FF2B5EF4-FFF2-40B4-BE49-F238E27FC236}">
+                <a16:creationId xmlns:a16="http://schemas.microsoft.com/office/drawing/2014/main" id="{DBE1C4DA-BB60-4AF5-9B41-9AFD151216E8}"/>
+              </a:ext>
+            </a:extLst>
+          </p:cNvPr>
+          <p:cNvSpPr txBox="1"/>
+          <p:nvPr/>
+        </p:nvSpPr>
+        <p:spPr>
+          <a:xfrm rot="21179371">
+            <a:off x="5180981" y="637180"/>
+            <a:ext cx="896644" cy="215444"/>
+          </a:xfrm>
+          <a:prstGeom prst="rect">
+            <a:avLst/>
+          </a:prstGeom>
+          <a:noFill/>
+        </p:spPr>
+        <p:txBody>
+          <a:bodyPr wrap="square" rtlCol="1">
+            <a:spAutoFit/>
+          </a:bodyPr>
+          <a:lstStyle/>
+          <a:p>
+            <a:r>
+              <a:rPr lang="en-US" sz="800" dirty="0"/>
+              <a:t>&lt;&lt;include&gt;&gt;</a:t>
+            </a:r>
+            <a:endParaRPr lang="he-IL" sz="800" dirty="0"/>
+          </a:p>
+        </p:txBody>
+      </p:sp>
+      <p:cxnSp>
+        <p:nvCxnSpPr>
+          <p:cNvPr id="109" name="Straight Arrow Connector 108">
+            <a:extLst>
+              <a:ext uri="{FF2B5EF4-FFF2-40B4-BE49-F238E27FC236}">
+                <a16:creationId xmlns:a16="http://schemas.microsoft.com/office/drawing/2014/main" id="{CADA20CF-E906-43E1-93B4-AB7FE5A04EFA}"/>
+              </a:ext>
+            </a:extLst>
+          </p:cNvPr>
+          <p:cNvCxnSpPr>
+            <a:cxnSpLocks/>
+            <a:stCxn id="92" idx="6"/>
+          </p:cNvCxnSpPr>
+          <p:nvPr/>
+        </p:nvCxnSpPr>
+        <p:spPr>
+          <a:xfrm>
+            <a:off x="9130295" y="733408"/>
+            <a:ext cx="1446152" cy="299667"/>
+          </a:xfrm>
+          <a:prstGeom prst="straightConnector1">
+            <a:avLst/>
+          </a:prstGeom>
+          <a:ln>
+            <a:prstDash val="dash"/>
+            <a:tailEnd type="triangle"/>
+          </a:ln>
+        </p:spPr>
+        <p:style>
+          <a:lnRef idx="1">
+            <a:schemeClr val="accent1"/>
+          </a:lnRef>
+          <a:fillRef idx="0">
+            <a:schemeClr val="accent1"/>
+          </a:fillRef>
+          <a:effectRef idx="0">
+            <a:schemeClr val="accent1"/>
+          </a:effectRef>
+          <a:fontRef idx="minor">
+            <a:schemeClr val="tx1"/>
+          </a:fontRef>
+        </p:style>
+      </p:cxnSp>
+      <p:sp>
+        <p:nvSpPr>
+          <p:cNvPr id="128" name="Oval 127">
+            <a:extLst>
+              <a:ext uri="{FF2B5EF4-FFF2-40B4-BE49-F238E27FC236}">
+                <a16:creationId xmlns:a16="http://schemas.microsoft.com/office/drawing/2014/main" id="{823EEDCF-7234-4336-BFCD-E1886C183921}"/>
+              </a:ext>
+            </a:extLst>
+          </p:cNvPr>
+          <p:cNvSpPr/>
+          <p:nvPr/>
+        </p:nvSpPr>
+        <p:spPr>
+          <a:xfrm>
+            <a:off x="6345624" y="52963"/>
+            <a:ext cx="2708275" cy="438843"/>
+          </a:xfrm>
+          <a:prstGeom prst="ellipse">
+            <a:avLst/>
+          </a:prstGeom>
+          <a:solidFill>
+            <a:schemeClr val="bg1"/>
+          </a:solidFill>
+        </p:spPr>
+        <p:style>
+          <a:lnRef idx="2">
+            <a:schemeClr val="accent1">
+              <a:shade val="50000"/>
+            </a:schemeClr>
+          </a:lnRef>
+          <a:fillRef idx="1">
+            <a:schemeClr val="accent1"/>
+          </a:fillRef>
+          <a:effectRef idx="0">
+            <a:schemeClr val="accent1"/>
+          </a:effectRef>
+          <a:fontRef idx="minor">
+            <a:schemeClr val="lt1"/>
+          </a:fontRef>
+        </p:style>
+        <p:txBody>
+          <a:bodyPr rtlCol="1" anchor="ctr"/>
+          <a:lstStyle/>
+          <a:p>
+            <a:pPr algn="ctr"/>
+            <a:r>
+              <a:rPr lang="en-US" sz="1400" dirty="0">
+                <a:solidFill>
+                  <a:schemeClr val="tx1"/>
+                </a:solidFill>
+              </a:rPr>
+              <a:t>Search by num of passengers</a:t>
+            </a:r>
+            <a:endParaRPr lang="he-IL" sz="1400" dirty="0">
+              <a:solidFill>
+                <a:schemeClr val="tx1"/>
+              </a:solidFill>
+            </a:endParaRPr>
+          </a:p>
+        </p:txBody>
+      </p:sp>
+      <p:cxnSp>
+        <p:nvCxnSpPr>
+          <p:cNvPr id="130" name="Straight Arrow Connector 129">
+            <a:extLst>
+              <a:ext uri="{FF2B5EF4-FFF2-40B4-BE49-F238E27FC236}">
+                <a16:creationId xmlns:a16="http://schemas.microsoft.com/office/drawing/2014/main" id="{19E55137-5286-4181-9EAF-20781A1387FB}"/>
+              </a:ext>
+            </a:extLst>
+          </p:cNvPr>
+          <p:cNvCxnSpPr>
+            <a:cxnSpLocks/>
+            <a:endCxn id="105" idx="2"/>
+          </p:cNvCxnSpPr>
+          <p:nvPr/>
+        </p:nvCxnSpPr>
+        <p:spPr>
+          <a:xfrm>
+            <a:off x="4678646" y="1197830"/>
+            <a:ext cx="1701685" cy="344604"/>
+          </a:xfrm>
+          <a:prstGeom prst="straightConnector1">
+            <a:avLst/>
+          </a:prstGeom>
+          <a:ln>
+            <a:prstDash val="dash"/>
+            <a:tailEnd type="triangle"/>
+          </a:ln>
+        </p:spPr>
+        <p:style>
+          <a:lnRef idx="1">
+            <a:schemeClr val="accent1"/>
+          </a:lnRef>
+          <a:fillRef idx="0">
+            <a:schemeClr val="accent1"/>
+          </a:fillRef>
+          <a:effectRef idx="0">
+            <a:schemeClr val="accent1"/>
+          </a:effectRef>
+          <a:fontRef idx="minor">
+            <a:schemeClr val="tx1"/>
+          </a:fontRef>
+        </p:style>
+      </p:cxnSp>
+      <p:sp>
+        <p:nvSpPr>
+          <p:cNvPr id="133" name="TextBox 132">
+            <a:extLst>
+              <a:ext uri="{FF2B5EF4-FFF2-40B4-BE49-F238E27FC236}">
+                <a16:creationId xmlns:a16="http://schemas.microsoft.com/office/drawing/2014/main" id="{CCF68F08-02BE-467F-A5E7-0E25A8089213}"/>
+              </a:ext>
+            </a:extLst>
+          </p:cNvPr>
+          <p:cNvSpPr txBox="1"/>
+          <p:nvPr/>
+        </p:nvSpPr>
+        <p:spPr>
+          <a:xfrm rot="572871">
+            <a:off x="5138944" y="1189395"/>
+            <a:ext cx="896644" cy="215444"/>
+          </a:xfrm>
+          <a:prstGeom prst="rect">
+            <a:avLst/>
+          </a:prstGeom>
+          <a:noFill/>
+        </p:spPr>
+        <p:txBody>
+          <a:bodyPr wrap="square" rtlCol="1">
+            <a:spAutoFit/>
+          </a:bodyPr>
+          <a:lstStyle/>
+          <a:p>
+            <a:r>
+              <a:rPr lang="en-US" sz="800" dirty="0"/>
+              <a:t>&lt;&lt;include&gt;&gt;</a:t>
+            </a:r>
+            <a:endParaRPr lang="he-IL" sz="800" dirty="0"/>
+          </a:p>
+        </p:txBody>
+      </p:sp>
+      <p:sp>
+        <p:nvSpPr>
+          <p:cNvPr id="134" name="Oval 133">
+            <a:extLst>
+              <a:ext uri="{FF2B5EF4-FFF2-40B4-BE49-F238E27FC236}">
+                <a16:creationId xmlns:a16="http://schemas.microsoft.com/office/drawing/2014/main" id="{E01E8731-06EE-4F61-80C4-EFF268914296}"/>
+              </a:ext>
+            </a:extLst>
+          </p:cNvPr>
+          <p:cNvSpPr/>
+          <p:nvPr/>
+        </p:nvSpPr>
+        <p:spPr>
+          <a:xfrm>
+            <a:off x="6344311" y="2112449"/>
+            <a:ext cx="2856880" cy="318297"/>
+          </a:xfrm>
+          <a:prstGeom prst="ellipse">
+            <a:avLst/>
+          </a:prstGeom>
+          <a:solidFill>
+            <a:schemeClr val="bg1"/>
+          </a:solidFill>
+        </p:spPr>
+        <p:style>
+          <a:lnRef idx="2">
+            <a:schemeClr val="accent1">
+              <a:shade val="50000"/>
+            </a:schemeClr>
+          </a:lnRef>
+          <a:fillRef idx="1">
+            <a:schemeClr val="accent1"/>
+          </a:fillRef>
+          <a:effectRef idx="0">
+            <a:schemeClr val="accent1"/>
+          </a:effectRef>
+          <a:fontRef idx="minor">
+            <a:schemeClr val="lt1"/>
+          </a:fontRef>
+        </p:style>
+        <p:txBody>
+          <a:bodyPr rtlCol="1" anchor="ctr"/>
+          <a:lstStyle/>
+          <a:p>
+            <a:pPr algn="ctr"/>
+            <a:r>
+              <a:rPr lang="en-US" sz="1400" dirty="0">
+                <a:solidFill>
+                  <a:schemeClr val="tx1"/>
+                </a:solidFill>
+              </a:rPr>
+              <a:t>Search by max price</a:t>
+            </a:r>
+            <a:endParaRPr lang="he-IL" sz="1400" dirty="0">
+              <a:solidFill>
+                <a:schemeClr val="tx1"/>
+              </a:solidFill>
+            </a:endParaRPr>
+          </a:p>
+        </p:txBody>
+      </p:sp>
+      <p:sp>
+        <p:nvSpPr>
+          <p:cNvPr id="136" name="TextBox 135">
+            <a:extLst>
+              <a:ext uri="{FF2B5EF4-FFF2-40B4-BE49-F238E27FC236}">
+                <a16:creationId xmlns:a16="http://schemas.microsoft.com/office/drawing/2014/main" id="{86E5D81D-E2DA-44EA-914D-9A99B7254AD5}"/>
+              </a:ext>
+            </a:extLst>
+          </p:cNvPr>
+          <p:cNvSpPr txBox="1"/>
+          <p:nvPr/>
+        </p:nvSpPr>
+        <p:spPr>
+          <a:xfrm rot="1338951">
+            <a:off x="5187808" y="1432243"/>
+            <a:ext cx="896644" cy="215444"/>
+          </a:xfrm>
+          <a:prstGeom prst="rect">
+            <a:avLst/>
+          </a:prstGeom>
+          <a:noFill/>
+        </p:spPr>
+        <p:txBody>
+          <a:bodyPr wrap="square" rtlCol="1">
+            <a:spAutoFit/>
+          </a:bodyPr>
+          <a:lstStyle/>
+          <a:p>
+            <a:r>
+              <a:rPr lang="en-US" sz="800" dirty="0"/>
+              <a:t>&lt;&lt;include&gt;&gt;</a:t>
+            </a:r>
+            <a:endParaRPr lang="he-IL" sz="800" dirty="0"/>
+          </a:p>
+        </p:txBody>
+      </p:sp>
+      <p:cxnSp>
+        <p:nvCxnSpPr>
+          <p:cNvPr id="138" name="Straight Arrow Connector 137">
+            <a:extLst>
+              <a:ext uri="{FF2B5EF4-FFF2-40B4-BE49-F238E27FC236}">
+                <a16:creationId xmlns:a16="http://schemas.microsoft.com/office/drawing/2014/main" id="{5D53767E-12AD-4D58-94A1-6344BB51A65E}"/>
+              </a:ext>
+            </a:extLst>
+          </p:cNvPr>
+          <p:cNvCxnSpPr>
+            <a:cxnSpLocks/>
+            <a:endCxn id="87" idx="2"/>
+          </p:cNvCxnSpPr>
+          <p:nvPr/>
+        </p:nvCxnSpPr>
+        <p:spPr>
+          <a:xfrm>
+            <a:off x="4586894" y="1239257"/>
+            <a:ext cx="1757417" cy="676038"/>
+          </a:xfrm>
+          <a:prstGeom prst="straightConnector1">
+            <a:avLst/>
+          </a:prstGeom>
+          <a:ln>
+            <a:prstDash val="dash"/>
+            <a:tailEnd type="triangle"/>
+          </a:ln>
+        </p:spPr>
+        <p:style>
+          <a:lnRef idx="1">
+            <a:schemeClr val="accent1"/>
+          </a:lnRef>
+          <a:fillRef idx="0">
+            <a:schemeClr val="accent1"/>
+          </a:fillRef>
+          <a:effectRef idx="0">
+            <a:schemeClr val="accent1"/>
+          </a:effectRef>
+          <a:fontRef idx="minor">
+            <a:schemeClr val="tx1"/>
+          </a:fontRef>
+        </p:style>
+      </p:cxnSp>
+      <p:sp>
+        <p:nvSpPr>
+          <p:cNvPr id="151" name="Oval 150">
+            <a:extLst>
+              <a:ext uri="{FF2B5EF4-FFF2-40B4-BE49-F238E27FC236}">
+                <a16:creationId xmlns:a16="http://schemas.microsoft.com/office/drawing/2014/main" id="{4D3FE35B-A8AD-4D84-808D-67E088D56645}"/>
+              </a:ext>
+            </a:extLst>
+          </p:cNvPr>
+          <p:cNvSpPr/>
+          <p:nvPr/>
+        </p:nvSpPr>
+        <p:spPr>
+          <a:xfrm>
+            <a:off x="6382450" y="2445383"/>
+            <a:ext cx="2787213" cy="305223"/>
+          </a:xfrm>
+          <a:prstGeom prst="ellipse">
+            <a:avLst/>
+          </a:prstGeom>
+          <a:solidFill>
+            <a:schemeClr val="bg1"/>
+          </a:solidFill>
+        </p:spPr>
+        <p:style>
+          <a:lnRef idx="2">
+            <a:schemeClr val="accent1">
+              <a:shade val="50000"/>
+            </a:schemeClr>
+          </a:lnRef>
+          <a:fillRef idx="1">
+            <a:schemeClr val="accent1"/>
+          </a:fillRef>
+          <a:effectRef idx="0">
+            <a:schemeClr val="accent1"/>
+          </a:effectRef>
+          <a:fontRef idx="minor">
+            <a:schemeClr val="lt1"/>
+          </a:fontRef>
+        </p:style>
+        <p:txBody>
+          <a:bodyPr rtlCol="1" anchor="ctr"/>
+          <a:lstStyle/>
+          <a:p>
+            <a:pPr algn="ctr"/>
+            <a:r>
+              <a:rPr lang="en-US" sz="1400" dirty="0">
+                <a:solidFill>
+                  <a:schemeClr val="tx1"/>
+                </a:solidFill>
+              </a:rPr>
+              <a:t>Search by min price</a:t>
+            </a:r>
+            <a:endParaRPr lang="he-IL" sz="1400" dirty="0">
+              <a:solidFill>
+                <a:schemeClr val="tx1"/>
+              </a:solidFill>
+            </a:endParaRPr>
+          </a:p>
+        </p:txBody>
+      </p:sp>
+      <p:cxnSp>
+        <p:nvCxnSpPr>
+          <p:cNvPr id="153" name="Straight Arrow Connector 152">
+            <a:extLst>
+              <a:ext uri="{FF2B5EF4-FFF2-40B4-BE49-F238E27FC236}">
+                <a16:creationId xmlns:a16="http://schemas.microsoft.com/office/drawing/2014/main" id="{8696A948-B0A6-46A3-A5A5-2E5F9AF202B1}"/>
+              </a:ext>
+            </a:extLst>
+          </p:cNvPr>
+          <p:cNvCxnSpPr>
+            <a:cxnSpLocks/>
+            <a:endCxn id="134" idx="2"/>
+          </p:cNvCxnSpPr>
+          <p:nvPr/>
+        </p:nvCxnSpPr>
+        <p:spPr>
+          <a:xfrm>
+            <a:off x="4550022" y="1295755"/>
+            <a:ext cx="1794289" cy="975843"/>
+          </a:xfrm>
+          <a:prstGeom prst="straightConnector1">
+            <a:avLst/>
+          </a:prstGeom>
+          <a:ln>
+            <a:tailEnd type="triangle"/>
+          </a:ln>
+        </p:spPr>
+        <p:style>
+          <a:lnRef idx="1">
+            <a:schemeClr val="accent1"/>
+          </a:lnRef>
+          <a:fillRef idx="0">
+            <a:schemeClr val="accent1"/>
+          </a:fillRef>
+          <a:effectRef idx="0">
+            <a:schemeClr val="accent1"/>
+          </a:effectRef>
+          <a:fontRef idx="minor">
+            <a:schemeClr val="tx1"/>
+          </a:fontRef>
+        </p:style>
+      </p:cxnSp>
+      <p:cxnSp>
+        <p:nvCxnSpPr>
+          <p:cNvPr id="155" name="Straight Arrow Connector 154">
+            <a:extLst>
+              <a:ext uri="{FF2B5EF4-FFF2-40B4-BE49-F238E27FC236}">
+                <a16:creationId xmlns:a16="http://schemas.microsoft.com/office/drawing/2014/main" id="{67506280-9283-4A12-9001-FA4CEB057A4F}"/>
+              </a:ext>
+            </a:extLst>
+          </p:cNvPr>
+          <p:cNvCxnSpPr>
+            <a:cxnSpLocks/>
+            <a:stCxn id="9" idx="5"/>
+            <a:endCxn id="151" idx="2"/>
+          </p:cNvCxnSpPr>
+          <p:nvPr/>
+        </p:nvCxnSpPr>
+        <p:spPr>
+          <a:xfrm>
+            <a:off x="4481164" y="1284954"/>
+            <a:ext cx="1901286" cy="1313041"/>
+          </a:xfrm>
+          <a:prstGeom prst="straightConnector1">
+            <a:avLst/>
+          </a:prstGeom>
+          <a:ln>
+            <a:tailEnd type="triangle"/>
+          </a:ln>
+        </p:spPr>
+        <p:style>
+          <a:lnRef idx="1">
+            <a:schemeClr val="accent1"/>
+          </a:lnRef>
+          <a:fillRef idx="0">
+            <a:schemeClr val="accent1"/>
+          </a:fillRef>
+          <a:effectRef idx="0">
+            <a:schemeClr val="accent1"/>
+          </a:effectRef>
+          <a:fontRef idx="minor">
+            <a:schemeClr val="tx1"/>
+          </a:fontRef>
+        </p:style>
+      </p:cxnSp>
+      <p:cxnSp>
+        <p:nvCxnSpPr>
+          <p:cNvPr id="157" name="Straight Arrow Connector 156">
+            <a:extLst>
+              <a:ext uri="{FF2B5EF4-FFF2-40B4-BE49-F238E27FC236}">
+                <a16:creationId xmlns:a16="http://schemas.microsoft.com/office/drawing/2014/main" id="{33B9A0E4-49DA-4504-976A-89734EF67F77}"/>
+              </a:ext>
+            </a:extLst>
+          </p:cNvPr>
+          <p:cNvCxnSpPr>
+            <a:cxnSpLocks/>
+            <a:stCxn id="151" idx="6"/>
+          </p:cNvCxnSpPr>
+          <p:nvPr/>
+        </p:nvCxnSpPr>
+        <p:spPr>
+          <a:xfrm flipV="1">
+            <a:off x="9169663" y="1419182"/>
+            <a:ext cx="1748984" cy="1178813"/>
+          </a:xfrm>
+          <a:prstGeom prst="straightConnector1">
+            <a:avLst/>
+          </a:prstGeom>
+          <a:ln>
+            <a:prstDash val="dash"/>
+            <a:tailEnd type="triangle"/>
+          </a:ln>
+        </p:spPr>
+        <p:style>
+          <a:lnRef idx="1">
+            <a:schemeClr val="accent1"/>
+          </a:lnRef>
+          <a:fillRef idx="0">
+            <a:schemeClr val="accent1"/>
+          </a:fillRef>
+          <a:effectRef idx="0">
+            <a:schemeClr val="accent1"/>
+          </a:effectRef>
+          <a:fontRef idx="minor">
+            <a:schemeClr val="tx1"/>
+          </a:fontRef>
+        </p:style>
+      </p:cxnSp>
+      <p:cxnSp>
+        <p:nvCxnSpPr>
+          <p:cNvPr id="159" name="Straight Arrow Connector 158">
+            <a:extLst>
+              <a:ext uri="{FF2B5EF4-FFF2-40B4-BE49-F238E27FC236}">
+                <a16:creationId xmlns:a16="http://schemas.microsoft.com/office/drawing/2014/main" id="{6AF2F8A5-D01E-4A6E-9608-0B55A4EC2981}"/>
+              </a:ext>
+            </a:extLst>
+          </p:cNvPr>
+          <p:cNvCxnSpPr>
+            <a:cxnSpLocks/>
+            <a:stCxn id="134" idx="6"/>
+          </p:cNvCxnSpPr>
+          <p:nvPr/>
+        </p:nvCxnSpPr>
+        <p:spPr>
+          <a:xfrm flipV="1">
+            <a:off x="9201191" y="1349153"/>
+            <a:ext cx="1532451" cy="922445"/>
+          </a:xfrm>
+          <a:prstGeom prst="straightConnector1">
+            <a:avLst/>
+          </a:prstGeom>
+          <a:ln>
+            <a:prstDash val="dash"/>
+            <a:tailEnd type="triangle"/>
+          </a:ln>
+        </p:spPr>
+        <p:style>
+          <a:lnRef idx="1">
+            <a:schemeClr val="accent1"/>
+          </a:lnRef>
+          <a:fillRef idx="0">
+            <a:schemeClr val="accent1"/>
+          </a:fillRef>
+          <a:effectRef idx="0">
+            <a:schemeClr val="accent1"/>
+          </a:effectRef>
+          <a:fontRef idx="minor">
+            <a:schemeClr val="tx1"/>
+          </a:fontRef>
+        </p:style>
+      </p:cxnSp>
+      <p:cxnSp>
+        <p:nvCxnSpPr>
+          <p:cNvPr id="161" name="Straight Arrow Connector 160">
+            <a:extLst>
+              <a:ext uri="{FF2B5EF4-FFF2-40B4-BE49-F238E27FC236}">
+                <a16:creationId xmlns:a16="http://schemas.microsoft.com/office/drawing/2014/main" id="{CB9E03DF-28E1-41CB-B564-8DEBE9D597B2}"/>
+              </a:ext>
+            </a:extLst>
+          </p:cNvPr>
+          <p:cNvCxnSpPr>
+            <a:cxnSpLocks/>
+            <a:stCxn id="87" idx="6"/>
+          </p:cNvCxnSpPr>
+          <p:nvPr/>
+        </p:nvCxnSpPr>
+        <p:spPr>
+          <a:xfrm flipV="1">
+            <a:off x="9148310" y="1303755"/>
+            <a:ext cx="1491137" cy="611540"/>
+          </a:xfrm>
+          <a:prstGeom prst="straightConnector1">
+            <a:avLst/>
+          </a:prstGeom>
+          <a:ln>
+            <a:prstDash val="dash"/>
+            <a:tailEnd type="triangle"/>
+          </a:ln>
+        </p:spPr>
+        <p:style>
+          <a:lnRef idx="1">
+            <a:schemeClr val="accent1"/>
+          </a:lnRef>
+          <a:fillRef idx="0">
+            <a:schemeClr val="accent1"/>
+          </a:fillRef>
+          <a:effectRef idx="0">
+            <a:schemeClr val="accent1"/>
+          </a:effectRef>
+          <a:fontRef idx="minor">
+            <a:schemeClr val="tx1"/>
+          </a:fontRef>
+        </p:style>
+      </p:cxnSp>
+      <p:cxnSp>
+        <p:nvCxnSpPr>
+          <p:cNvPr id="164" name="Straight Arrow Connector 163">
+            <a:extLst>
+              <a:ext uri="{FF2B5EF4-FFF2-40B4-BE49-F238E27FC236}">
+                <a16:creationId xmlns:a16="http://schemas.microsoft.com/office/drawing/2014/main" id="{C34EDB44-2565-4E93-9ACD-1D58B3E732E6}"/>
               </a:ext>
             </a:extLst>
           </p:cNvPr>
@@ -5567,9 +7094,1172 @@
           <p:nvPr/>
         </p:nvCxnSpPr>
         <p:spPr>
+          <a:xfrm flipV="1">
+            <a:off x="9090376" y="1261409"/>
+            <a:ext cx="1486071" cy="307111"/>
+          </a:xfrm>
+          <a:prstGeom prst="straightConnector1">
+            <a:avLst/>
+          </a:prstGeom>
+          <a:ln>
+            <a:prstDash val="dash"/>
+            <a:tailEnd type="triangle"/>
+          </a:ln>
+        </p:spPr>
+        <p:style>
+          <a:lnRef idx="1">
+            <a:schemeClr val="accent1"/>
+          </a:lnRef>
+          <a:fillRef idx="0">
+            <a:schemeClr val="accent1"/>
+          </a:fillRef>
+          <a:effectRef idx="0">
+            <a:schemeClr val="accent1"/>
+          </a:effectRef>
+          <a:fontRef idx="minor">
+            <a:schemeClr val="tx1"/>
+          </a:fontRef>
+        </p:style>
+      </p:cxnSp>
+      <p:sp>
+        <p:nvSpPr>
+          <p:cNvPr id="166" name="TextBox 165">
+            <a:extLst>
+              <a:ext uri="{FF2B5EF4-FFF2-40B4-BE49-F238E27FC236}">
+                <a16:creationId xmlns:a16="http://schemas.microsoft.com/office/drawing/2014/main" id="{88E2FA9E-60A0-4B7B-AF9E-0D0D80605AFF}"/>
+              </a:ext>
+            </a:extLst>
+          </p:cNvPr>
+          <p:cNvSpPr txBox="1"/>
+          <p:nvPr/>
+        </p:nvSpPr>
+        <p:spPr>
+          <a:xfrm rot="20862473">
+            <a:off x="9472250" y="1181185"/>
+            <a:ext cx="896644" cy="215444"/>
+          </a:xfrm>
+          <a:prstGeom prst="rect">
+            <a:avLst/>
+          </a:prstGeom>
+          <a:noFill/>
+        </p:spPr>
+        <p:txBody>
+          <a:bodyPr wrap="square" rtlCol="1">
+            <a:spAutoFit/>
+          </a:bodyPr>
+          <a:lstStyle/>
+          <a:p>
+            <a:r>
+              <a:rPr lang="en-US" sz="800" dirty="0"/>
+              <a:t>&lt;&lt;include&gt;&gt;</a:t>
+            </a:r>
+            <a:endParaRPr lang="he-IL" sz="800" dirty="0"/>
+          </a:p>
+        </p:txBody>
+      </p:sp>
+      <p:sp>
+        <p:nvSpPr>
+          <p:cNvPr id="167" name="TextBox 166">
+            <a:extLst>
+              <a:ext uri="{FF2B5EF4-FFF2-40B4-BE49-F238E27FC236}">
+                <a16:creationId xmlns:a16="http://schemas.microsoft.com/office/drawing/2014/main" id="{AB6E1953-49ED-4A19-8857-C4B02615F703}"/>
+              </a:ext>
+            </a:extLst>
+          </p:cNvPr>
+          <p:cNvSpPr txBox="1"/>
+          <p:nvPr/>
+        </p:nvSpPr>
+        <p:spPr>
+          <a:xfrm rot="19903260">
+            <a:off x="9489652" y="1649341"/>
+            <a:ext cx="896644" cy="215444"/>
+          </a:xfrm>
+          <a:prstGeom prst="rect">
+            <a:avLst/>
+          </a:prstGeom>
+          <a:noFill/>
+        </p:spPr>
+        <p:txBody>
+          <a:bodyPr wrap="square" rtlCol="1">
+            <a:spAutoFit/>
+          </a:bodyPr>
+          <a:lstStyle/>
+          <a:p>
+            <a:r>
+              <a:rPr lang="en-US" sz="800" dirty="0"/>
+              <a:t>&lt;&lt;include&gt;&gt;</a:t>
+            </a:r>
+            <a:endParaRPr lang="he-IL" sz="800" dirty="0"/>
+          </a:p>
+        </p:txBody>
+      </p:sp>
+      <p:sp>
+        <p:nvSpPr>
+          <p:cNvPr id="110" name="TextBox 109">
+            <a:extLst>
+              <a:ext uri="{FF2B5EF4-FFF2-40B4-BE49-F238E27FC236}">
+                <a16:creationId xmlns:a16="http://schemas.microsoft.com/office/drawing/2014/main" id="{E49E8B50-50C3-457A-896C-C816BEA30312}"/>
+              </a:ext>
+            </a:extLst>
+          </p:cNvPr>
+          <p:cNvSpPr txBox="1"/>
+          <p:nvPr/>
+        </p:nvSpPr>
+        <p:spPr>
+          <a:xfrm rot="19183743">
+            <a:off x="8037831" y="3875069"/>
+            <a:ext cx="930295" cy="215444"/>
+          </a:xfrm>
+          <a:prstGeom prst="rect">
+            <a:avLst/>
+          </a:prstGeom>
+          <a:noFill/>
+        </p:spPr>
+        <p:txBody>
+          <a:bodyPr wrap="square" rtlCol="1">
+            <a:spAutoFit/>
+          </a:bodyPr>
+          <a:lstStyle/>
+          <a:p>
+            <a:r>
+              <a:rPr lang="en-US" sz="800" dirty="0"/>
+              <a:t>&lt;&lt;include&gt;&gt;</a:t>
+            </a:r>
+            <a:endParaRPr lang="he-IL" sz="800" dirty="0"/>
+          </a:p>
+        </p:txBody>
+      </p:sp>
+      <p:cxnSp>
+        <p:nvCxnSpPr>
+          <p:cNvPr id="112" name="Straight Arrow Connector 111">
+            <a:extLst>
+              <a:ext uri="{FF2B5EF4-FFF2-40B4-BE49-F238E27FC236}">
+                <a16:creationId xmlns:a16="http://schemas.microsoft.com/office/drawing/2014/main" id="{0D25E017-CF68-4C42-8D0E-35BB0B3C4A59}"/>
+              </a:ext>
+            </a:extLst>
+          </p:cNvPr>
+          <p:cNvCxnSpPr>
+            <a:cxnSpLocks/>
+          </p:cNvCxnSpPr>
+          <p:nvPr/>
+        </p:nvCxnSpPr>
+        <p:spPr>
           <a:xfrm flipH="1">
-            <a:off x="6625689" y="1289864"/>
-            <a:ext cx="2041508" cy="3763303"/>
+            <a:off x="5282653" y="5298064"/>
+            <a:ext cx="1058036" cy="282879"/>
+          </a:xfrm>
+          <a:prstGeom prst="straightConnector1">
+            <a:avLst/>
+          </a:prstGeom>
+          <a:ln>
+            <a:prstDash val="dash"/>
+            <a:tailEnd type="triangle"/>
+          </a:ln>
+        </p:spPr>
+        <p:style>
+          <a:lnRef idx="1">
+            <a:schemeClr val="accent1"/>
+          </a:lnRef>
+          <a:fillRef idx="0">
+            <a:schemeClr val="accent1"/>
+          </a:fillRef>
+          <a:effectRef idx="0">
+            <a:schemeClr val="accent1"/>
+          </a:effectRef>
+          <a:fontRef idx="minor">
+            <a:schemeClr val="tx1"/>
+          </a:fontRef>
+        </p:style>
+      </p:cxnSp>
+      <p:sp>
+        <p:nvSpPr>
+          <p:cNvPr id="120" name="TextBox 119">
+            <a:extLst>
+              <a:ext uri="{FF2B5EF4-FFF2-40B4-BE49-F238E27FC236}">
+                <a16:creationId xmlns:a16="http://schemas.microsoft.com/office/drawing/2014/main" id="{3A4582D2-4AAC-411E-AF29-419FDEF3BB4E}"/>
+              </a:ext>
+            </a:extLst>
+          </p:cNvPr>
+          <p:cNvSpPr txBox="1"/>
+          <p:nvPr/>
+        </p:nvSpPr>
+        <p:spPr>
+          <a:xfrm rot="3943383">
+            <a:off x="5224028" y="3777820"/>
+            <a:ext cx="710225" cy="215444"/>
+          </a:xfrm>
+          <a:prstGeom prst="rect">
+            <a:avLst/>
+          </a:prstGeom>
+          <a:noFill/>
+        </p:spPr>
+        <p:txBody>
+          <a:bodyPr wrap="square" rtlCol="1">
+            <a:spAutoFit/>
+          </a:bodyPr>
+          <a:lstStyle/>
+          <a:p>
+            <a:r>
+              <a:rPr lang="en-US" sz="800" dirty="0"/>
+              <a:t>&lt;&lt;include&gt;&gt;</a:t>
+            </a:r>
+            <a:endParaRPr lang="he-IL" sz="800" dirty="0"/>
+          </a:p>
+        </p:txBody>
+      </p:sp>
+      <p:sp>
+        <p:nvSpPr>
+          <p:cNvPr id="121" name="TextBox 120">
+            <a:extLst>
+              <a:ext uri="{FF2B5EF4-FFF2-40B4-BE49-F238E27FC236}">
+                <a16:creationId xmlns:a16="http://schemas.microsoft.com/office/drawing/2014/main" id="{4B955765-46F9-4EE5-90A8-DEAE8F851AA3}"/>
+              </a:ext>
+            </a:extLst>
+          </p:cNvPr>
+          <p:cNvSpPr txBox="1"/>
+          <p:nvPr/>
+        </p:nvSpPr>
+        <p:spPr>
+          <a:xfrm rot="20472758">
+            <a:off x="5495464" y="5197705"/>
+            <a:ext cx="930295" cy="215444"/>
+          </a:xfrm>
+          <a:prstGeom prst="rect">
+            <a:avLst/>
+          </a:prstGeom>
+          <a:noFill/>
+        </p:spPr>
+        <p:txBody>
+          <a:bodyPr wrap="square" rtlCol="1">
+            <a:spAutoFit/>
+          </a:bodyPr>
+          <a:lstStyle/>
+          <a:p>
+            <a:r>
+              <a:rPr lang="en-US" sz="800" dirty="0"/>
+              <a:t>&lt;&lt;include&gt;&gt;</a:t>
+            </a:r>
+            <a:endParaRPr lang="he-IL" sz="800" dirty="0"/>
+          </a:p>
+        </p:txBody>
+      </p:sp>
+      <p:sp>
+        <p:nvSpPr>
+          <p:cNvPr id="129" name="Oval 128">
+            <a:extLst>
+              <a:ext uri="{FF2B5EF4-FFF2-40B4-BE49-F238E27FC236}">
+                <a16:creationId xmlns:a16="http://schemas.microsoft.com/office/drawing/2014/main" id="{D85E98FA-C362-488F-B76C-DD944AFF1E5D}"/>
+              </a:ext>
+            </a:extLst>
+          </p:cNvPr>
+          <p:cNvSpPr/>
+          <p:nvPr/>
+        </p:nvSpPr>
+        <p:spPr>
+          <a:xfrm>
+            <a:off x="3921899" y="2557950"/>
+            <a:ext cx="2440156" cy="304247"/>
+          </a:xfrm>
+          <a:prstGeom prst="ellipse">
+            <a:avLst/>
+          </a:prstGeom>
+          <a:solidFill>
+            <a:schemeClr val="bg1"/>
+          </a:solidFill>
+        </p:spPr>
+        <p:style>
+          <a:lnRef idx="2">
+            <a:schemeClr val="accent1">
+              <a:shade val="50000"/>
+            </a:schemeClr>
+          </a:lnRef>
+          <a:fillRef idx="1">
+            <a:schemeClr val="accent1"/>
+          </a:fillRef>
+          <a:effectRef idx="0">
+            <a:schemeClr val="accent1"/>
+          </a:effectRef>
+          <a:fontRef idx="minor">
+            <a:schemeClr val="lt1"/>
+          </a:fontRef>
+        </p:style>
+        <p:txBody>
+          <a:bodyPr rtlCol="1" anchor="ctr"/>
+          <a:lstStyle/>
+          <a:p>
+            <a:pPr algn="ctr"/>
+            <a:r>
+              <a:rPr lang="en-US" sz="1400" dirty="0">
+                <a:solidFill>
+                  <a:schemeClr val="tx1"/>
+                </a:solidFill>
+              </a:rPr>
+              <a:t>See package details</a:t>
+            </a:r>
+            <a:endParaRPr lang="he-IL" sz="1400" dirty="0">
+              <a:solidFill>
+                <a:schemeClr val="tx1"/>
+              </a:solidFill>
+            </a:endParaRPr>
+          </a:p>
+        </p:txBody>
+      </p:sp>
+      <p:cxnSp>
+        <p:nvCxnSpPr>
+          <p:cNvPr id="131" name="Straight Arrow Connector 130">
+            <a:extLst>
+              <a:ext uri="{FF2B5EF4-FFF2-40B4-BE49-F238E27FC236}">
+                <a16:creationId xmlns:a16="http://schemas.microsoft.com/office/drawing/2014/main" id="{F46DC42F-255C-4E07-8133-88C636EE67B5}"/>
+              </a:ext>
+            </a:extLst>
+          </p:cNvPr>
+          <p:cNvCxnSpPr>
+            <a:cxnSpLocks/>
+          </p:cNvCxnSpPr>
+          <p:nvPr/>
+        </p:nvCxnSpPr>
+        <p:spPr>
+          <a:xfrm>
+            <a:off x="4133129" y="2008588"/>
+            <a:ext cx="44910" cy="540047"/>
+          </a:xfrm>
+          <a:prstGeom prst="straightConnector1">
+            <a:avLst/>
+          </a:prstGeom>
+          <a:ln>
+            <a:tailEnd type="triangle"/>
+          </a:ln>
+        </p:spPr>
+        <p:style>
+          <a:lnRef idx="1">
+            <a:schemeClr val="accent1"/>
+          </a:lnRef>
+          <a:fillRef idx="0">
+            <a:schemeClr val="accent1"/>
+          </a:fillRef>
+          <a:effectRef idx="0">
+            <a:schemeClr val="accent1"/>
+          </a:effectRef>
+          <a:fontRef idx="minor">
+            <a:schemeClr val="tx1"/>
+          </a:fontRef>
+        </p:style>
+      </p:cxnSp>
+      <p:sp>
+        <p:nvSpPr>
+          <p:cNvPr id="139" name="TextBox 138">
+            <a:extLst>
+              <a:ext uri="{FF2B5EF4-FFF2-40B4-BE49-F238E27FC236}">
+                <a16:creationId xmlns:a16="http://schemas.microsoft.com/office/drawing/2014/main" id="{A3A24B29-3DBF-4A3B-B3BD-9A4A146B3203}"/>
+              </a:ext>
+            </a:extLst>
+          </p:cNvPr>
+          <p:cNvSpPr txBox="1"/>
+          <p:nvPr/>
+        </p:nvSpPr>
+        <p:spPr>
+          <a:xfrm rot="19903260">
+            <a:off x="9561001" y="1823770"/>
+            <a:ext cx="896644" cy="215444"/>
+          </a:xfrm>
+          <a:prstGeom prst="rect">
+            <a:avLst/>
+          </a:prstGeom>
+          <a:noFill/>
+        </p:spPr>
+        <p:txBody>
+          <a:bodyPr wrap="square" rtlCol="1">
+            <a:spAutoFit/>
+          </a:bodyPr>
+          <a:lstStyle/>
+          <a:p>
+            <a:r>
+              <a:rPr lang="en-US" sz="800" dirty="0"/>
+              <a:t>&lt;&lt;include&gt;&gt;</a:t>
+            </a:r>
+            <a:endParaRPr lang="he-IL" sz="800" dirty="0"/>
+          </a:p>
+        </p:txBody>
+      </p:sp>
+      <p:sp>
+        <p:nvSpPr>
+          <p:cNvPr id="140" name="TextBox 139">
+            <a:extLst>
+              <a:ext uri="{FF2B5EF4-FFF2-40B4-BE49-F238E27FC236}">
+                <a16:creationId xmlns:a16="http://schemas.microsoft.com/office/drawing/2014/main" id="{D812C014-2527-432D-9EC6-734429A35CF4}"/>
+              </a:ext>
+            </a:extLst>
+          </p:cNvPr>
+          <p:cNvSpPr txBox="1"/>
+          <p:nvPr/>
+        </p:nvSpPr>
+        <p:spPr>
+          <a:xfrm rot="20159104">
+            <a:off x="9443950" y="1425365"/>
+            <a:ext cx="896644" cy="215444"/>
+          </a:xfrm>
+          <a:prstGeom prst="rect">
+            <a:avLst/>
+          </a:prstGeom>
+          <a:noFill/>
+        </p:spPr>
+        <p:txBody>
+          <a:bodyPr wrap="square" rtlCol="1">
+            <a:spAutoFit/>
+          </a:bodyPr>
+          <a:lstStyle/>
+          <a:p>
+            <a:r>
+              <a:rPr lang="en-US" sz="800" dirty="0"/>
+              <a:t>&lt;&lt;include&gt;&gt;</a:t>
+            </a:r>
+            <a:endParaRPr lang="he-IL" sz="800" dirty="0"/>
+          </a:p>
+        </p:txBody>
+      </p:sp>
+      <p:sp>
+        <p:nvSpPr>
+          <p:cNvPr id="103" name="TextBox 102">
+            <a:extLst>
+              <a:ext uri="{FF2B5EF4-FFF2-40B4-BE49-F238E27FC236}">
+                <a16:creationId xmlns:a16="http://schemas.microsoft.com/office/drawing/2014/main" id="{338DD834-72C4-4803-A211-C8F6782E8952}"/>
+              </a:ext>
+            </a:extLst>
+          </p:cNvPr>
+          <p:cNvSpPr txBox="1"/>
+          <p:nvPr/>
+        </p:nvSpPr>
+        <p:spPr>
+          <a:xfrm rot="1156311">
+            <a:off x="5800208" y="3035534"/>
+            <a:ext cx="1181629" cy="369332"/>
+          </a:xfrm>
+          <a:prstGeom prst="rect">
+            <a:avLst/>
+          </a:prstGeom>
+          <a:noFill/>
+        </p:spPr>
+        <p:txBody>
+          <a:bodyPr wrap="square" rtlCol="1">
+            <a:spAutoFit/>
+          </a:bodyPr>
+          <a:lstStyle/>
+          <a:p>
+            <a:pPr algn="ctr"/>
+            <a:r>
+              <a:rPr lang="en-GB" sz="900" b="1" dirty="0"/>
+              <a:t>{if the customer appear in friend list}</a:t>
+            </a:r>
+          </a:p>
+        </p:txBody>
+      </p:sp>
+      <p:cxnSp>
+        <p:nvCxnSpPr>
+          <p:cNvPr id="104" name="Straight Arrow Connector 103">
+            <a:extLst>
+              <a:ext uri="{FF2B5EF4-FFF2-40B4-BE49-F238E27FC236}">
+                <a16:creationId xmlns:a16="http://schemas.microsoft.com/office/drawing/2014/main" id="{3DD5354D-946D-4C7B-BB94-715C0D21702D}"/>
+              </a:ext>
+            </a:extLst>
+          </p:cNvPr>
+          <p:cNvCxnSpPr>
+            <a:cxnSpLocks/>
+          </p:cNvCxnSpPr>
+          <p:nvPr/>
+        </p:nvCxnSpPr>
+        <p:spPr>
+          <a:xfrm>
+            <a:off x="6036094" y="2819132"/>
+            <a:ext cx="1054517" cy="333734"/>
+          </a:xfrm>
+          <a:prstGeom prst="straightConnector1">
+            <a:avLst/>
+          </a:prstGeom>
+          <a:ln>
+            <a:prstDash val="dash"/>
+            <a:tailEnd type="triangle"/>
+          </a:ln>
+        </p:spPr>
+        <p:style>
+          <a:lnRef idx="1">
+            <a:schemeClr val="accent1"/>
+          </a:lnRef>
+          <a:fillRef idx="0">
+            <a:schemeClr val="accent1"/>
+          </a:fillRef>
+          <a:effectRef idx="0">
+            <a:schemeClr val="accent1"/>
+          </a:effectRef>
+          <a:fontRef idx="minor">
+            <a:schemeClr val="tx1"/>
+          </a:fontRef>
+        </p:style>
+      </p:cxnSp>
+      <p:sp>
+        <p:nvSpPr>
+          <p:cNvPr id="125" name="TextBox 124">
+            <a:extLst>
+              <a:ext uri="{FF2B5EF4-FFF2-40B4-BE49-F238E27FC236}">
+                <a16:creationId xmlns:a16="http://schemas.microsoft.com/office/drawing/2014/main" id="{4105D58E-376C-478E-8F11-43B40A5EEFF1}"/>
+              </a:ext>
+            </a:extLst>
+          </p:cNvPr>
+          <p:cNvSpPr txBox="1"/>
+          <p:nvPr/>
+        </p:nvSpPr>
+        <p:spPr>
+          <a:xfrm rot="946787">
+            <a:off x="6175471" y="2990708"/>
+            <a:ext cx="848956" cy="215444"/>
+          </a:xfrm>
+          <a:prstGeom prst="rect">
+            <a:avLst/>
+          </a:prstGeom>
+          <a:noFill/>
+        </p:spPr>
+        <p:txBody>
+          <a:bodyPr wrap="square" rtlCol="1">
+            <a:spAutoFit/>
+          </a:bodyPr>
+          <a:lstStyle/>
+          <a:p>
+            <a:r>
+              <a:rPr lang="en-US" sz="800" dirty="0"/>
+              <a:t>&lt;&lt;extend&gt;&gt;</a:t>
+            </a:r>
+            <a:endParaRPr lang="he-IL" sz="800" dirty="0"/>
+          </a:p>
+        </p:txBody>
+      </p:sp>
+      <p:pic>
+        <p:nvPicPr>
+          <p:cNvPr id="114" name="Picture 113">
+            <a:extLst>
+              <a:ext uri="{FF2B5EF4-FFF2-40B4-BE49-F238E27FC236}">
+                <a16:creationId xmlns:a16="http://schemas.microsoft.com/office/drawing/2014/main" id="{0CF40D2C-16DE-4008-8B2B-44BF0F3FA179}"/>
+              </a:ext>
+            </a:extLst>
+          </p:cNvPr>
+          <p:cNvPicPr>
+            <a:picLocks noChangeAspect="1"/>
+          </p:cNvPicPr>
+          <p:nvPr/>
+        </p:nvPicPr>
+        <p:blipFill>
+          <a:blip r:embed="rId2"/>
+          <a:stretch>
+            <a:fillRect/>
+          </a:stretch>
+        </p:blipFill>
+        <p:spPr>
+          <a:xfrm>
+            <a:off x="4004" y="2353572"/>
+            <a:ext cx="930277" cy="1142514"/>
+          </a:xfrm>
+          <a:prstGeom prst="rect">
+            <a:avLst/>
+          </a:prstGeom>
+        </p:spPr>
+      </p:pic>
+      <p:sp>
+        <p:nvSpPr>
+          <p:cNvPr id="126" name="TextBox 125">
+            <a:extLst>
+              <a:ext uri="{FF2B5EF4-FFF2-40B4-BE49-F238E27FC236}">
+                <a16:creationId xmlns:a16="http://schemas.microsoft.com/office/drawing/2014/main" id="{51D5AF7A-A296-40B4-BCC7-8FCD7035D099}"/>
+              </a:ext>
+            </a:extLst>
+          </p:cNvPr>
+          <p:cNvSpPr txBox="1"/>
+          <p:nvPr/>
+        </p:nvSpPr>
+        <p:spPr>
+          <a:xfrm>
+            <a:off x="246560" y="3532997"/>
+            <a:ext cx="1215958" cy="307777"/>
+          </a:xfrm>
+          <a:prstGeom prst="rect">
+            <a:avLst/>
+          </a:prstGeom>
+          <a:noFill/>
+        </p:spPr>
+        <p:txBody>
+          <a:bodyPr wrap="square" rtlCol="1">
+            <a:spAutoFit/>
+          </a:bodyPr>
+          <a:lstStyle/>
+          <a:p>
+            <a:r>
+              <a:rPr lang="en-US" sz="1400" dirty="0"/>
+              <a:t>Agent</a:t>
+            </a:r>
+            <a:endParaRPr lang="he-IL" sz="1400" dirty="0"/>
+          </a:p>
+        </p:txBody>
+      </p:sp>
+      <p:cxnSp>
+        <p:nvCxnSpPr>
+          <p:cNvPr id="132" name="Straight Arrow Connector 131">
+            <a:extLst>
+              <a:ext uri="{FF2B5EF4-FFF2-40B4-BE49-F238E27FC236}">
+                <a16:creationId xmlns:a16="http://schemas.microsoft.com/office/drawing/2014/main" id="{6B6968BF-89B1-4A3E-95B0-0AA55508A600}"/>
+              </a:ext>
+            </a:extLst>
+          </p:cNvPr>
+          <p:cNvCxnSpPr>
+            <a:cxnSpLocks/>
+          </p:cNvCxnSpPr>
+          <p:nvPr/>
+        </p:nvCxnSpPr>
+        <p:spPr>
+          <a:xfrm flipH="1">
+            <a:off x="2052152" y="3353976"/>
+            <a:ext cx="157353" cy="1753417"/>
+          </a:xfrm>
+          <a:prstGeom prst="straightConnector1">
+            <a:avLst/>
+          </a:prstGeom>
+          <a:ln>
+            <a:tailEnd type="triangle"/>
+          </a:ln>
+        </p:spPr>
+        <p:style>
+          <a:lnRef idx="1">
+            <a:schemeClr val="accent1"/>
+          </a:lnRef>
+          <a:fillRef idx="0">
+            <a:schemeClr val="accent1"/>
+          </a:fillRef>
+          <a:effectRef idx="0">
+            <a:schemeClr val="accent1"/>
+          </a:effectRef>
+          <a:fontRef idx="minor">
+            <a:schemeClr val="tx1"/>
+          </a:fontRef>
+        </p:style>
+      </p:cxnSp>
+      <p:sp>
+        <p:nvSpPr>
+          <p:cNvPr id="142" name="Oval 141">
+            <a:extLst>
+              <a:ext uri="{FF2B5EF4-FFF2-40B4-BE49-F238E27FC236}">
+                <a16:creationId xmlns:a16="http://schemas.microsoft.com/office/drawing/2014/main" id="{808EE5CE-6C7D-4BA8-8FD7-B6139B5C940D}"/>
+              </a:ext>
+            </a:extLst>
+          </p:cNvPr>
+          <p:cNvSpPr/>
+          <p:nvPr/>
+        </p:nvSpPr>
+        <p:spPr>
+          <a:xfrm>
+            <a:off x="3777733" y="4039164"/>
+            <a:ext cx="1707821" cy="410516"/>
+          </a:xfrm>
+          <a:prstGeom prst="ellipse">
+            <a:avLst/>
+          </a:prstGeom>
+          <a:solidFill>
+            <a:schemeClr val="bg1"/>
+          </a:solidFill>
+        </p:spPr>
+        <p:style>
+          <a:lnRef idx="2">
+            <a:schemeClr val="accent1">
+              <a:shade val="50000"/>
+            </a:schemeClr>
+          </a:lnRef>
+          <a:fillRef idx="1">
+            <a:schemeClr val="accent1"/>
+          </a:fillRef>
+          <a:effectRef idx="0">
+            <a:schemeClr val="accent1"/>
+          </a:effectRef>
+          <a:fontRef idx="minor">
+            <a:schemeClr val="lt1"/>
+          </a:fontRef>
+        </p:style>
+        <p:txBody>
+          <a:bodyPr rtlCol="1" anchor="ctr"/>
+          <a:lstStyle/>
+          <a:p>
+            <a:pPr algn="ctr"/>
+            <a:r>
+              <a:rPr lang="en-US" sz="1400" dirty="0">
+                <a:solidFill>
+                  <a:schemeClr val="tx1"/>
+                </a:solidFill>
+              </a:rPr>
+              <a:t>Agent confirmation</a:t>
+            </a:r>
+            <a:endParaRPr lang="he-IL" sz="1400" dirty="0">
+              <a:solidFill>
+                <a:schemeClr val="tx1"/>
+              </a:solidFill>
+            </a:endParaRPr>
+          </a:p>
+        </p:txBody>
+      </p:sp>
+      <p:cxnSp>
+        <p:nvCxnSpPr>
+          <p:cNvPr id="147" name="Straight Arrow Connector 146">
+            <a:extLst>
+              <a:ext uri="{FF2B5EF4-FFF2-40B4-BE49-F238E27FC236}">
+                <a16:creationId xmlns:a16="http://schemas.microsoft.com/office/drawing/2014/main" id="{9CE779FA-53A4-4EEA-9B94-01C0C9CF6E58}"/>
+              </a:ext>
+            </a:extLst>
+          </p:cNvPr>
+          <p:cNvCxnSpPr>
+            <a:cxnSpLocks/>
+            <a:endCxn id="170" idx="2"/>
+          </p:cNvCxnSpPr>
+          <p:nvPr/>
+        </p:nvCxnSpPr>
+        <p:spPr>
+          <a:xfrm>
+            <a:off x="2454081" y="3296860"/>
+            <a:ext cx="462377" cy="289736"/>
+          </a:xfrm>
+          <a:prstGeom prst="straightConnector1">
+            <a:avLst/>
+          </a:prstGeom>
+          <a:ln>
+            <a:tailEnd type="triangle"/>
+          </a:ln>
+        </p:spPr>
+        <p:style>
+          <a:lnRef idx="1">
+            <a:schemeClr val="accent1"/>
+          </a:lnRef>
+          <a:fillRef idx="0">
+            <a:schemeClr val="accent1"/>
+          </a:fillRef>
+          <a:effectRef idx="0">
+            <a:schemeClr val="accent1"/>
+          </a:effectRef>
+          <a:fontRef idx="minor">
+            <a:schemeClr val="tx1"/>
+          </a:fontRef>
+        </p:style>
+      </p:cxnSp>
+      <p:sp>
+        <p:nvSpPr>
+          <p:cNvPr id="170" name="Oval 169">
+            <a:extLst>
+              <a:ext uri="{FF2B5EF4-FFF2-40B4-BE49-F238E27FC236}">
+                <a16:creationId xmlns:a16="http://schemas.microsoft.com/office/drawing/2014/main" id="{FA4E43BF-A859-4F8C-8C89-2D2490D0E915}"/>
+              </a:ext>
+            </a:extLst>
+          </p:cNvPr>
+          <p:cNvSpPr/>
+          <p:nvPr/>
+        </p:nvSpPr>
+        <p:spPr>
+          <a:xfrm>
+            <a:off x="2916458" y="3381598"/>
+            <a:ext cx="1071357" cy="409995"/>
+          </a:xfrm>
+          <a:prstGeom prst="ellipse">
+            <a:avLst/>
+          </a:prstGeom>
+          <a:solidFill>
+            <a:schemeClr val="bg1"/>
+          </a:solidFill>
+        </p:spPr>
+        <p:style>
+          <a:lnRef idx="2">
+            <a:schemeClr val="accent1">
+              <a:shade val="50000"/>
+            </a:schemeClr>
+          </a:lnRef>
+          <a:fillRef idx="1">
+            <a:schemeClr val="accent1"/>
+          </a:fillRef>
+          <a:effectRef idx="0">
+            <a:schemeClr val="accent1"/>
+          </a:effectRef>
+          <a:fontRef idx="minor">
+            <a:schemeClr val="lt1"/>
+          </a:fontRef>
+        </p:style>
+        <p:txBody>
+          <a:bodyPr rtlCol="1" anchor="ctr"/>
+          <a:lstStyle/>
+          <a:p>
+            <a:pPr algn="ctr"/>
+            <a:r>
+              <a:rPr lang="en-US" sz="1400" dirty="0">
+                <a:solidFill>
+                  <a:schemeClr val="tx1"/>
+                </a:solidFill>
+              </a:rPr>
+              <a:t>Admin menu</a:t>
+            </a:r>
+            <a:endParaRPr lang="he-IL" sz="1400" dirty="0">
+              <a:solidFill>
+                <a:schemeClr val="tx1"/>
+              </a:solidFill>
+            </a:endParaRPr>
+          </a:p>
+        </p:txBody>
+      </p:sp>
+      <p:cxnSp>
+        <p:nvCxnSpPr>
+          <p:cNvPr id="172" name="Straight Arrow Connector 171">
+            <a:extLst>
+              <a:ext uri="{FF2B5EF4-FFF2-40B4-BE49-F238E27FC236}">
+                <a16:creationId xmlns:a16="http://schemas.microsoft.com/office/drawing/2014/main" id="{22C0B7CF-B472-484D-B2EE-5C6D6752813F}"/>
+              </a:ext>
+            </a:extLst>
+          </p:cNvPr>
+          <p:cNvCxnSpPr>
+            <a:cxnSpLocks/>
+          </p:cNvCxnSpPr>
+          <p:nvPr/>
+        </p:nvCxnSpPr>
+        <p:spPr>
+          <a:xfrm>
+            <a:off x="3942301" y="3722196"/>
+            <a:ext cx="297700" cy="278139"/>
+          </a:xfrm>
+          <a:prstGeom prst="straightConnector1">
+            <a:avLst/>
+          </a:prstGeom>
+          <a:ln>
+            <a:tailEnd type="triangle"/>
+          </a:ln>
+        </p:spPr>
+        <p:style>
+          <a:lnRef idx="1">
+            <a:schemeClr val="accent1"/>
+          </a:lnRef>
+          <a:fillRef idx="0">
+            <a:schemeClr val="accent1"/>
+          </a:fillRef>
+          <a:effectRef idx="0">
+            <a:schemeClr val="accent1"/>
+          </a:effectRef>
+          <a:fontRef idx="minor">
+            <a:schemeClr val="tx1"/>
+          </a:fontRef>
+        </p:style>
+      </p:cxnSp>
+      <p:cxnSp>
+        <p:nvCxnSpPr>
+          <p:cNvPr id="174" name="Straight Arrow Connector 173">
+            <a:extLst>
+              <a:ext uri="{FF2B5EF4-FFF2-40B4-BE49-F238E27FC236}">
+                <a16:creationId xmlns:a16="http://schemas.microsoft.com/office/drawing/2014/main" id="{DD9B91A3-3712-4ED0-A869-FB96D006136B}"/>
+              </a:ext>
+            </a:extLst>
+          </p:cNvPr>
+          <p:cNvCxnSpPr>
+            <a:cxnSpLocks/>
+          </p:cNvCxnSpPr>
+          <p:nvPr/>
+        </p:nvCxnSpPr>
+        <p:spPr>
+          <a:xfrm flipH="1">
+            <a:off x="2454081" y="3840774"/>
+            <a:ext cx="796261" cy="1303485"/>
+          </a:xfrm>
+          <a:prstGeom prst="straightConnector1">
+            <a:avLst/>
+          </a:prstGeom>
+          <a:ln>
+            <a:prstDash val="dash"/>
+            <a:tailEnd type="triangle"/>
+          </a:ln>
+        </p:spPr>
+        <p:style>
+          <a:lnRef idx="1">
+            <a:schemeClr val="accent1"/>
+          </a:lnRef>
+          <a:fillRef idx="0">
+            <a:schemeClr val="accent1"/>
+          </a:fillRef>
+          <a:effectRef idx="0">
+            <a:schemeClr val="accent1"/>
+          </a:effectRef>
+          <a:fontRef idx="minor">
+            <a:schemeClr val="tx1"/>
+          </a:fontRef>
+        </p:style>
+      </p:cxnSp>
+      <p:sp>
+        <p:nvSpPr>
+          <p:cNvPr id="186" name="TextBox 185">
+            <a:extLst>
+              <a:ext uri="{FF2B5EF4-FFF2-40B4-BE49-F238E27FC236}">
+                <a16:creationId xmlns:a16="http://schemas.microsoft.com/office/drawing/2014/main" id="{FC20F82B-4AD7-40F0-9595-EFCF092EE0E8}"/>
+              </a:ext>
+            </a:extLst>
+          </p:cNvPr>
+          <p:cNvSpPr txBox="1"/>
+          <p:nvPr/>
+        </p:nvSpPr>
+        <p:spPr>
+          <a:xfrm rot="18244615">
+            <a:off x="2325669" y="4516976"/>
+            <a:ext cx="710225" cy="215444"/>
+          </a:xfrm>
+          <a:prstGeom prst="rect">
+            <a:avLst/>
+          </a:prstGeom>
+          <a:noFill/>
+        </p:spPr>
+        <p:txBody>
+          <a:bodyPr wrap="square" rtlCol="1">
+            <a:spAutoFit/>
+          </a:bodyPr>
+          <a:lstStyle/>
+          <a:p>
+            <a:r>
+              <a:rPr lang="en-US" sz="800" dirty="0"/>
+              <a:t>&lt;&lt;include&gt;&gt;</a:t>
+            </a:r>
+            <a:endParaRPr lang="he-IL" sz="800" dirty="0"/>
+          </a:p>
+        </p:txBody>
+      </p:sp>
+      <p:sp>
+        <p:nvSpPr>
+          <p:cNvPr id="119" name="Oval 118">
+            <a:extLst>
+              <a:ext uri="{FF2B5EF4-FFF2-40B4-BE49-F238E27FC236}">
+                <a16:creationId xmlns:a16="http://schemas.microsoft.com/office/drawing/2014/main" id="{D188EAB9-3D80-4D78-83E2-D656B7FD8C3D}"/>
+              </a:ext>
+            </a:extLst>
+          </p:cNvPr>
+          <p:cNvSpPr/>
+          <p:nvPr/>
+        </p:nvSpPr>
+        <p:spPr>
+          <a:xfrm>
+            <a:off x="1512118" y="2868869"/>
+            <a:ext cx="1193313" cy="409003"/>
+          </a:xfrm>
+          <a:prstGeom prst="ellipse">
+            <a:avLst/>
+          </a:prstGeom>
+          <a:solidFill>
+            <a:schemeClr val="bg1"/>
+          </a:solidFill>
+        </p:spPr>
+        <p:style>
+          <a:lnRef idx="2">
+            <a:schemeClr val="accent1">
+              <a:shade val="50000"/>
+            </a:schemeClr>
+          </a:lnRef>
+          <a:fillRef idx="1">
+            <a:schemeClr val="accent1"/>
+          </a:fillRef>
+          <a:effectRef idx="0">
+            <a:schemeClr val="accent1"/>
+          </a:effectRef>
+          <a:fontRef idx="minor">
+            <a:schemeClr val="lt1"/>
+          </a:fontRef>
+        </p:style>
+        <p:txBody>
+          <a:bodyPr rtlCol="1" anchor="ctr"/>
+          <a:lstStyle/>
+          <a:p>
+            <a:pPr algn="ctr"/>
+            <a:r>
+              <a:rPr lang="en-US" sz="1400" dirty="0">
+                <a:solidFill>
+                  <a:schemeClr val="tx1"/>
+                </a:solidFill>
+              </a:rPr>
+              <a:t>Sign in</a:t>
+            </a:r>
+            <a:endParaRPr lang="he-IL" sz="1400" dirty="0">
+              <a:solidFill>
+                <a:schemeClr val="tx1"/>
+              </a:solidFill>
+            </a:endParaRPr>
+          </a:p>
+        </p:txBody>
+      </p:sp>
+      <p:cxnSp>
+        <p:nvCxnSpPr>
+          <p:cNvPr id="16" name="Straight Arrow Connector 15">
+            <a:extLst>
+              <a:ext uri="{FF2B5EF4-FFF2-40B4-BE49-F238E27FC236}">
+                <a16:creationId xmlns:a16="http://schemas.microsoft.com/office/drawing/2014/main" id="{CC85D8AF-0A2B-46CB-916D-5C1A235CEA69}"/>
+              </a:ext>
+            </a:extLst>
+          </p:cNvPr>
+          <p:cNvCxnSpPr/>
+          <p:nvPr/>
+        </p:nvCxnSpPr>
+        <p:spPr>
+          <a:xfrm>
+            <a:off x="1135555" y="1464129"/>
+            <a:ext cx="527071" cy="713935"/>
+          </a:xfrm>
+          <a:prstGeom prst="straightConnector1">
+            <a:avLst/>
+          </a:prstGeom>
+          <a:ln>
+            <a:tailEnd type="triangle"/>
+          </a:ln>
+        </p:spPr>
+        <p:style>
+          <a:lnRef idx="1">
+            <a:schemeClr val="accent1"/>
+          </a:lnRef>
+          <a:fillRef idx="0">
+            <a:schemeClr val="accent1"/>
+          </a:fillRef>
+          <a:effectRef idx="0">
+            <a:schemeClr val="accent1"/>
+          </a:effectRef>
+          <a:fontRef idx="minor">
+            <a:schemeClr val="tx1"/>
+          </a:fontRef>
+        </p:style>
+      </p:cxnSp>
+      <p:cxnSp>
+        <p:nvCxnSpPr>
+          <p:cNvPr id="18" name="Straight Arrow Connector 17">
+            <a:extLst>
+              <a:ext uri="{FF2B5EF4-FFF2-40B4-BE49-F238E27FC236}">
+                <a16:creationId xmlns:a16="http://schemas.microsoft.com/office/drawing/2014/main" id="{9286F9E6-DDA5-40F6-897D-B52352C5D72A}"/>
+              </a:ext>
+            </a:extLst>
+          </p:cNvPr>
+          <p:cNvCxnSpPr>
+            <a:cxnSpLocks/>
+          </p:cNvCxnSpPr>
+          <p:nvPr/>
+        </p:nvCxnSpPr>
+        <p:spPr>
+          <a:xfrm>
+            <a:off x="575151" y="1557880"/>
+            <a:ext cx="935230" cy="1320727"/>
+          </a:xfrm>
+          <a:prstGeom prst="straightConnector1">
+            <a:avLst/>
+          </a:prstGeom>
+          <a:ln>
+            <a:tailEnd type="triangle"/>
+          </a:ln>
+        </p:spPr>
+        <p:style>
+          <a:lnRef idx="1">
+            <a:schemeClr val="accent1"/>
+          </a:lnRef>
+          <a:fillRef idx="0">
+            <a:schemeClr val="accent1"/>
+          </a:fillRef>
+          <a:effectRef idx="0">
+            <a:schemeClr val="accent1"/>
+          </a:effectRef>
+          <a:fontRef idx="minor">
+            <a:schemeClr val="tx1"/>
+          </a:fontRef>
+        </p:style>
+      </p:cxnSp>
+      <p:cxnSp>
+        <p:nvCxnSpPr>
+          <p:cNvPr id="21" name="Straight Arrow Connector 20">
+            <a:extLst>
+              <a:ext uri="{FF2B5EF4-FFF2-40B4-BE49-F238E27FC236}">
+                <a16:creationId xmlns:a16="http://schemas.microsoft.com/office/drawing/2014/main" id="{68B1DDE5-6378-4523-9DD9-7B36A153AF59}"/>
+              </a:ext>
+            </a:extLst>
+          </p:cNvPr>
+          <p:cNvCxnSpPr/>
+          <p:nvPr/>
+        </p:nvCxnSpPr>
+        <p:spPr>
+          <a:xfrm flipV="1">
+            <a:off x="968047" y="3353071"/>
+            <a:ext cx="740779" cy="103726"/>
+          </a:xfrm>
+          <a:prstGeom prst="straightConnector1">
+            <a:avLst/>
+          </a:prstGeom>
+          <a:ln>
+            <a:tailEnd type="triangle"/>
+          </a:ln>
+        </p:spPr>
+        <p:style>
+          <a:lnRef idx="1">
+            <a:schemeClr val="accent1"/>
+          </a:lnRef>
+          <a:fillRef idx="0">
+            <a:schemeClr val="accent1"/>
+          </a:fillRef>
+          <a:effectRef idx="0">
+            <a:schemeClr val="accent1"/>
+          </a:effectRef>
+          <a:fontRef idx="minor">
+            <a:schemeClr val="tx1"/>
+          </a:fontRef>
+        </p:style>
+      </p:cxnSp>
+      <p:cxnSp>
+        <p:nvCxnSpPr>
+          <p:cNvPr id="141" name="Straight Arrow Connector 140">
+            <a:extLst>
+              <a:ext uri="{FF2B5EF4-FFF2-40B4-BE49-F238E27FC236}">
+                <a16:creationId xmlns:a16="http://schemas.microsoft.com/office/drawing/2014/main" id="{EB96BC86-FCE5-4EA0-A1C4-62852DB1F1A7}"/>
+              </a:ext>
+            </a:extLst>
+          </p:cNvPr>
+          <p:cNvCxnSpPr>
+            <a:cxnSpLocks/>
+          </p:cNvCxnSpPr>
+          <p:nvPr/>
+        </p:nvCxnSpPr>
+        <p:spPr>
+          <a:xfrm flipV="1">
+            <a:off x="1023466" y="3430272"/>
+            <a:ext cx="791638" cy="1537257"/>
+          </a:xfrm>
+          <a:prstGeom prst="straightConnector1">
+            <a:avLst/>
+          </a:prstGeom>
+          <a:ln>
+            <a:tailEnd type="triangle"/>
+          </a:ln>
+        </p:spPr>
+        <p:style>
+          <a:lnRef idx="1">
+            <a:schemeClr val="accent1"/>
+          </a:lnRef>
+          <a:fillRef idx="0">
+            <a:schemeClr val="accent1"/>
+          </a:fillRef>
+          <a:effectRef idx="0">
+            <a:schemeClr val="accent1"/>
+          </a:effectRef>
+          <a:fontRef idx="minor">
+            <a:schemeClr val="tx1"/>
+          </a:fontRef>
+        </p:style>
+      </p:cxnSp>
+      <p:cxnSp>
+        <p:nvCxnSpPr>
+          <p:cNvPr id="41" name="Straight Arrow Connector 40">
+            <a:extLst>
+              <a:ext uri="{FF2B5EF4-FFF2-40B4-BE49-F238E27FC236}">
+                <a16:creationId xmlns:a16="http://schemas.microsoft.com/office/drawing/2014/main" id="{3A11E6B6-F967-44E9-AE14-841929D2E3B6}"/>
+              </a:ext>
+            </a:extLst>
+          </p:cNvPr>
+          <p:cNvCxnSpPr>
+            <a:cxnSpLocks/>
+          </p:cNvCxnSpPr>
+          <p:nvPr/>
+        </p:nvCxnSpPr>
+        <p:spPr>
+          <a:xfrm flipH="1" flipV="1">
+            <a:off x="2263629" y="1356899"/>
+            <a:ext cx="124380" cy="1466591"/>
           </a:xfrm>
           <a:prstGeom prst="straightConnector1">
             <a:avLst/>
@@ -5596,7 +8286,7 @@
     </p:spTree>
     <p:extLst>
       <p:ext uri="{BB962C8B-B14F-4D97-AF65-F5344CB8AC3E}">
-        <p14:creationId xmlns:p14="http://schemas.microsoft.com/office/powerpoint/2010/main" val="634525437"/>
+        <p14:creationId xmlns:p14="http://schemas.microsoft.com/office/powerpoint/2010/main" val="1751487934"/>
       </p:ext>
     </p:extLst>
   </p:cSld>
